--- a/Project Weather Analysis.pptx
+++ b/Project Weather Analysis.pptx
@@ -5,66 +5,67 @@
     <p:sldMasterId id="2147483670" r:id="rId1"/>
   </p:sldMasterIdLst>
   <p:notesMasterIdLst>
-    <p:notesMasterId r:id="rId19"/>
+    <p:notesMasterId r:id="rId20"/>
   </p:notesMasterIdLst>
   <p:sldIdLst>
     <p:sldId id="256" r:id="rId2"/>
-    <p:sldId id="258" r:id="rId3"/>
-    <p:sldId id="263" r:id="rId4"/>
-    <p:sldId id="261" r:id="rId5"/>
-    <p:sldId id="281" r:id="rId6"/>
-    <p:sldId id="282" r:id="rId7"/>
-    <p:sldId id="284" r:id="rId8"/>
-    <p:sldId id="279" r:id="rId9"/>
-    <p:sldId id="283" r:id="rId10"/>
-    <p:sldId id="285" r:id="rId11"/>
-    <p:sldId id="286" r:id="rId12"/>
-    <p:sldId id="287" r:id="rId13"/>
-    <p:sldId id="288" r:id="rId14"/>
-    <p:sldId id="280" r:id="rId15"/>
-    <p:sldId id="289" r:id="rId16"/>
-    <p:sldId id="290" r:id="rId17"/>
-    <p:sldId id="278" r:id="rId18"/>
+    <p:sldId id="291" r:id="rId3"/>
+    <p:sldId id="258" r:id="rId4"/>
+    <p:sldId id="263" r:id="rId5"/>
+    <p:sldId id="261" r:id="rId6"/>
+    <p:sldId id="281" r:id="rId7"/>
+    <p:sldId id="282" r:id="rId8"/>
+    <p:sldId id="284" r:id="rId9"/>
+    <p:sldId id="279" r:id="rId10"/>
+    <p:sldId id="283" r:id="rId11"/>
+    <p:sldId id="285" r:id="rId12"/>
+    <p:sldId id="286" r:id="rId13"/>
+    <p:sldId id="287" r:id="rId14"/>
+    <p:sldId id="288" r:id="rId15"/>
+    <p:sldId id="280" r:id="rId16"/>
+    <p:sldId id="289" r:id="rId17"/>
+    <p:sldId id="290" r:id="rId18"/>
+    <p:sldId id="278" r:id="rId19"/>
   </p:sldIdLst>
   <p:sldSz cx="9144000" cy="5143500" type="screen16x9"/>
   <p:notesSz cx="6858000" cy="9144000"/>
   <p:embeddedFontLst>
     <p:embeddedFont>
+      <p:font typeface="Fira Sans Condensed Medium" panose="020B0604020202020204" charset="0"/>
+      <p:regular r:id="rId21"/>
+      <p:bold r:id="rId22"/>
+      <p:italic r:id="rId23"/>
+      <p:boldItalic r:id="rId24"/>
+    </p:embeddedFont>
+    <p:embeddedFont>
+      <p:font typeface="Book Antiqua" panose="02040602050305030304" pitchFamily="18" charset="0"/>
+      <p:regular r:id="rId25"/>
+      <p:bold r:id="rId26"/>
+      <p:italic r:id="rId27"/>
+      <p:boldItalic r:id="rId28"/>
+    </p:embeddedFont>
+    <p:embeddedFont>
+      <p:font typeface="Advent Pro SemiBold" panose="020B0604020202020204" charset="0"/>
+      <p:regular r:id="rId29"/>
+      <p:bold r:id="rId30"/>
+      <p:italic r:id="rId31"/>
+      <p:boldItalic r:id="rId32"/>
+    </p:embeddedFont>
+    <p:embeddedFont>
       <p:font typeface="Fira Sans Extra Condensed Medium" panose="020B0604020202020204" charset="0"/>
-      <p:regular r:id="rId20"/>
-      <p:bold r:id="rId21"/>
-      <p:italic r:id="rId22"/>
-      <p:boldItalic r:id="rId23"/>
+      <p:regular r:id="rId33"/>
+      <p:bold r:id="rId34"/>
+      <p:italic r:id="rId35"/>
+      <p:boldItalic r:id="rId36"/>
+    </p:embeddedFont>
+    <p:embeddedFont>
+      <p:font typeface="Maven Pro" panose="020B0604020202020204" charset="0"/>
+      <p:regular r:id="rId37"/>
+      <p:bold r:id="rId38"/>
     </p:embeddedFont>
     <p:embeddedFont>
       <p:font typeface="Share Tech" panose="020B0604020202020204" charset="0"/>
-      <p:regular r:id="rId24"/>
-    </p:embeddedFont>
-    <p:embeddedFont>
-      <p:font typeface="Maven Pro" panose="020B0604020202020204" charset="0"/>
-      <p:regular r:id="rId25"/>
-      <p:bold r:id="rId26"/>
-    </p:embeddedFont>
-    <p:embeddedFont>
-      <p:font typeface="Book Antiqua" panose="02040602050305030304" pitchFamily="18" charset="0"/>
-      <p:regular r:id="rId27"/>
-      <p:bold r:id="rId28"/>
-      <p:italic r:id="rId29"/>
-      <p:boldItalic r:id="rId30"/>
-    </p:embeddedFont>
-    <p:embeddedFont>
-      <p:font typeface="Fira Sans Condensed Medium" panose="020B0604020202020204" charset="0"/>
-      <p:regular r:id="rId31"/>
-      <p:bold r:id="rId32"/>
-      <p:italic r:id="rId33"/>
-      <p:boldItalic r:id="rId34"/>
-    </p:embeddedFont>
-    <p:embeddedFont>
-      <p:font typeface="Advent Pro SemiBold" panose="020B0604020202020204" charset="0"/>
-      <p:regular r:id="rId35"/>
-      <p:bold r:id="rId36"/>
-      <p:italic r:id="rId37"/>
-      <p:boldItalic r:id="rId38"/>
+      <p:regular r:id="rId39"/>
     </p:embeddedFont>
   </p:embeddedFontLst>
   <p:defaultTextStyle>
@@ -296,6 +297,11 @@
       </a:defRPr>
     </a:lvl9pPr>
   </p:defaultTextStyle>
+  <p:extLst>
+    <p:ext uri="{EFAFB233-063F-42B5-8137-9DF3F51BA10A}">
+      <p15:sldGuideLst xmlns:p15="http://schemas.microsoft.com/office/powerpoint/2012/main"/>
+    </p:ext>
+  </p:extLst>
 </p:presentation>
 </file>
 
@@ -943,7 +949,7 @@
     </p:spTree>
     <p:extLst>
       <p:ext uri="{BB962C8B-B14F-4D97-AF65-F5344CB8AC3E}">
-        <p14:creationId xmlns:p14="http://schemas.microsoft.com/office/powerpoint/2010/main" val="3676338483"/>
+        <p14:creationId xmlns:p14="http://schemas.microsoft.com/office/powerpoint/2010/main" val="2859389407"/>
       </p:ext>
     </p:extLst>
   </p:cSld>
@@ -1052,7 +1058,7 @@
     </p:spTree>
     <p:extLst>
       <p:ext uri="{BB962C8B-B14F-4D97-AF65-F5344CB8AC3E}">
-        <p14:creationId xmlns:p14="http://schemas.microsoft.com/office/powerpoint/2010/main" val="1726748117"/>
+        <p14:creationId xmlns:p14="http://schemas.microsoft.com/office/powerpoint/2010/main" val="3676338483"/>
       </p:ext>
     </p:extLst>
   </p:cSld>
@@ -1161,7 +1167,7 @@
     </p:spTree>
     <p:extLst>
       <p:ext uri="{BB962C8B-B14F-4D97-AF65-F5344CB8AC3E}">
-        <p14:creationId xmlns:p14="http://schemas.microsoft.com/office/powerpoint/2010/main" val="4061734724"/>
+        <p14:creationId xmlns:p14="http://schemas.microsoft.com/office/powerpoint/2010/main" val="1726748117"/>
       </p:ext>
     </p:extLst>
   </p:cSld>
@@ -1270,6 +1276,115 @@
     </p:spTree>
     <p:extLst>
       <p:ext uri="{BB962C8B-B14F-4D97-AF65-F5344CB8AC3E}">
+        <p14:creationId xmlns:p14="http://schemas.microsoft.com/office/powerpoint/2010/main" val="4061734724"/>
+      </p:ext>
+    </p:extLst>
+  </p:cSld>
+  <p:clrMapOvr>
+    <a:masterClrMapping/>
+  </p:clrMapOvr>
+</p:notes>
+</file>
+
+<file path=ppt/notesSlides/notesSlide14.xml><?xml version="1.0" encoding="utf-8"?>
+<p:notes xmlns:a="http://schemas.openxmlformats.org/drawingml/2006/main" xmlns:r="http://schemas.openxmlformats.org/officeDocument/2006/relationships" xmlns:p="http://schemas.openxmlformats.org/presentationml/2006/main" showMasterSp="0" showMasterPhAnim="0">
+  <p:cSld>
+    <p:spTree>
+      <p:nvGrpSpPr>
+        <p:cNvPr id="1" name="Shape 597"/>
+        <p:cNvGrpSpPr/>
+        <p:nvPr/>
+      </p:nvGrpSpPr>
+      <p:grpSpPr>
+        <a:xfrm>
+          <a:off x="0" y="0"/>
+          <a:ext cx="0" cy="0"/>
+          <a:chOff x="0" y="0"/>
+          <a:chExt cx="0" cy="0"/>
+        </a:xfrm>
+      </p:grpSpPr>
+      <p:sp>
+        <p:nvSpPr>
+          <p:cNvPr id="598" name="Google Shape;598;g6c4305b01e_0_10:notes"/>
+          <p:cNvSpPr>
+            <a:spLocks noGrp="1" noRot="1" noChangeAspect="1"/>
+          </p:cNvSpPr>
+          <p:nvPr>
+            <p:ph type="sldImg" idx="2"/>
+          </p:nvPr>
+        </p:nvSpPr>
+        <p:spPr>
+          <a:xfrm>
+            <a:off x="381000" y="685800"/>
+            <a:ext cx="6096000" cy="3429000"/>
+          </a:xfrm>
+          <a:custGeom>
+            <a:avLst/>
+            <a:gdLst/>
+            <a:ahLst/>
+            <a:cxnLst/>
+            <a:rect l="l" t="t" r="r" b="b"/>
+            <a:pathLst>
+              <a:path w="120000" h="120000" extrusionOk="0">
+                <a:moveTo>
+                  <a:pt x="0" y="0"/>
+                </a:moveTo>
+                <a:lnTo>
+                  <a:pt x="120000" y="0"/>
+                </a:lnTo>
+                <a:lnTo>
+                  <a:pt x="120000" y="120000"/>
+                </a:lnTo>
+                <a:lnTo>
+                  <a:pt x="0" y="120000"/>
+                </a:lnTo>
+                <a:close/>
+              </a:path>
+            </a:pathLst>
+          </a:custGeom>
+        </p:spPr>
+      </p:sp>
+      <p:sp>
+        <p:nvSpPr>
+          <p:cNvPr id="599" name="Google Shape;599;g6c4305b01e_0_10:notes"/>
+          <p:cNvSpPr txBox="1">
+            <a:spLocks noGrp="1"/>
+          </p:cNvSpPr>
+          <p:nvPr>
+            <p:ph type="body" idx="1"/>
+          </p:nvPr>
+        </p:nvSpPr>
+        <p:spPr>
+          <a:xfrm>
+            <a:off x="685800" y="4343400"/>
+            <a:ext cx="5486400" cy="4114800"/>
+          </a:xfrm>
+          <a:prstGeom prst="rect">
+            <a:avLst/>
+          </a:prstGeom>
+        </p:spPr>
+        <p:txBody>
+          <a:bodyPr spcFirstLastPara="1" wrap="square" lIns="91425" tIns="91425" rIns="91425" bIns="91425" anchor="t" anchorCtr="0">
+            <a:noAutofit/>
+          </a:bodyPr>
+          <a:lstStyle/>
+          <a:p>
+            <a:pPr marL="0" lvl="0" indent="0" algn="l" rtl="0">
+              <a:spcBef>
+                <a:spcPts val="0"/>
+              </a:spcBef>
+              <a:spcAft>
+                <a:spcPts val="0"/>
+              </a:spcAft>
+              <a:buNone/>
+            </a:pPr>
+            <a:endParaRPr/>
+          </a:p>
+        </p:txBody>
+      </p:sp>
+    </p:spTree>
+    <p:extLst>
+      <p:ext uri="{BB962C8B-B14F-4D97-AF65-F5344CB8AC3E}">
         <p14:creationId xmlns:p14="http://schemas.microsoft.com/office/powerpoint/2010/main" val="3547941204"/>
       </p:ext>
     </p:extLst>
@@ -1280,7 +1395,7 @@
 </p:notes>
 </file>
 
-<file path=ppt/notesSlides/notesSlide14.xml><?xml version="1.0" encoding="utf-8"?>
+<file path=ppt/notesSlides/notesSlide15.xml><?xml version="1.0" encoding="utf-8"?>
 <p:notes xmlns:a="http://schemas.openxmlformats.org/drawingml/2006/main" xmlns:r="http://schemas.openxmlformats.org/officeDocument/2006/relationships" xmlns:p="http://schemas.openxmlformats.org/presentationml/2006/main" showMasterSp="0" showMasterPhAnim="0">
   <p:cSld>
     <p:spTree>
@@ -1380,115 +1495,6 @@
     <p:extLst>
       <p:ext uri="{BB962C8B-B14F-4D97-AF65-F5344CB8AC3E}">
         <p14:creationId xmlns:p14="http://schemas.microsoft.com/office/powerpoint/2010/main" val="2785238247"/>
-      </p:ext>
-    </p:extLst>
-  </p:cSld>
-  <p:clrMapOvr>
-    <a:masterClrMapping/>
-  </p:clrMapOvr>
-</p:notes>
-</file>
-
-<file path=ppt/notesSlides/notesSlide15.xml><?xml version="1.0" encoding="utf-8"?>
-<p:notes xmlns:a="http://schemas.openxmlformats.org/drawingml/2006/main" xmlns:r="http://schemas.openxmlformats.org/officeDocument/2006/relationships" xmlns:p="http://schemas.openxmlformats.org/presentationml/2006/main" showMasterSp="0" showMasterPhAnim="0">
-  <p:cSld>
-    <p:spTree>
-      <p:nvGrpSpPr>
-        <p:cNvPr id="1" name="Shape 597"/>
-        <p:cNvGrpSpPr/>
-        <p:nvPr/>
-      </p:nvGrpSpPr>
-      <p:grpSpPr>
-        <a:xfrm>
-          <a:off x="0" y="0"/>
-          <a:ext cx="0" cy="0"/>
-          <a:chOff x="0" y="0"/>
-          <a:chExt cx="0" cy="0"/>
-        </a:xfrm>
-      </p:grpSpPr>
-      <p:sp>
-        <p:nvSpPr>
-          <p:cNvPr id="598" name="Google Shape;598;g6c4305b01e_0_10:notes"/>
-          <p:cNvSpPr>
-            <a:spLocks noGrp="1" noRot="1" noChangeAspect="1"/>
-          </p:cNvSpPr>
-          <p:nvPr>
-            <p:ph type="sldImg" idx="2"/>
-          </p:nvPr>
-        </p:nvSpPr>
-        <p:spPr>
-          <a:xfrm>
-            <a:off x="381000" y="685800"/>
-            <a:ext cx="6096000" cy="3429000"/>
-          </a:xfrm>
-          <a:custGeom>
-            <a:avLst/>
-            <a:gdLst/>
-            <a:ahLst/>
-            <a:cxnLst/>
-            <a:rect l="l" t="t" r="r" b="b"/>
-            <a:pathLst>
-              <a:path w="120000" h="120000" extrusionOk="0">
-                <a:moveTo>
-                  <a:pt x="0" y="0"/>
-                </a:moveTo>
-                <a:lnTo>
-                  <a:pt x="120000" y="0"/>
-                </a:lnTo>
-                <a:lnTo>
-                  <a:pt x="120000" y="120000"/>
-                </a:lnTo>
-                <a:lnTo>
-                  <a:pt x="0" y="120000"/>
-                </a:lnTo>
-                <a:close/>
-              </a:path>
-            </a:pathLst>
-          </a:custGeom>
-        </p:spPr>
-      </p:sp>
-      <p:sp>
-        <p:nvSpPr>
-          <p:cNvPr id="599" name="Google Shape;599;g6c4305b01e_0_10:notes"/>
-          <p:cNvSpPr txBox="1">
-            <a:spLocks noGrp="1"/>
-          </p:cNvSpPr>
-          <p:nvPr>
-            <p:ph type="body" idx="1"/>
-          </p:nvPr>
-        </p:nvSpPr>
-        <p:spPr>
-          <a:xfrm>
-            <a:off x="685800" y="4343400"/>
-            <a:ext cx="5486400" cy="4114800"/>
-          </a:xfrm>
-          <a:prstGeom prst="rect">
-            <a:avLst/>
-          </a:prstGeom>
-        </p:spPr>
-        <p:txBody>
-          <a:bodyPr spcFirstLastPara="1" wrap="square" lIns="91425" tIns="91425" rIns="91425" bIns="91425" anchor="t" anchorCtr="0">
-            <a:noAutofit/>
-          </a:bodyPr>
-          <a:lstStyle/>
-          <a:p>
-            <a:pPr marL="0" lvl="0" indent="0" algn="l" rtl="0">
-              <a:spcBef>
-                <a:spcPts val="0"/>
-              </a:spcBef>
-              <a:spcAft>
-                <a:spcPts val="0"/>
-              </a:spcAft>
-              <a:buNone/>
-            </a:pPr>
-            <a:endParaRPr/>
-          </a:p>
-        </p:txBody>
-      </p:sp>
-    </p:spTree>
-    <p:extLst>
-      <p:ext uri="{BB962C8B-B14F-4D97-AF65-F5344CB8AC3E}">
-        <p14:creationId xmlns:p14="http://schemas.microsoft.com/office/powerpoint/2010/main" val="2447728705"/>
       </p:ext>
     </p:extLst>
   </p:cSld>
@@ -1597,6 +1603,115 @@
     </p:spTree>
     <p:extLst>
       <p:ext uri="{BB962C8B-B14F-4D97-AF65-F5344CB8AC3E}">
+        <p14:creationId xmlns:p14="http://schemas.microsoft.com/office/powerpoint/2010/main" val="2447728705"/>
+      </p:ext>
+    </p:extLst>
+  </p:cSld>
+  <p:clrMapOvr>
+    <a:masterClrMapping/>
+  </p:clrMapOvr>
+</p:notes>
+</file>
+
+<file path=ppt/notesSlides/notesSlide17.xml><?xml version="1.0" encoding="utf-8"?>
+<p:notes xmlns:a="http://schemas.openxmlformats.org/drawingml/2006/main" xmlns:r="http://schemas.openxmlformats.org/officeDocument/2006/relationships" xmlns:p="http://schemas.openxmlformats.org/presentationml/2006/main" showMasterSp="0" showMasterPhAnim="0">
+  <p:cSld>
+    <p:spTree>
+      <p:nvGrpSpPr>
+        <p:cNvPr id="1" name="Shape 597"/>
+        <p:cNvGrpSpPr/>
+        <p:nvPr/>
+      </p:nvGrpSpPr>
+      <p:grpSpPr>
+        <a:xfrm>
+          <a:off x="0" y="0"/>
+          <a:ext cx="0" cy="0"/>
+          <a:chOff x="0" y="0"/>
+          <a:chExt cx="0" cy="0"/>
+        </a:xfrm>
+      </p:grpSpPr>
+      <p:sp>
+        <p:nvSpPr>
+          <p:cNvPr id="598" name="Google Shape;598;g6c4305b01e_0_10:notes"/>
+          <p:cNvSpPr>
+            <a:spLocks noGrp="1" noRot="1" noChangeAspect="1"/>
+          </p:cNvSpPr>
+          <p:nvPr>
+            <p:ph type="sldImg" idx="2"/>
+          </p:nvPr>
+        </p:nvSpPr>
+        <p:spPr>
+          <a:xfrm>
+            <a:off x="381000" y="685800"/>
+            <a:ext cx="6096000" cy="3429000"/>
+          </a:xfrm>
+          <a:custGeom>
+            <a:avLst/>
+            <a:gdLst/>
+            <a:ahLst/>
+            <a:cxnLst/>
+            <a:rect l="l" t="t" r="r" b="b"/>
+            <a:pathLst>
+              <a:path w="120000" h="120000" extrusionOk="0">
+                <a:moveTo>
+                  <a:pt x="0" y="0"/>
+                </a:moveTo>
+                <a:lnTo>
+                  <a:pt x="120000" y="0"/>
+                </a:lnTo>
+                <a:lnTo>
+                  <a:pt x="120000" y="120000"/>
+                </a:lnTo>
+                <a:lnTo>
+                  <a:pt x="0" y="120000"/>
+                </a:lnTo>
+                <a:close/>
+              </a:path>
+            </a:pathLst>
+          </a:custGeom>
+        </p:spPr>
+      </p:sp>
+      <p:sp>
+        <p:nvSpPr>
+          <p:cNvPr id="599" name="Google Shape;599;g6c4305b01e_0_10:notes"/>
+          <p:cNvSpPr txBox="1">
+            <a:spLocks noGrp="1"/>
+          </p:cNvSpPr>
+          <p:nvPr>
+            <p:ph type="body" idx="1"/>
+          </p:nvPr>
+        </p:nvSpPr>
+        <p:spPr>
+          <a:xfrm>
+            <a:off x="685800" y="4343400"/>
+            <a:ext cx="5486400" cy="4114800"/>
+          </a:xfrm>
+          <a:prstGeom prst="rect">
+            <a:avLst/>
+          </a:prstGeom>
+        </p:spPr>
+        <p:txBody>
+          <a:bodyPr spcFirstLastPara="1" wrap="square" lIns="91425" tIns="91425" rIns="91425" bIns="91425" anchor="t" anchorCtr="0">
+            <a:noAutofit/>
+          </a:bodyPr>
+          <a:lstStyle/>
+          <a:p>
+            <a:pPr marL="0" lvl="0" indent="0" algn="l" rtl="0">
+              <a:spcBef>
+                <a:spcPts val="0"/>
+              </a:spcBef>
+              <a:spcAft>
+                <a:spcPts val="0"/>
+              </a:spcAft>
+              <a:buNone/>
+            </a:pPr>
+            <a:endParaRPr/>
+          </a:p>
+        </p:txBody>
+      </p:sp>
+    </p:spTree>
+    <p:extLst>
+      <p:ext uri="{BB962C8B-B14F-4D97-AF65-F5344CB8AC3E}">
         <p14:creationId xmlns:p14="http://schemas.microsoft.com/office/powerpoint/2010/main" val="2634567381"/>
       </p:ext>
     </p:extLst>
@@ -1607,7 +1722,7 @@
 </p:notes>
 </file>
 
-<file path=ppt/notesSlides/notesSlide17.xml><?xml version="1.0" encoding="utf-8"?>
+<file path=ppt/notesSlides/notesSlide18.xml><?xml version="1.0" encoding="utf-8"?>
 <p:notes xmlns:a="http://schemas.openxmlformats.org/drawingml/2006/main" xmlns:r="http://schemas.openxmlformats.org/officeDocument/2006/relationships" xmlns:p="http://schemas.openxmlformats.org/presentationml/2006/main" showMasterSp="0" showMasterPhAnim="0">
   <p:cSld>
     <p:spTree>
@@ -1716,6 +1831,115 @@
   <p:cSld>
     <p:spTree>
       <p:nvGrpSpPr>
+        <p:cNvPr id="1" name="Shape 597"/>
+        <p:cNvGrpSpPr/>
+        <p:nvPr/>
+      </p:nvGrpSpPr>
+      <p:grpSpPr>
+        <a:xfrm>
+          <a:off x="0" y="0"/>
+          <a:ext cx="0" cy="0"/>
+          <a:chOff x="0" y="0"/>
+          <a:chExt cx="0" cy="0"/>
+        </a:xfrm>
+      </p:grpSpPr>
+      <p:sp>
+        <p:nvSpPr>
+          <p:cNvPr id="598" name="Google Shape;598;g6c4305b01e_0_10:notes"/>
+          <p:cNvSpPr>
+            <a:spLocks noGrp="1" noRot="1" noChangeAspect="1"/>
+          </p:cNvSpPr>
+          <p:nvPr>
+            <p:ph type="sldImg" idx="2"/>
+          </p:nvPr>
+        </p:nvSpPr>
+        <p:spPr>
+          <a:xfrm>
+            <a:off x="381000" y="685800"/>
+            <a:ext cx="6096000" cy="3429000"/>
+          </a:xfrm>
+          <a:custGeom>
+            <a:avLst/>
+            <a:gdLst/>
+            <a:ahLst/>
+            <a:cxnLst/>
+            <a:rect l="l" t="t" r="r" b="b"/>
+            <a:pathLst>
+              <a:path w="120000" h="120000" extrusionOk="0">
+                <a:moveTo>
+                  <a:pt x="0" y="0"/>
+                </a:moveTo>
+                <a:lnTo>
+                  <a:pt x="120000" y="0"/>
+                </a:lnTo>
+                <a:lnTo>
+                  <a:pt x="120000" y="120000"/>
+                </a:lnTo>
+                <a:lnTo>
+                  <a:pt x="0" y="120000"/>
+                </a:lnTo>
+                <a:close/>
+              </a:path>
+            </a:pathLst>
+          </a:custGeom>
+        </p:spPr>
+      </p:sp>
+      <p:sp>
+        <p:nvSpPr>
+          <p:cNvPr id="599" name="Google Shape;599;g6c4305b01e_0_10:notes"/>
+          <p:cNvSpPr txBox="1">
+            <a:spLocks noGrp="1"/>
+          </p:cNvSpPr>
+          <p:nvPr>
+            <p:ph type="body" idx="1"/>
+          </p:nvPr>
+        </p:nvSpPr>
+        <p:spPr>
+          <a:xfrm>
+            <a:off x="685800" y="4343400"/>
+            <a:ext cx="5486400" cy="4114800"/>
+          </a:xfrm>
+          <a:prstGeom prst="rect">
+            <a:avLst/>
+          </a:prstGeom>
+        </p:spPr>
+        <p:txBody>
+          <a:bodyPr spcFirstLastPara="1" wrap="square" lIns="91425" tIns="91425" rIns="91425" bIns="91425" anchor="t" anchorCtr="0">
+            <a:noAutofit/>
+          </a:bodyPr>
+          <a:lstStyle/>
+          <a:p>
+            <a:pPr marL="0" lvl="0" indent="0" algn="l" rtl="0">
+              <a:spcBef>
+                <a:spcPts val="0"/>
+              </a:spcBef>
+              <a:spcAft>
+                <a:spcPts val="0"/>
+              </a:spcAft>
+              <a:buNone/>
+            </a:pPr>
+            <a:endParaRPr/>
+          </a:p>
+        </p:txBody>
+      </p:sp>
+    </p:spTree>
+    <p:extLst>
+      <p:ext uri="{BB962C8B-B14F-4D97-AF65-F5344CB8AC3E}">
+        <p14:creationId xmlns:p14="http://schemas.microsoft.com/office/powerpoint/2010/main" val="689503769"/>
+      </p:ext>
+    </p:extLst>
+  </p:cSld>
+  <p:clrMapOvr>
+    <a:masterClrMapping/>
+  </p:clrMapOvr>
+</p:notes>
+</file>
+
+<file path=ppt/notesSlides/notesSlide3.xml><?xml version="1.0" encoding="utf-8"?>
+<p:notes xmlns:a="http://schemas.openxmlformats.org/drawingml/2006/main" xmlns:r="http://schemas.openxmlformats.org/officeDocument/2006/relationships" xmlns:p="http://schemas.openxmlformats.org/presentationml/2006/main" showMasterSp="0" showMasterPhAnim="0">
+  <p:cSld>
+    <p:spTree>
+      <p:nvGrpSpPr>
         <p:cNvPr id="1" name="Shape 468"/>
         <p:cNvGrpSpPr/>
         <p:nvPr/>
@@ -1815,7 +2039,7 @@
 </p:notes>
 </file>
 
-<file path=ppt/notesSlides/notesSlide3.xml><?xml version="1.0" encoding="utf-8"?>
+<file path=ppt/notesSlides/notesSlide4.xml><?xml version="1.0" encoding="utf-8"?>
 <p:notes xmlns:a="http://schemas.openxmlformats.org/drawingml/2006/main" xmlns:r="http://schemas.openxmlformats.org/officeDocument/2006/relationships" xmlns:p="http://schemas.openxmlformats.org/presentationml/2006/main" showMasterSp="0" showMasterPhAnim="0">
   <p:cSld>
     <p:spTree>
@@ -1876,110 +2100,6 @@
       <p:sp>
         <p:nvSpPr>
           <p:cNvPr id="686" name="Google Shape;686;g6c60e245bf_1_31323:notes"/>
-          <p:cNvSpPr txBox="1">
-            <a:spLocks noGrp="1"/>
-          </p:cNvSpPr>
-          <p:nvPr>
-            <p:ph type="body" idx="1"/>
-          </p:nvPr>
-        </p:nvSpPr>
-        <p:spPr>
-          <a:xfrm>
-            <a:off x="685800" y="4343400"/>
-            <a:ext cx="5486400" cy="4114800"/>
-          </a:xfrm>
-          <a:prstGeom prst="rect">
-            <a:avLst/>
-          </a:prstGeom>
-        </p:spPr>
-        <p:txBody>
-          <a:bodyPr spcFirstLastPara="1" wrap="square" lIns="91425" tIns="91425" rIns="91425" bIns="91425" anchor="t" anchorCtr="0">
-            <a:noAutofit/>
-          </a:bodyPr>
-          <a:lstStyle/>
-          <a:p>
-            <a:pPr marL="0" lvl="0" indent="0" algn="l" rtl="0">
-              <a:spcBef>
-                <a:spcPts val="0"/>
-              </a:spcBef>
-              <a:spcAft>
-                <a:spcPts val="0"/>
-              </a:spcAft>
-              <a:buNone/>
-            </a:pPr>
-            <a:endParaRPr/>
-          </a:p>
-        </p:txBody>
-      </p:sp>
-    </p:spTree>
-  </p:cSld>
-  <p:clrMapOvr>
-    <a:masterClrMapping/>
-  </p:clrMapOvr>
-</p:notes>
-</file>
-
-<file path=ppt/notesSlides/notesSlide4.xml><?xml version="1.0" encoding="utf-8"?>
-<p:notes xmlns:a="http://schemas.openxmlformats.org/drawingml/2006/main" xmlns:r="http://schemas.openxmlformats.org/officeDocument/2006/relationships" xmlns:p="http://schemas.openxmlformats.org/presentationml/2006/main" showMasterSp="0" showMasterPhAnim="0">
-  <p:cSld>
-    <p:spTree>
-      <p:nvGrpSpPr>
-        <p:cNvPr id="1" name="Shape 597"/>
-        <p:cNvGrpSpPr/>
-        <p:nvPr/>
-      </p:nvGrpSpPr>
-      <p:grpSpPr>
-        <a:xfrm>
-          <a:off x="0" y="0"/>
-          <a:ext cx="0" cy="0"/>
-          <a:chOff x="0" y="0"/>
-          <a:chExt cx="0" cy="0"/>
-        </a:xfrm>
-      </p:grpSpPr>
-      <p:sp>
-        <p:nvSpPr>
-          <p:cNvPr id="598" name="Google Shape;598;g6c4305b01e_0_10:notes"/>
-          <p:cNvSpPr>
-            <a:spLocks noGrp="1" noRot="1" noChangeAspect="1"/>
-          </p:cNvSpPr>
-          <p:nvPr>
-            <p:ph type="sldImg" idx="2"/>
-          </p:nvPr>
-        </p:nvSpPr>
-        <p:spPr>
-          <a:xfrm>
-            <a:off x="381000" y="685800"/>
-            <a:ext cx="6096000" cy="3429000"/>
-          </a:xfrm>
-          <a:custGeom>
-            <a:avLst/>
-            <a:gdLst/>
-            <a:ahLst/>
-            <a:cxnLst/>
-            <a:rect l="l" t="t" r="r" b="b"/>
-            <a:pathLst>
-              <a:path w="120000" h="120000" extrusionOk="0">
-                <a:moveTo>
-                  <a:pt x="0" y="0"/>
-                </a:moveTo>
-                <a:lnTo>
-                  <a:pt x="120000" y="0"/>
-                </a:lnTo>
-                <a:lnTo>
-                  <a:pt x="120000" y="120000"/>
-                </a:lnTo>
-                <a:lnTo>
-                  <a:pt x="0" y="120000"/>
-                </a:lnTo>
-                <a:close/>
-              </a:path>
-            </a:pathLst>
-          </a:custGeom>
-        </p:spPr>
-      </p:sp>
-      <p:sp>
-        <p:nvSpPr>
-          <p:cNvPr id="599" name="Google Shape;599;g6c4305b01e_0_10:notes"/>
           <p:cNvSpPr txBox="1">
             <a:spLocks noGrp="1"/>
           </p:cNvSpPr>
@@ -2120,11 +2240,6 @@
         </p:txBody>
       </p:sp>
     </p:spTree>
-    <p:extLst>
-      <p:ext uri="{BB962C8B-B14F-4D97-AF65-F5344CB8AC3E}">
-        <p14:creationId xmlns:p14="http://schemas.microsoft.com/office/powerpoint/2010/main" val="2324674581"/>
-      </p:ext>
-    </p:extLst>
   </p:cSld>
   <p:clrMapOvr>
     <a:masterClrMapping/>
@@ -2231,7 +2346,7 @@
     </p:spTree>
     <p:extLst>
       <p:ext uri="{BB962C8B-B14F-4D97-AF65-F5344CB8AC3E}">
-        <p14:creationId xmlns:p14="http://schemas.microsoft.com/office/powerpoint/2010/main" val="2426669626"/>
+        <p14:creationId xmlns:p14="http://schemas.microsoft.com/office/powerpoint/2010/main" val="2324674581"/>
       </p:ext>
     </p:extLst>
   </p:cSld>
@@ -2340,6 +2455,115 @@
     </p:spTree>
     <p:extLst>
       <p:ext uri="{BB962C8B-B14F-4D97-AF65-F5344CB8AC3E}">
+        <p14:creationId xmlns:p14="http://schemas.microsoft.com/office/powerpoint/2010/main" val="2426669626"/>
+      </p:ext>
+    </p:extLst>
+  </p:cSld>
+  <p:clrMapOvr>
+    <a:masterClrMapping/>
+  </p:clrMapOvr>
+</p:notes>
+</file>
+
+<file path=ppt/notesSlides/notesSlide8.xml><?xml version="1.0" encoding="utf-8"?>
+<p:notes xmlns:a="http://schemas.openxmlformats.org/drawingml/2006/main" xmlns:r="http://schemas.openxmlformats.org/officeDocument/2006/relationships" xmlns:p="http://schemas.openxmlformats.org/presentationml/2006/main" showMasterSp="0" showMasterPhAnim="0">
+  <p:cSld>
+    <p:spTree>
+      <p:nvGrpSpPr>
+        <p:cNvPr id="1" name="Shape 597"/>
+        <p:cNvGrpSpPr/>
+        <p:nvPr/>
+      </p:nvGrpSpPr>
+      <p:grpSpPr>
+        <a:xfrm>
+          <a:off x="0" y="0"/>
+          <a:ext cx="0" cy="0"/>
+          <a:chOff x="0" y="0"/>
+          <a:chExt cx="0" cy="0"/>
+        </a:xfrm>
+      </p:grpSpPr>
+      <p:sp>
+        <p:nvSpPr>
+          <p:cNvPr id="598" name="Google Shape;598;g6c4305b01e_0_10:notes"/>
+          <p:cNvSpPr>
+            <a:spLocks noGrp="1" noRot="1" noChangeAspect="1"/>
+          </p:cNvSpPr>
+          <p:nvPr>
+            <p:ph type="sldImg" idx="2"/>
+          </p:nvPr>
+        </p:nvSpPr>
+        <p:spPr>
+          <a:xfrm>
+            <a:off x="381000" y="685800"/>
+            <a:ext cx="6096000" cy="3429000"/>
+          </a:xfrm>
+          <a:custGeom>
+            <a:avLst/>
+            <a:gdLst/>
+            <a:ahLst/>
+            <a:cxnLst/>
+            <a:rect l="l" t="t" r="r" b="b"/>
+            <a:pathLst>
+              <a:path w="120000" h="120000" extrusionOk="0">
+                <a:moveTo>
+                  <a:pt x="0" y="0"/>
+                </a:moveTo>
+                <a:lnTo>
+                  <a:pt x="120000" y="0"/>
+                </a:lnTo>
+                <a:lnTo>
+                  <a:pt x="120000" y="120000"/>
+                </a:lnTo>
+                <a:lnTo>
+                  <a:pt x="0" y="120000"/>
+                </a:lnTo>
+                <a:close/>
+              </a:path>
+            </a:pathLst>
+          </a:custGeom>
+        </p:spPr>
+      </p:sp>
+      <p:sp>
+        <p:nvSpPr>
+          <p:cNvPr id="599" name="Google Shape;599;g6c4305b01e_0_10:notes"/>
+          <p:cNvSpPr txBox="1">
+            <a:spLocks noGrp="1"/>
+          </p:cNvSpPr>
+          <p:nvPr>
+            <p:ph type="body" idx="1"/>
+          </p:nvPr>
+        </p:nvSpPr>
+        <p:spPr>
+          <a:xfrm>
+            <a:off x="685800" y="4343400"/>
+            <a:ext cx="5486400" cy="4114800"/>
+          </a:xfrm>
+          <a:prstGeom prst="rect">
+            <a:avLst/>
+          </a:prstGeom>
+        </p:spPr>
+        <p:txBody>
+          <a:bodyPr spcFirstLastPara="1" wrap="square" lIns="91425" tIns="91425" rIns="91425" bIns="91425" anchor="t" anchorCtr="0">
+            <a:noAutofit/>
+          </a:bodyPr>
+          <a:lstStyle/>
+          <a:p>
+            <a:pPr marL="0" lvl="0" indent="0" algn="l" rtl="0">
+              <a:spcBef>
+                <a:spcPts val="0"/>
+              </a:spcBef>
+              <a:spcAft>
+                <a:spcPts val="0"/>
+              </a:spcAft>
+              <a:buNone/>
+            </a:pPr>
+            <a:endParaRPr/>
+          </a:p>
+        </p:txBody>
+      </p:sp>
+    </p:spTree>
+    <p:extLst>
+      <p:ext uri="{BB962C8B-B14F-4D97-AF65-F5344CB8AC3E}">
         <p14:creationId xmlns:p14="http://schemas.microsoft.com/office/powerpoint/2010/main" val="3090428985"/>
       </p:ext>
     </p:extLst>
@@ -2350,7 +2574,7 @@
 </p:notes>
 </file>
 
-<file path=ppt/notesSlides/notesSlide8.xml><?xml version="1.0" encoding="utf-8"?>
+<file path=ppt/notesSlides/notesSlide9.xml><?xml version="1.0" encoding="utf-8"?>
 <p:notes xmlns:a="http://schemas.openxmlformats.org/drawingml/2006/main" xmlns:r="http://schemas.openxmlformats.org/officeDocument/2006/relationships" xmlns:p="http://schemas.openxmlformats.org/presentationml/2006/main" showMasterSp="0" showMasterPhAnim="0">
   <p:cSld>
     <p:spTree>
@@ -2459,115 +2683,6 @@
 </p:notes>
 </file>
 
-<file path=ppt/notesSlides/notesSlide9.xml><?xml version="1.0" encoding="utf-8"?>
-<p:notes xmlns:a="http://schemas.openxmlformats.org/drawingml/2006/main" xmlns:r="http://schemas.openxmlformats.org/officeDocument/2006/relationships" xmlns:p="http://schemas.openxmlformats.org/presentationml/2006/main" showMasterSp="0" showMasterPhAnim="0">
-  <p:cSld>
-    <p:spTree>
-      <p:nvGrpSpPr>
-        <p:cNvPr id="1" name="Shape 597"/>
-        <p:cNvGrpSpPr/>
-        <p:nvPr/>
-      </p:nvGrpSpPr>
-      <p:grpSpPr>
-        <a:xfrm>
-          <a:off x="0" y="0"/>
-          <a:ext cx="0" cy="0"/>
-          <a:chOff x="0" y="0"/>
-          <a:chExt cx="0" cy="0"/>
-        </a:xfrm>
-      </p:grpSpPr>
-      <p:sp>
-        <p:nvSpPr>
-          <p:cNvPr id="598" name="Google Shape;598;g6c4305b01e_0_10:notes"/>
-          <p:cNvSpPr>
-            <a:spLocks noGrp="1" noRot="1" noChangeAspect="1"/>
-          </p:cNvSpPr>
-          <p:nvPr>
-            <p:ph type="sldImg" idx="2"/>
-          </p:nvPr>
-        </p:nvSpPr>
-        <p:spPr>
-          <a:xfrm>
-            <a:off x="381000" y="685800"/>
-            <a:ext cx="6096000" cy="3429000"/>
-          </a:xfrm>
-          <a:custGeom>
-            <a:avLst/>
-            <a:gdLst/>
-            <a:ahLst/>
-            <a:cxnLst/>
-            <a:rect l="l" t="t" r="r" b="b"/>
-            <a:pathLst>
-              <a:path w="120000" h="120000" extrusionOk="0">
-                <a:moveTo>
-                  <a:pt x="0" y="0"/>
-                </a:moveTo>
-                <a:lnTo>
-                  <a:pt x="120000" y="0"/>
-                </a:lnTo>
-                <a:lnTo>
-                  <a:pt x="120000" y="120000"/>
-                </a:lnTo>
-                <a:lnTo>
-                  <a:pt x="0" y="120000"/>
-                </a:lnTo>
-                <a:close/>
-              </a:path>
-            </a:pathLst>
-          </a:custGeom>
-        </p:spPr>
-      </p:sp>
-      <p:sp>
-        <p:nvSpPr>
-          <p:cNvPr id="599" name="Google Shape;599;g6c4305b01e_0_10:notes"/>
-          <p:cNvSpPr txBox="1">
-            <a:spLocks noGrp="1"/>
-          </p:cNvSpPr>
-          <p:nvPr>
-            <p:ph type="body" idx="1"/>
-          </p:nvPr>
-        </p:nvSpPr>
-        <p:spPr>
-          <a:xfrm>
-            <a:off x="685800" y="4343400"/>
-            <a:ext cx="5486400" cy="4114800"/>
-          </a:xfrm>
-          <a:prstGeom prst="rect">
-            <a:avLst/>
-          </a:prstGeom>
-        </p:spPr>
-        <p:txBody>
-          <a:bodyPr spcFirstLastPara="1" wrap="square" lIns="91425" tIns="91425" rIns="91425" bIns="91425" anchor="t" anchorCtr="0">
-            <a:noAutofit/>
-          </a:bodyPr>
-          <a:lstStyle/>
-          <a:p>
-            <a:pPr marL="0" lvl="0" indent="0" algn="l" rtl="0">
-              <a:spcBef>
-                <a:spcPts val="0"/>
-              </a:spcBef>
-              <a:spcAft>
-                <a:spcPts val="0"/>
-              </a:spcAft>
-              <a:buNone/>
-            </a:pPr>
-            <a:endParaRPr/>
-          </a:p>
-        </p:txBody>
-      </p:sp>
-    </p:spTree>
-    <p:extLst>
-      <p:ext uri="{BB962C8B-B14F-4D97-AF65-F5344CB8AC3E}">
-        <p14:creationId xmlns:p14="http://schemas.microsoft.com/office/powerpoint/2010/main" val="2859389407"/>
-      </p:ext>
-    </p:extLst>
-  </p:cSld>
-  <p:clrMapOvr>
-    <a:masterClrMapping/>
-  </p:clrMapOvr>
-</p:notes>
-</file>
-
 <file path=ppt/slideLayouts/slideLayout1.xml><?xml version="1.0" encoding="utf-8"?>
 <p:sldLayout xmlns:a="http://schemas.openxmlformats.org/drawingml/2006/main" xmlns:r="http://schemas.openxmlformats.org/officeDocument/2006/relationships" xmlns:p="http://schemas.openxmlformats.org/presentationml/2006/main" matchingName="Title slide" type="title">
   <p:cSld name="TITLE">
@@ -12610,7 +12725,7 @@
                 <a:hlinkClick r:id="rId2">
                   <a:extLst>
                     <a:ext uri="{A12FA001-AC4F-418D-AE19-62706E023703}">
-                      <ahyp:hlinkClr xmlns:ahyp="http://schemas.microsoft.com/office/drawing/2018/hyperlinkcolor" xmlns:p15="http://schemas.microsoft.com/office/powerpoint/2012/main" xmlns:p14="http://schemas.microsoft.com/office/powerpoint/2010/main" xmlns:com="http://schemas.openxmlformats.org/drawingml/2006/compatibility" xmlns:pvml="urn:schemas-microsoft-com:office:powerpoint" xmlns:v="urn:schemas-microsoft-com:vml" xmlns:o="urn:schemas-microsoft-com:office:office" xmlns:dgm="http://schemas.openxmlformats.org/drawingml/2006/diagram" xmlns:c="http://schemas.openxmlformats.org/drawingml/2006/chart" xmlns:mv="urn:schemas-microsoft-com:mac:vml" xmlns:mc="http://schemas.openxmlformats.org/markup-compatibility/2006" xmlns="" val="tx"/>
+                      <ahyp:hlinkClr xmlns="" xmlns:mc="http://schemas.openxmlformats.org/markup-compatibility/2006" xmlns:mv="urn:schemas-microsoft-com:mac:vml" xmlns:c="http://schemas.openxmlformats.org/drawingml/2006/chart" xmlns:dgm="http://schemas.openxmlformats.org/drawingml/2006/diagram" xmlns:o="urn:schemas-microsoft-com:office:office" xmlns:v="urn:schemas-microsoft-com:vml" xmlns:pvml="urn:schemas-microsoft-com:office:powerpoint" xmlns:com="http://schemas.openxmlformats.org/drawingml/2006/compatibility" xmlns:p14="http://schemas.microsoft.com/office/powerpoint/2010/main" xmlns:p15="http://schemas.microsoft.com/office/powerpoint/2012/main" xmlns:ahyp="http://schemas.microsoft.com/office/drawing/2018/hyperlinkcolor" val="tx"/>
                     </a:ext>
                   </a:extLst>
                 </a:hlinkClick>
@@ -12644,7 +12759,7 @@
                 <a:hlinkClick r:id="rId3">
                   <a:extLst>
                     <a:ext uri="{A12FA001-AC4F-418D-AE19-62706E023703}">
-                      <ahyp:hlinkClr xmlns:ahyp="http://schemas.microsoft.com/office/drawing/2018/hyperlinkcolor" xmlns:p15="http://schemas.microsoft.com/office/powerpoint/2012/main" xmlns:p14="http://schemas.microsoft.com/office/powerpoint/2010/main" xmlns:com="http://schemas.openxmlformats.org/drawingml/2006/compatibility" xmlns:pvml="urn:schemas-microsoft-com:office:powerpoint" xmlns:v="urn:schemas-microsoft-com:vml" xmlns:o="urn:schemas-microsoft-com:office:office" xmlns:dgm="http://schemas.openxmlformats.org/drawingml/2006/diagram" xmlns:c="http://schemas.openxmlformats.org/drawingml/2006/chart" xmlns:mv="urn:schemas-microsoft-com:mac:vml" xmlns:mc="http://schemas.openxmlformats.org/markup-compatibility/2006" xmlns="" val="tx"/>
+                      <ahyp:hlinkClr xmlns="" xmlns:mc="http://schemas.openxmlformats.org/markup-compatibility/2006" xmlns:mv="urn:schemas-microsoft-com:mac:vml" xmlns:c="http://schemas.openxmlformats.org/drawingml/2006/chart" xmlns:dgm="http://schemas.openxmlformats.org/drawingml/2006/diagram" xmlns:o="urn:schemas-microsoft-com:office:office" xmlns:v="urn:schemas-microsoft-com:vml" xmlns:pvml="urn:schemas-microsoft-com:office:powerpoint" xmlns:com="http://schemas.openxmlformats.org/drawingml/2006/compatibility" xmlns:p14="http://schemas.microsoft.com/office/powerpoint/2010/main" xmlns:p15="http://schemas.microsoft.com/office/powerpoint/2012/main" xmlns:ahyp="http://schemas.microsoft.com/office/drawing/2018/hyperlinkcolor" val="tx"/>
                     </a:ext>
                   </a:extLst>
                 </a:hlinkClick>
@@ -12678,7 +12793,7 @@
                 <a:hlinkClick r:id="rId4">
                   <a:extLst>
                     <a:ext uri="{A12FA001-AC4F-418D-AE19-62706E023703}">
-                      <ahyp:hlinkClr xmlns:ahyp="http://schemas.microsoft.com/office/drawing/2018/hyperlinkcolor" xmlns:p15="http://schemas.microsoft.com/office/powerpoint/2012/main" xmlns:p14="http://schemas.microsoft.com/office/powerpoint/2010/main" xmlns:com="http://schemas.openxmlformats.org/drawingml/2006/compatibility" xmlns:pvml="urn:schemas-microsoft-com:office:powerpoint" xmlns:v="urn:schemas-microsoft-com:vml" xmlns:o="urn:schemas-microsoft-com:office:office" xmlns:dgm="http://schemas.openxmlformats.org/drawingml/2006/diagram" xmlns:c="http://schemas.openxmlformats.org/drawingml/2006/chart" xmlns:mv="urn:schemas-microsoft-com:mac:vml" xmlns:mc="http://schemas.openxmlformats.org/markup-compatibility/2006" xmlns="" val="tx"/>
+                      <ahyp:hlinkClr xmlns="" xmlns:mc="http://schemas.openxmlformats.org/markup-compatibility/2006" xmlns:mv="urn:schemas-microsoft-com:mac:vml" xmlns:c="http://schemas.openxmlformats.org/drawingml/2006/chart" xmlns:dgm="http://schemas.openxmlformats.org/drawingml/2006/diagram" xmlns:o="urn:schemas-microsoft-com:office:office" xmlns:v="urn:schemas-microsoft-com:vml" xmlns:pvml="urn:schemas-microsoft-com:office:powerpoint" xmlns:com="http://schemas.openxmlformats.org/drawingml/2006/compatibility" xmlns:p14="http://schemas.microsoft.com/office/powerpoint/2010/main" xmlns:p15="http://schemas.microsoft.com/office/powerpoint/2012/main" xmlns:ahyp="http://schemas.microsoft.com/office/drawing/2018/hyperlinkcolor" val="tx"/>
                     </a:ext>
                   </a:extLst>
                 </a:hlinkClick>
@@ -19666,6 +19781,2642 @@
                 </a:solidFill>
                 <a:latin typeface="Book Antiqua" panose="02040602050305030304" pitchFamily="18" charset="0"/>
               </a:rPr>
+              <a:t>CORRELATION MATRIX</a:t>
+            </a:r>
+            <a:endParaRPr lang="vi-VN" sz="2000" dirty="0">
+              <a:solidFill>
+                <a:schemeClr val="bg1"/>
+              </a:solidFill>
+            </a:endParaRPr>
+          </a:p>
+        </p:txBody>
+      </p:sp>
+      <p:pic>
+        <p:nvPicPr>
+          <p:cNvPr id="6" name="Picture 5"/>
+          <p:cNvPicPr>
+            <a:picLocks noChangeAspect="1"/>
+          </p:cNvPicPr>
+          <p:nvPr/>
+        </p:nvPicPr>
+        <p:blipFill>
+          <a:blip r:embed="rId3">
+            <a:extLst>
+              <a:ext uri="{28A0092B-C50C-407E-A947-70E740481C1C}">
+                <a14:useLocalDpi xmlns:a14="http://schemas.microsoft.com/office/drawing/2010/main" val="0"/>
+              </a:ext>
+            </a:extLst>
+          </a:blip>
+          <a:stretch>
+            <a:fillRect/>
+          </a:stretch>
+        </p:blipFill>
+        <p:spPr>
+          <a:xfrm>
+            <a:off x="3784753" y="335940"/>
+            <a:ext cx="5359247" cy="4807560"/>
+          </a:xfrm>
+          <a:prstGeom prst="rect">
+            <a:avLst/>
+          </a:prstGeom>
+        </p:spPr>
+      </p:pic>
+    </p:spTree>
+    <p:extLst>
+      <p:ext uri="{BB962C8B-B14F-4D97-AF65-F5344CB8AC3E}">
+        <p14:creationId xmlns:p14="http://schemas.microsoft.com/office/powerpoint/2010/main" val="2610594226"/>
+      </p:ext>
+    </p:extLst>
+  </p:cSld>
+  <p:clrMapOvr>
+    <a:masterClrMapping/>
+  </p:clrMapOvr>
+  <p:timing>
+    <p:tnLst>
+      <p:par>
+        <p:cTn id="1" dur="indefinite" restart="never" nodeType="tmRoot"/>
+      </p:par>
+    </p:tnLst>
+  </p:timing>
+</p:sld>
+</file>
+
+<file path=ppt/slides/slide11.xml><?xml version="1.0" encoding="utf-8"?>
+<p:sld xmlns:a="http://schemas.openxmlformats.org/drawingml/2006/main" xmlns:r="http://schemas.openxmlformats.org/officeDocument/2006/relationships" xmlns:p="http://schemas.openxmlformats.org/presentationml/2006/main">
+  <p:cSld>
+    <p:spTree>
+      <p:nvGrpSpPr>
+        <p:cNvPr id="1" name="Shape 600"/>
+        <p:cNvGrpSpPr/>
+        <p:nvPr/>
+      </p:nvGrpSpPr>
+      <p:grpSpPr>
+        <a:xfrm>
+          <a:off x="0" y="0"/>
+          <a:ext cx="0" cy="0"/>
+          <a:chOff x="0" y="0"/>
+          <a:chExt cx="0" cy="0"/>
+        </a:xfrm>
+      </p:grpSpPr>
+      <p:sp>
+        <p:nvSpPr>
+          <p:cNvPr id="601" name="Google Shape;601;p30"/>
+          <p:cNvSpPr txBox="1">
+            <a:spLocks noGrp="1"/>
+          </p:cNvSpPr>
+          <p:nvPr>
+            <p:ph type="ctrTitle" idx="8"/>
+          </p:nvPr>
+        </p:nvSpPr>
+        <p:spPr>
+          <a:xfrm>
+            <a:off x="413468" y="322370"/>
+            <a:ext cx="5888700" cy="577800"/>
+          </a:xfrm>
+          <a:prstGeom prst="rect">
+            <a:avLst/>
+          </a:prstGeom>
+        </p:spPr>
+        <p:txBody>
+          <a:bodyPr spcFirstLastPara="1" wrap="square" lIns="91425" tIns="91425" rIns="91425" bIns="91425" anchor="b" anchorCtr="0">
+            <a:noAutofit/>
+          </a:bodyPr>
+          <a:lstStyle/>
+          <a:p>
+            <a:pPr marL="0" lvl="0" indent="0" algn="l" rtl="0">
+              <a:spcBef>
+                <a:spcPts val="0"/>
+              </a:spcBef>
+              <a:spcAft>
+                <a:spcPts val="0"/>
+              </a:spcAft>
+              <a:buNone/>
+            </a:pPr>
+            <a:r>
+              <a:rPr lang="en" dirty="0" smtClean="0"/>
+              <a:t>DATA VISUALIZATION</a:t>
+            </a:r>
+            <a:endParaRPr sz="3000" dirty="0"/>
+          </a:p>
+        </p:txBody>
+      </p:sp>
+      <p:grpSp>
+        <p:nvGrpSpPr>
+          <p:cNvPr id="623" name="Google Shape;623;p30"/>
+          <p:cNvGrpSpPr/>
+          <p:nvPr/>
+        </p:nvGrpSpPr>
+        <p:grpSpPr>
+          <a:xfrm>
+            <a:off x="3630590" y="3198869"/>
+            <a:ext cx="484361" cy="484405"/>
+            <a:chOff x="4890434" y="4287389"/>
+            <a:chExt cx="345997" cy="346029"/>
+          </a:xfrm>
+        </p:grpSpPr>
+        <p:sp>
+          <p:nvSpPr>
+            <p:cNvPr id="624" name="Google Shape;624;p30"/>
+            <p:cNvSpPr/>
+            <p:nvPr/>
+          </p:nvSpPr>
+          <p:spPr>
+            <a:xfrm>
+              <a:off x="5111349" y="4400695"/>
+              <a:ext cx="54998" cy="54998"/>
+            </a:xfrm>
+            <a:custGeom>
+              <a:avLst/>
+              <a:gdLst/>
+              <a:ahLst/>
+              <a:cxnLst/>
+              <a:rect l="l" t="t" r="r" b="b"/>
+              <a:pathLst>
+                <a:path w="1728" h="1728" extrusionOk="0">
+                  <a:moveTo>
+                    <a:pt x="858" y="346"/>
+                  </a:moveTo>
+                  <a:cubicBezTo>
+                    <a:pt x="1144" y="346"/>
+                    <a:pt x="1382" y="584"/>
+                    <a:pt x="1382" y="870"/>
+                  </a:cubicBezTo>
+                  <a:cubicBezTo>
+                    <a:pt x="1382" y="1144"/>
+                    <a:pt x="1144" y="1382"/>
+                    <a:pt x="858" y="1382"/>
+                  </a:cubicBezTo>
+                  <a:cubicBezTo>
+                    <a:pt x="572" y="1382"/>
+                    <a:pt x="346" y="1144"/>
+                    <a:pt x="346" y="870"/>
+                  </a:cubicBezTo>
+                  <a:cubicBezTo>
+                    <a:pt x="346" y="584"/>
+                    <a:pt x="584" y="346"/>
+                    <a:pt x="858" y="346"/>
+                  </a:cubicBezTo>
+                  <a:close/>
+                  <a:moveTo>
+                    <a:pt x="858" y="1"/>
+                  </a:moveTo>
+                  <a:cubicBezTo>
+                    <a:pt x="382" y="1"/>
+                    <a:pt x="1" y="394"/>
+                    <a:pt x="1" y="870"/>
+                  </a:cubicBezTo>
+                  <a:cubicBezTo>
+                    <a:pt x="1" y="1346"/>
+                    <a:pt x="382" y="1727"/>
+                    <a:pt x="858" y="1727"/>
+                  </a:cubicBezTo>
+                  <a:cubicBezTo>
+                    <a:pt x="1334" y="1727"/>
+                    <a:pt x="1727" y="1346"/>
+                    <a:pt x="1727" y="870"/>
+                  </a:cubicBezTo>
+                  <a:cubicBezTo>
+                    <a:pt x="1727" y="394"/>
+                    <a:pt x="1334" y="1"/>
+                    <a:pt x="858" y="1"/>
+                  </a:cubicBezTo>
+                  <a:close/>
+                </a:path>
+              </a:pathLst>
+            </a:custGeom>
+            <a:solidFill>
+              <a:schemeClr val="dk2"/>
+            </a:solidFill>
+            <a:ln>
+              <a:noFill/>
+            </a:ln>
+          </p:spPr>
+          <p:txBody>
+            <a:bodyPr spcFirstLastPara="1" wrap="square" lIns="91425" tIns="91425" rIns="91425" bIns="91425" anchor="ctr" anchorCtr="0">
+              <a:noAutofit/>
+            </a:bodyPr>
+            <a:lstStyle/>
+            <a:p>
+              <a:pPr marL="0" lvl="0" indent="0" algn="l" rtl="0">
+                <a:spcBef>
+                  <a:spcPts val="0"/>
+                </a:spcBef>
+                <a:spcAft>
+                  <a:spcPts val="0"/>
+                </a:spcAft>
+                <a:buNone/>
+              </a:pPr>
+              <a:endParaRPr/>
+            </a:p>
+          </p:txBody>
+        </p:sp>
+        <p:sp>
+          <p:nvSpPr>
+            <p:cNvPr id="625" name="Google Shape;625;p30"/>
+            <p:cNvSpPr/>
+            <p:nvPr/>
+          </p:nvSpPr>
+          <p:spPr>
+            <a:xfrm>
+              <a:off x="5113640" y="4466642"/>
+              <a:ext cx="70498" cy="51179"/>
+            </a:xfrm>
+            <a:custGeom>
+              <a:avLst/>
+              <a:gdLst/>
+              <a:ahLst/>
+              <a:cxnLst/>
+              <a:rect l="l" t="t" r="r" b="b"/>
+              <a:pathLst>
+                <a:path w="2215" h="1608" extrusionOk="0">
+                  <a:moveTo>
+                    <a:pt x="786" y="1"/>
+                  </a:moveTo>
+                  <a:cubicBezTo>
+                    <a:pt x="548" y="1"/>
+                    <a:pt x="333" y="60"/>
+                    <a:pt x="119" y="167"/>
+                  </a:cubicBezTo>
+                  <a:cubicBezTo>
+                    <a:pt x="36" y="203"/>
+                    <a:pt x="0" y="310"/>
+                    <a:pt x="48" y="405"/>
+                  </a:cubicBezTo>
+                  <a:cubicBezTo>
+                    <a:pt x="73" y="463"/>
+                    <a:pt x="132" y="498"/>
+                    <a:pt x="198" y="498"/>
+                  </a:cubicBezTo>
+                  <a:cubicBezTo>
+                    <a:pt x="226" y="498"/>
+                    <a:pt x="257" y="491"/>
+                    <a:pt x="286" y="477"/>
+                  </a:cubicBezTo>
+                  <a:cubicBezTo>
+                    <a:pt x="429" y="382"/>
+                    <a:pt x="607" y="346"/>
+                    <a:pt x="786" y="346"/>
+                  </a:cubicBezTo>
+                  <a:cubicBezTo>
+                    <a:pt x="1322" y="346"/>
+                    <a:pt x="1774" y="727"/>
+                    <a:pt x="1857" y="1251"/>
+                  </a:cubicBezTo>
+                  <a:lnTo>
+                    <a:pt x="786" y="1251"/>
+                  </a:lnTo>
+                  <a:cubicBezTo>
+                    <a:pt x="703" y="1251"/>
+                    <a:pt x="607" y="1322"/>
+                    <a:pt x="607" y="1429"/>
+                  </a:cubicBezTo>
+                  <a:cubicBezTo>
+                    <a:pt x="607" y="1513"/>
+                    <a:pt x="679" y="1608"/>
+                    <a:pt x="786" y="1608"/>
+                  </a:cubicBezTo>
+                  <a:lnTo>
+                    <a:pt x="2036" y="1608"/>
+                  </a:lnTo>
+                  <a:cubicBezTo>
+                    <a:pt x="2131" y="1608"/>
+                    <a:pt x="2215" y="1536"/>
+                    <a:pt x="2215" y="1429"/>
+                  </a:cubicBezTo>
+                  <a:cubicBezTo>
+                    <a:pt x="2215" y="643"/>
+                    <a:pt x="1572" y="1"/>
+                    <a:pt x="786" y="1"/>
+                  </a:cubicBezTo>
+                  <a:close/>
+                </a:path>
+              </a:pathLst>
+            </a:custGeom>
+            <a:solidFill>
+              <a:schemeClr val="dk2"/>
+            </a:solidFill>
+            <a:ln>
+              <a:noFill/>
+            </a:ln>
+          </p:spPr>
+          <p:txBody>
+            <a:bodyPr spcFirstLastPara="1" wrap="square" lIns="91425" tIns="91425" rIns="91425" bIns="91425" anchor="ctr" anchorCtr="0">
+              <a:noAutofit/>
+            </a:bodyPr>
+            <a:lstStyle/>
+            <a:p>
+              <a:pPr marL="0" lvl="0" indent="0" algn="l" rtl="0">
+                <a:spcBef>
+                  <a:spcPts val="0"/>
+                </a:spcBef>
+                <a:spcAft>
+                  <a:spcPts val="0"/>
+                </a:spcAft>
+                <a:buNone/>
+              </a:pPr>
+              <a:endParaRPr/>
+            </a:p>
+          </p:txBody>
+        </p:sp>
+        <p:sp>
+          <p:nvSpPr>
+            <p:cNvPr id="626" name="Google Shape;626;p30"/>
+            <p:cNvSpPr/>
+            <p:nvPr/>
+          </p:nvSpPr>
+          <p:spPr>
+            <a:xfrm>
+              <a:off x="4943490" y="4467023"/>
+              <a:ext cx="70880" cy="51179"/>
+            </a:xfrm>
+            <a:custGeom>
+              <a:avLst/>
+              <a:gdLst/>
+              <a:ahLst/>
+              <a:cxnLst/>
+              <a:rect l="l" t="t" r="r" b="b"/>
+              <a:pathLst>
+                <a:path w="2227" h="1608" extrusionOk="0">
+                  <a:moveTo>
+                    <a:pt x="1429" y="0"/>
+                  </a:moveTo>
+                  <a:cubicBezTo>
+                    <a:pt x="643" y="0"/>
+                    <a:pt x="0" y="643"/>
+                    <a:pt x="0" y="1429"/>
+                  </a:cubicBezTo>
+                  <a:cubicBezTo>
+                    <a:pt x="0" y="1524"/>
+                    <a:pt x="84" y="1608"/>
+                    <a:pt x="179" y="1608"/>
+                  </a:cubicBezTo>
+                  <a:lnTo>
+                    <a:pt x="1453" y="1608"/>
+                  </a:lnTo>
+                  <a:cubicBezTo>
+                    <a:pt x="1536" y="1608"/>
+                    <a:pt x="1631" y="1536"/>
+                    <a:pt x="1631" y="1429"/>
+                  </a:cubicBezTo>
+                  <a:cubicBezTo>
+                    <a:pt x="1608" y="1322"/>
+                    <a:pt x="1536" y="1251"/>
+                    <a:pt x="1453" y="1251"/>
+                  </a:cubicBezTo>
+                  <a:lnTo>
+                    <a:pt x="357" y="1251"/>
+                  </a:lnTo>
+                  <a:cubicBezTo>
+                    <a:pt x="453" y="727"/>
+                    <a:pt x="893" y="346"/>
+                    <a:pt x="1429" y="346"/>
+                  </a:cubicBezTo>
+                  <a:cubicBezTo>
+                    <a:pt x="1608" y="346"/>
+                    <a:pt x="1786" y="393"/>
+                    <a:pt x="1941" y="477"/>
+                  </a:cubicBezTo>
+                  <a:cubicBezTo>
+                    <a:pt x="1966" y="491"/>
+                    <a:pt x="1994" y="498"/>
+                    <a:pt x="2022" y="498"/>
+                  </a:cubicBezTo>
+                  <a:cubicBezTo>
+                    <a:pt x="2084" y="498"/>
+                    <a:pt x="2146" y="463"/>
+                    <a:pt x="2179" y="405"/>
+                  </a:cubicBezTo>
+                  <a:cubicBezTo>
+                    <a:pt x="2227" y="310"/>
+                    <a:pt x="2191" y="215"/>
+                    <a:pt x="2108" y="167"/>
+                  </a:cubicBezTo>
+                  <a:cubicBezTo>
+                    <a:pt x="1893" y="60"/>
+                    <a:pt x="1667" y="0"/>
+                    <a:pt x="1429" y="0"/>
+                  </a:cubicBezTo>
+                  <a:close/>
+                </a:path>
+              </a:pathLst>
+            </a:custGeom>
+            <a:solidFill>
+              <a:schemeClr val="dk2"/>
+            </a:solidFill>
+            <a:ln>
+              <a:noFill/>
+            </a:ln>
+          </p:spPr>
+          <p:txBody>
+            <a:bodyPr spcFirstLastPara="1" wrap="square" lIns="91425" tIns="91425" rIns="91425" bIns="91425" anchor="ctr" anchorCtr="0">
+              <a:noAutofit/>
+            </a:bodyPr>
+            <a:lstStyle/>
+            <a:p>
+              <a:pPr marL="0" lvl="0" indent="0" algn="l" rtl="0">
+                <a:spcBef>
+                  <a:spcPts val="0"/>
+                </a:spcBef>
+                <a:spcAft>
+                  <a:spcPts val="0"/>
+                </a:spcAft>
+                <a:buNone/>
+              </a:pPr>
+              <a:endParaRPr/>
+            </a:p>
+          </p:txBody>
+        </p:sp>
+        <p:sp>
+          <p:nvSpPr>
+            <p:cNvPr id="627" name="Google Shape;627;p30"/>
+            <p:cNvSpPr/>
+            <p:nvPr/>
+          </p:nvSpPr>
+          <p:spPr>
+            <a:xfrm>
+              <a:off x="4961282" y="4400695"/>
+              <a:ext cx="54616" cy="54998"/>
+            </a:xfrm>
+            <a:custGeom>
+              <a:avLst/>
+              <a:gdLst/>
+              <a:ahLst/>
+              <a:cxnLst/>
+              <a:rect l="l" t="t" r="r" b="b"/>
+              <a:pathLst>
+                <a:path w="1716" h="1728" extrusionOk="0">
+                  <a:moveTo>
+                    <a:pt x="858" y="346"/>
+                  </a:moveTo>
+                  <a:cubicBezTo>
+                    <a:pt x="1144" y="346"/>
+                    <a:pt x="1382" y="584"/>
+                    <a:pt x="1382" y="870"/>
+                  </a:cubicBezTo>
+                  <a:cubicBezTo>
+                    <a:pt x="1382" y="1144"/>
+                    <a:pt x="1144" y="1382"/>
+                    <a:pt x="858" y="1382"/>
+                  </a:cubicBezTo>
+                  <a:cubicBezTo>
+                    <a:pt x="572" y="1382"/>
+                    <a:pt x="334" y="1144"/>
+                    <a:pt x="334" y="870"/>
+                  </a:cubicBezTo>
+                  <a:cubicBezTo>
+                    <a:pt x="358" y="584"/>
+                    <a:pt x="572" y="346"/>
+                    <a:pt x="858" y="346"/>
+                  </a:cubicBezTo>
+                  <a:close/>
+                  <a:moveTo>
+                    <a:pt x="858" y="1"/>
+                  </a:moveTo>
+                  <a:cubicBezTo>
+                    <a:pt x="382" y="1"/>
+                    <a:pt x="1" y="394"/>
+                    <a:pt x="1" y="870"/>
+                  </a:cubicBezTo>
+                  <a:cubicBezTo>
+                    <a:pt x="1" y="1346"/>
+                    <a:pt x="382" y="1727"/>
+                    <a:pt x="858" y="1727"/>
+                  </a:cubicBezTo>
+                  <a:cubicBezTo>
+                    <a:pt x="1334" y="1727"/>
+                    <a:pt x="1715" y="1346"/>
+                    <a:pt x="1715" y="870"/>
+                  </a:cubicBezTo>
+                  <a:cubicBezTo>
+                    <a:pt x="1715" y="394"/>
+                    <a:pt x="1334" y="1"/>
+                    <a:pt x="858" y="1"/>
+                  </a:cubicBezTo>
+                  <a:close/>
+                </a:path>
+              </a:pathLst>
+            </a:custGeom>
+            <a:solidFill>
+              <a:schemeClr val="dk2"/>
+            </a:solidFill>
+            <a:ln>
+              <a:noFill/>
+            </a:ln>
+          </p:spPr>
+          <p:txBody>
+            <a:bodyPr spcFirstLastPara="1" wrap="square" lIns="91425" tIns="91425" rIns="91425" bIns="91425" anchor="ctr" anchorCtr="0">
+              <a:noAutofit/>
+            </a:bodyPr>
+            <a:lstStyle/>
+            <a:p>
+              <a:pPr marL="0" lvl="0" indent="0" algn="l" rtl="0">
+                <a:spcBef>
+                  <a:spcPts val="0"/>
+                </a:spcBef>
+                <a:spcAft>
+                  <a:spcPts val="0"/>
+                </a:spcAft>
+                <a:buNone/>
+              </a:pPr>
+              <a:endParaRPr/>
+            </a:p>
+          </p:txBody>
+        </p:sp>
+        <p:sp>
+          <p:nvSpPr>
+            <p:cNvPr id="628" name="Google Shape;628;p30"/>
+            <p:cNvSpPr/>
+            <p:nvPr/>
+          </p:nvSpPr>
+          <p:spPr>
+            <a:xfrm>
+              <a:off x="5028374" y="4386691"/>
+              <a:ext cx="71262" cy="70880"/>
+            </a:xfrm>
+            <a:custGeom>
+              <a:avLst/>
+              <a:gdLst/>
+              <a:ahLst/>
+              <a:cxnLst/>
+              <a:rect l="l" t="t" r="r" b="b"/>
+              <a:pathLst>
+                <a:path w="2239" h="2227" extrusionOk="0">
+                  <a:moveTo>
+                    <a:pt x="1119" y="358"/>
+                  </a:moveTo>
+                  <a:cubicBezTo>
+                    <a:pt x="1536" y="358"/>
+                    <a:pt x="1893" y="691"/>
+                    <a:pt x="1893" y="1131"/>
+                  </a:cubicBezTo>
+                  <a:cubicBezTo>
+                    <a:pt x="1893" y="1548"/>
+                    <a:pt x="1548" y="1905"/>
+                    <a:pt x="1119" y="1905"/>
+                  </a:cubicBezTo>
+                  <a:cubicBezTo>
+                    <a:pt x="703" y="1905"/>
+                    <a:pt x="345" y="1560"/>
+                    <a:pt x="345" y="1131"/>
+                  </a:cubicBezTo>
+                  <a:cubicBezTo>
+                    <a:pt x="345" y="691"/>
+                    <a:pt x="679" y="358"/>
+                    <a:pt x="1119" y="358"/>
+                  </a:cubicBezTo>
+                  <a:close/>
+                  <a:moveTo>
+                    <a:pt x="1119" y="0"/>
+                  </a:moveTo>
+                  <a:cubicBezTo>
+                    <a:pt x="512" y="0"/>
+                    <a:pt x="0" y="500"/>
+                    <a:pt x="0" y="1108"/>
+                  </a:cubicBezTo>
+                  <a:cubicBezTo>
+                    <a:pt x="0" y="1739"/>
+                    <a:pt x="512" y="2227"/>
+                    <a:pt x="1119" y="2227"/>
+                  </a:cubicBezTo>
+                  <a:cubicBezTo>
+                    <a:pt x="1727" y="2227"/>
+                    <a:pt x="2239" y="1727"/>
+                    <a:pt x="2239" y="1108"/>
+                  </a:cubicBezTo>
+                  <a:cubicBezTo>
+                    <a:pt x="2239" y="500"/>
+                    <a:pt x="1727" y="0"/>
+                    <a:pt x="1119" y="0"/>
+                  </a:cubicBezTo>
+                  <a:close/>
+                </a:path>
+              </a:pathLst>
+            </a:custGeom>
+            <a:solidFill>
+              <a:schemeClr val="dk2"/>
+            </a:solidFill>
+            <a:ln>
+              <a:noFill/>
+            </a:ln>
+          </p:spPr>
+          <p:txBody>
+            <a:bodyPr spcFirstLastPara="1" wrap="square" lIns="91425" tIns="91425" rIns="91425" bIns="91425" anchor="ctr" anchorCtr="0">
+              <a:noAutofit/>
+            </a:bodyPr>
+            <a:lstStyle/>
+            <a:p>
+              <a:pPr marL="0" lvl="0" indent="0" algn="l" rtl="0">
+                <a:spcBef>
+                  <a:spcPts val="0"/>
+                </a:spcBef>
+                <a:spcAft>
+                  <a:spcPts val="0"/>
+                </a:spcAft>
+                <a:buNone/>
+              </a:pPr>
+              <a:endParaRPr/>
+            </a:p>
+          </p:txBody>
+        </p:sp>
+        <p:sp>
+          <p:nvSpPr>
+            <p:cNvPr id="629" name="Google Shape;629;p30"/>
+            <p:cNvSpPr/>
+            <p:nvPr/>
+          </p:nvSpPr>
+          <p:spPr>
+            <a:xfrm>
+              <a:off x="5004122" y="4468901"/>
+              <a:ext cx="120149" cy="65596"/>
+            </a:xfrm>
+            <a:custGeom>
+              <a:avLst/>
+              <a:gdLst/>
+              <a:ahLst/>
+              <a:cxnLst/>
+              <a:rect l="l" t="t" r="r" b="b"/>
+              <a:pathLst>
+                <a:path w="3775" h="2061" extrusionOk="0">
+                  <a:moveTo>
+                    <a:pt x="1881" y="346"/>
+                  </a:moveTo>
+                  <a:cubicBezTo>
+                    <a:pt x="2667" y="346"/>
+                    <a:pt x="3322" y="942"/>
+                    <a:pt x="3393" y="1704"/>
+                  </a:cubicBezTo>
+                  <a:lnTo>
+                    <a:pt x="357" y="1704"/>
+                  </a:lnTo>
+                  <a:cubicBezTo>
+                    <a:pt x="453" y="942"/>
+                    <a:pt x="1096" y="346"/>
+                    <a:pt x="1881" y="346"/>
+                  </a:cubicBezTo>
+                  <a:close/>
+                  <a:moveTo>
+                    <a:pt x="1881" y="1"/>
+                  </a:moveTo>
+                  <a:cubicBezTo>
+                    <a:pt x="834" y="1"/>
+                    <a:pt x="0" y="846"/>
+                    <a:pt x="0" y="1882"/>
+                  </a:cubicBezTo>
+                  <a:cubicBezTo>
+                    <a:pt x="0" y="1966"/>
+                    <a:pt x="84" y="2061"/>
+                    <a:pt x="179" y="2061"/>
+                  </a:cubicBezTo>
+                  <a:lnTo>
+                    <a:pt x="3596" y="2061"/>
+                  </a:lnTo>
+                  <a:cubicBezTo>
+                    <a:pt x="3679" y="2061"/>
+                    <a:pt x="3774" y="1977"/>
+                    <a:pt x="3774" y="1882"/>
+                  </a:cubicBezTo>
+                  <a:cubicBezTo>
+                    <a:pt x="3751" y="834"/>
+                    <a:pt x="2905" y="1"/>
+                    <a:pt x="1881" y="1"/>
+                  </a:cubicBezTo>
+                  <a:close/>
+                </a:path>
+              </a:pathLst>
+            </a:custGeom>
+            <a:solidFill>
+              <a:schemeClr val="dk2"/>
+            </a:solidFill>
+            <a:ln>
+              <a:noFill/>
+            </a:ln>
+          </p:spPr>
+          <p:txBody>
+            <a:bodyPr spcFirstLastPara="1" wrap="square" lIns="91425" tIns="91425" rIns="91425" bIns="91425" anchor="ctr" anchorCtr="0">
+              <a:noAutofit/>
+            </a:bodyPr>
+            <a:lstStyle/>
+            <a:p>
+              <a:pPr marL="0" lvl="0" indent="0" algn="l" rtl="0">
+                <a:spcBef>
+                  <a:spcPts val="0"/>
+                </a:spcBef>
+                <a:spcAft>
+                  <a:spcPts val="0"/>
+                </a:spcAft>
+                <a:buNone/>
+              </a:pPr>
+              <a:endParaRPr/>
+            </a:p>
+          </p:txBody>
+        </p:sp>
+        <p:sp>
+          <p:nvSpPr>
+            <p:cNvPr id="630" name="Google Shape;630;p30"/>
+            <p:cNvSpPr/>
+            <p:nvPr/>
+          </p:nvSpPr>
+          <p:spPr>
+            <a:xfrm>
+              <a:off x="4890434" y="4287389"/>
+              <a:ext cx="345997" cy="346029"/>
+            </a:xfrm>
+            <a:custGeom>
+              <a:avLst/>
+              <a:gdLst/>
+              <a:ahLst/>
+              <a:cxnLst/>
+              <a:rect l="l" t="t" r="r" b="b"/>
+              <a:pathLst>
+                <a:path w="10871" h="10872" extrusionOk="0">
+                  <a:moveTo>
+                    <a:pt x="5608" y="953"/>
+                  </a:moveTo>
+                  <a:cubicBezTo>
+                    <a:pt x="7954" y="1049"/>
+                    <a:pt x="9823" y="2918"/>
+                    <a:pt x="9918" y="5252"/>
+                  </a:cubicBezTo>
+                  <a:lnTo>
+                    <a:pt x="9502" y="5252"/>
+                  </a:lnTo>
+                  <a:cubicBezTo>
+                    <a:pt x="9406" y="5252"/>
+                    <a:pt x="9323" y="5335"/>
+                    <a:pt x="9323" y="5442"/>
+                  </a:cubicBezTo>
+                  <a:cubicBezTo>
+                    <a:pt x="9323" y="5525"/>
+                    <a:pt x="9394" y="5621"/>
+                    <a:pt x="9502" y="5621"/>
+                  </a:cubicBezTo>
+                  <a:lnTo>
+                    <a:pt x="9918" y="5621"/>
+                  </a:lnTo>
+                  <a:cubicBezTo>
+                    <a:pt x="9847" y="7954"/>
+                    <a:pt x="7954" y="9824"/>
+                    <a:pt x="5608" y="9919"/>
+                  </a:cubicBezTo>
+                  <a:lnTo>
+                    <a:pt x="5608" y="9502"/>
+                  </a:lnTo>
+                  <a:cubicBezTo>
+                    <a:pt x="5608" y="9407"/>
+                    <a:pt x="5537" y="9323"/>
+                    <a:pt x="5430" y="9323"/>
+                  </a:cubicBezTo>
+                  <a:cubicBezTo>
+                    <a:pt x="5346" y="9323"/>
+                    <a:pt x="5251" y="9395"/>
+                    <a:pt x="5251" y="9502"/>
+                  </a:cubicBezTo>
+                  <a:lnTo>
+                    <a:pt x="5251" y="9919"/>
+                  </a:lnTo>
+                  <a:cubicBezTo>
+                    <a:pt x="2917" y="9824"/>
+                    <a:pt x="1048" y="7954"/>
+                    <a:pt x="953" y="5621"/>
+                  </a:cubicBezTo>
+                  <a:lnTo>
+                    <a:pt x="1370" y="5621"/>
+                  </a:lnTo>
+                  <a:cubicBezTo>
+                    <a:pt x="1465" y="5621"/>
+                    <a:pt x="1548" y="5537"/>
+                    <a:pt x="1548" y="5442"/>
+                  </a:cubicBezTo>
+                  <a:cubicBezTo>
+                    <a:pt x="1548" y="5347"/>
+                    <a:pt x="1477" y="5252"/>
+                    <a:pt x="1370" y="5252"/>
+                  </a:cubicBezTo>
+                  <a:lnTo>
+                    <a:pt x="953" y="5252"/>
+                  </a:lnTo>
+                  <a:cubicBezTo>
+                    <a:pt x="1048" y="2918"/>
+                    <a:pt x="2917" y="1049"/>
+                    <a:pt x="5251" y="953"/>
+                  </a:cubicBezTo>
+                  <a:lnTo>
+                    <a:pt x="5251" y="1370"/>
+                  </a:lnTo>
+                  <a:cubicBezTo>
+                    <a:pt x="5251" y="1465"/>
+                    <a:pt x="5334" y="1549"/>
+                    <a:pt x="5430" y="1549"/>
+                  </a:cubicBezTo>
+                  <a:cubicBezTo>
+                    <a:pt x="5525" y="1549"/>
+                    <a:pt x="5608" y="1477"/>
+                    <a:pt x="5608" y="1370"/>
+                  </a:cubicBezTo>
+                  <a:lnTo>
+                    <a:pt x="5608" y="953"/>
+                  </a:lnTo>
+                  <a:close/>
+                  <a:moveTo>
+                    <a:pt x="5441" y="1"/>
+                  </a:moveTo>
+                  <a:cubicBezTo>
+                    <a:pt x="5346" y="1"/>
+                    <a:pt x="5263" y="84"/>
+                    <a:pt x="5263" y="179"/>
+                  </a:cubicBezTo>
+                  <a:lnTo>
+                    <a:pt x="5263" y="596"/>
+                  </a:lnTo>
+                  <a:cubicBezTo>
+                    <a:pt x="2727" y="691"/>
+                    <a:pt x="691" y="2727"/>
+                    <a:pt x="596" y="5263"/>
+                  </a:cubicBezTo>
+                  <a:lnTo>
+                    <a:pt x="179" y="5263"/>
+                  </a:lnTo>
+                  <a:cubicBezTo>
+                    <a:pt x="96" y="5263"/>
+                    <a:pt x="0" y="5335"/>
+                    <a:pt x="0" y="5442"/>
+                  </a:cubicBezTo>
+                  <a:cubicBezTo>
+                    <a:pt x="0" y="5525"/>
+                    <a:pt x="84" y="5621"/>
+                    <a:pt x="179" y="5621"/>
+                  </a:cubicBezTo>
+                  <a:lnTo>
+                    <a:pt x="596" y="5621"/>
+                  </a:lnTo>
+                  <a:cubicBezTo>
+                    <a:pt x="691" y="8145"/>
+                    <a:pt x="2727" y="10181"/>
+                    <a:pt x="5263" y="10276"/>
+                  </a:cubicBezTo>
+                  <a:lnTo>
+                    <a:pt x="5263" y="10693"/>
+                  </a:lnTo>
+                  <a:cubicBezTo>
+                    <a:pt x="5263" y="10776"/>
+                    <a:pt x="5334" y="10871"/>
+                    <a:pt x="5441" y="10871"/>
+                  </a:cubicBezTo>
+                  <a:cubicBezTo>
+                    <a:pt x="5525" y="10871"/>
+                    <a:pt x="5620" y="10800"/>
+                    <a:pt x="5620" y="10693"/>
+                  </a:cubicBezTo>
+                  <a:lnTo>
+                    <a:pt x="5620" y="10276"/>
+                  </a:lnTo>
+                  <a:cubicBezTo>
+                    <a:pt x="8144" y="10181"/>
+                    <a:pt x="10180" y="8145"/>
+                    <a:pt x="10275" y="5621"/>
+                  </a:cubicBezTo>
+                  <a:lnTo>
+                    <a:pt x="10692" y="5621"/>
+                  </a:lnTo>
+                  <a:cubicBezTo>
+                    <a:pt x="10775" y="5621"/>
+                    <a:pt x="10871" y="5537"/>
+                    <a:pt x="10871" y="5442"/>
+                  </a:cubicBezTo>
+                  <a:cubicBezTo>
+                    <a:pt x="10871" y="5347"/>
+                    <a:pt x="10799" y="5263"/>
+                    <a:pt x="10692" y="5263"/>
+                  </a:cubicBezTo>
+                  <a:lnTo>
+                    <a:pt x="10275" y="5263"/>
+                  </a:lnTo>
+                  <a:cubicBezTo>
+                    <a:pt x="10180" y="2727"/>
+                    <a:pt x="8144" y="691"/>
+                    <a:pt x="5620" y="596"/>
+                  </a:cubicBezTo>
+                  <a:lnTo>
+                    <a:pt x="5620" y="179"/>
+                  </a:lnTo>
+                  <a:cubicBezTo>
+                    <a:pt x="5620" y="96"/>
+                    <a:pt x="5537" y="1"/>
+                    <a:pt x="5441" y="1"/>
+                  </a:cubicBezTo>
+                  <a:close/>
+                </a:path>
+              </a:pathLst>
+            </a:custGeom>
+            <a:solidFill>
+              <a:schemeClr val="dk2"/>
+            </a:solidFill>
+            <a:ln>
+              <a:noFill/>
+            </a:ln>
+          </p:spPr>
+          <p:txBody>
+            <a:bodyPr spcFirstLastPara="1" wrap="square" lIns="91425" tIns="91425" rIns="91425" bIns="91425" anchor="ctr" anchorCtr="0">
+              <a:noAutofit/>
+            </a:bodyPr>
+            <a:lstStyle/>
+            <a:p>
+              <a:pPr marL="0" lvl="0" indent="0" algn="l" rtl="0">
+                <a:spcBef>
+                  <a:spcPts val="0"/>
+                </a:spcBef>
+                <a:spcAft>
+                  <a:spcPts val="0"/>
+                </a:spcAft>
+                <a:buNone/>
+              </a:pPr>
+              <a:endParaRPr/>
+            </a:p>
+          </p:txBody>
+        </p:sp>
+      </p:grpSp>
+      <p:grpSp>
+        <p:nvGrpSpPr>
+          <p:cNvPr id="637" name="Google Shape;637;p30"/>
+          <p:cNvGrpSpPr/>
+          <p:nvPr/>
+        </p:nvGrpSpPr>
+        <p:grpSpPr>
+          <a:xfrm>
+            <a:off x="3630860" y="1790353"/>
+            <a:ext cx="483826" cy="491133"/>
+            <a:chOff x="4874902" y="3808799"/>
+            <a:chExt cx="345615" cy="350835"/>
+          </a:xfrm>
+        </p:grpSpPr>
+        <p:sp>
+          <p:nvSpPr>
+            <p:cNvPr id="638" name="Google Shape;638;p30"/>
+            <p:cNvSpPr/>
+            <p:nvPr/>
+          </p:nvSpPr>
+          <p:spPr>
+            <a:xfrm>
+              <a:off x="4874902" y="3808799"/>
+              <a:ext cx="345615" cy="350835"/>
+            </a:xfrm>
+            <a:custGeom>
+              <a:avLst/>
+              <a:gdLst/>
+              <a:ahLst/>
+              <a:cxnLst/>
+              <a:rect l="l" t="t" r="r" b="b"/>
+              <a:pathLst>
+                <a:path w="10859" h="11023" extrusionOk="0">
+                  <a:moveTo>
+                    <a:pt x="6632" y="274"/>
+                  </a:moveTo>
+                  <a:cubicBezTo>
+                    <a:pt x="6858" y="274"/>
+                    <a:pt x="7037" y="453"/>
+                    <a:pt x="7037" y="679"/>
+                  </a:cubicBezTo>
+                  <a:cubicBezTo>
+                    <a:pt x="7037" y="905"/>
+                    <a:pt x="6858" y="1084"/>
+                    <a:pt x="6632" y="1084"/>
+                  </a:cubicBezTo>
+                  <a:lnTo>
+                    <a:pt x="4906" y="1084"/>
+                  </a:lnTo>
+                  <a:cubicBezTo>
+                    <a:pt x="4691" y="1084"/>
+                    <a:pt x="4513" y="905"/>
+                    <a:pt x="4513" y="679"/>
+                  </a:cubicBezTo>
+                  <a:cubicBezTo>
+                    <a:pt x="4513" y="453"/>
+                    <a:pt x="4691" y="274"/>
+                    <a:pt x="4906" y="274"/>
+                  </a:cubicBezTo>
+                  <a:close/>
+                  <a:moveTo>
+                    <a:pt x="5965" y="1405"/>
+                  </a:moveTo>
+                  <a:lnTo>
+                    <a:pt x="5965" y="1965"/>
+                  </a:lnTo>
+                  <a:lnTo>
+                    <a:pt x="5572" y="1965"/>
+                  </a:lnTo>
+                  <a:lnTo>
+                    <a:pt x="5572" y="1405"/>
+                  </a:lnTo>
+                  <a:close/>
+                  <a:moveTo>
+                    <a:pt x="5790" y="2285"/>
+                  </a:moveTo>
+                  <a:cubicBezTo>
+                    <a:pt x="7012" y="2285"/>
+                    <a:pt x="8209" y="2830"/>
+                    <a:pt x="9037" y="3834"/>
+                  </a:cubicBezTo>
+                  <a:cubicBezTo>
+                    <a:pt x="10513" y="5632"/>
+                    <a:pt x="10228" y="8287"/>
+                    <a:pt x="8430" y="9763"/>
+                  </a:cubicBezTo>
+                  <a:cubicBezTo>
+                    <a:pt x="7647" y="10392"/>
+                    <a:pt x="6705" y="10700"/>
+                    <a:pt x="5771" y="10700"/>
+                  </a:cubicBezTo>
+                  <a:cubicBezTo>
+                    <a:pt x="4545" y="10700"/>
+                    <a:pt x="3331" y="10171"/>
+                    <a:pt x="2500" y="9144"/>
+                  </a:cubicBezTo>
+                  <a:cubicBezTo>
+                    <a:pt x="405" y="6573"/>
+                    <a:pt x="2000" y="2715"/>
+                    <a:pt x="5239" y="2322"/>
+                  </a:cubicBezTo>
+                  <a:cubicBezTo>
+                    <a:pt x="5422" y="2297"/>
+                    <a:pt x="5606" y="2285"/>
+                    <a:pt x="5790" y="2285"/>
+                  </a:cubicBezTo>
+                  <a:close/>
+                  <a:moveTo>
+                    <a:pt x="4917" y="0"/>
+                  </a:moveTo>
+                  <a:cubicBezTo>
+                    <a:pt x="4513" y="0"/>
+                    <a:pt x="4203" y="322"/>
+                    <a:pt x="4203" y="715"/>
+                  </a:cubicBezTo>
+                  <a:cubicBezTo>
+                    <a:pt x="4203" y="1108"/>
+                    <a:pt x="4525" y="1429"/>
+                    <a:pt x="4917" y="1429"/>
+                  </a:cubicBezTo>
+                  <a:lnTo>
+                    <a:pt x="5251" y="1429"/>
+                  </a:lnTo>
+                  <a:lnTo>
+                    <a:pt x="5251" y="1989"/>
+                  </a:lnTo>
+                  <a:cubicBezTo>
+                    <a:pt x="1727" y="2393"/>
+                    <a:pt x="0" y="6573"/>
+                    <a:pt x="2262" y="9359"/>
+                  </a:cubicBezTo>
+                  <a:cubicBezTo>
+                    <a:pt x="3161" y="10454"/>
+                    <a:pt x="4471" y="11023"/>
+                    <a:pt x="5790" y="11023"/>
+                  </a:cubicBezTo>
+                  <a:cubicBezTo>
+                    <a:pt x="6795" y="11023"/>
+                    <a:pt x="7805" y="10693"/>
+                    <a:pt x="8644" y="10013"/>
+                  </a:cubicBezTo>
+                  <a:cubicBezTo>
+                    <a:pt x="10585" y="8430"/>
+                    <a:pt x="10859" y="5561"/>
+                    <a:pt x="9287" y="3632"/>
+                  </a:cubicBezTo>
+                  <a:cubicBezTo>
+                    <a:pt x="8513" y="2679"/>
+                    <a:pt x="7430" y="2120"/>
+                    <a:pt x="6299" y="1989"/>
+                  </a:cubicBezTo>
+                  <a:lnTo>
+                    <a:pt x="6299" y="1429"/>
+                  </a:lnTo>
+                  <a:lnTo>
+                    <a:pt x="6644" y="1429"/>
+                  </a:lnTo>
+                  <a:cubicBezTo>
+                    <a:pt x="7037" y="1429"/>
+                    <a:pt x="7358" y="1096"/>
+                    <a:pt x="7358" y="715"/>
+                  </a:cubicBezTo>
+                  <a:cubicBezTo>
+                    <a:pt x="7358" y="310"/>
+                    <a:pt x="7025" y="0"/>
+                    <a:pt x="6644" y="0"/>
+                  </a:cubicBezTo>
+                  <a:close/>
+                </a:path>
+              </a:pathLst>
+            </a:custGeom>
+            <a:solidFill>
+              <a:schemeClr val="dk2"/>
+            </a:solidFill>
+            <a:ln>
+              <a:noFill/>
+            </a:ln>
+          </p:spPr>
+          <p:txBody>
+            <a:bodyPr spcFirstLastPara="1" wrap="square" lIns="91425" tIns="91425" rIns="91425" bIns="91425" anchor="ctr" anchorCtr="0">
+              <a:noAutofit/>
+            </a:bodyPr>
+            <a:lstStyle/>
+            <a:p>
+              <a:pPr marL="0" lvl="0" indent="0" algn="l" rtl="0">
+                <a:spcBef>
+                  <a:spcPts val="0"/>
+                </a:spcBef>
+                <a:spcAft>
+                  <a:spcPts val="0"/>
+                </a:spcAft>
+                <a:buNone/>
+              </a:pPr>
+              <a:endParaRPr/>
+            </a:p>
+          </p:txBody>
+        </p:sp>
+        <p:sp>
+          <p:nvSpPr>
+            <p:cNvPr id="639" name="Google Shape;639;p30"/>
+            <p:cNvSpPr/>
+            <p:nvPr/>
+          </p:nvSpPr>
+          <p:spPr>
+            <a:xfrm>
+              <a:off x="4939321" y="4009630"/>
+              <a:ext cx="145929" cy="123618"/>
+            </a:xfrm>
+            <a:custGeom>
+              <a:avLst/>
+              <a:gdLst/>
+              <a:ahLst/>
+              <a:cxnLst/>
+              <a:rect l="l" t="t" r="r" b="b"/>
+              <a:pathLst>
+                <a:path w="4585" h="3884" extrusionOk="0">
+                  <a:moveTo>
+                    <a:pt x="203" y="1"/>
+                  </a:moveTo>
+                  <a:cubicBezTo>
+                    <a:pt x="119" y="1"/>
+                    <a:pt x="48" y="72"/>
+                    <a:pt x="48" y="155"/>
+                  </a:cubicBezTo>
+                  <a:cubicBezTo>
+                    <a:pt x="48" y="203"/>
+                    <a:pt x="0" y="965"/>
+                    <a:pt x="429" y="1810"/>
+                  </a:cubicBezTo>
+                  <a:cubicBezTo>
+                    <a:pt x="691" y="2334"/>
+                    <a:pt x="1072" y="2799"/>
+                    <a:pt x="1548" y="3156"/>
+                  </a:cubicBezTo>
+                  <a:cubicBezTo>
+                    <a:pt x="2212" y="3644"/>
+                    <a:pt x="2997" y="3883"/>
+                    <a:pt x="3771" y="3883"/>
+                  </a:cubicBezTo>
+                  <a:cubicBezTo>
+                    <a:pt x="3996" y="3883"/>
+                    <a:pt x="4221" y="3863"/>
+                    <a:pt x="4441" y="3823"/>
+                  </a:cubicBezTo>
+                  <a:cubicBezTo>
+                    <a:pt x="4525" y="3811"/>
+                    <a:pt x="4584" y="3715"/>
+                    <a:pt x="4572" y="3632"/>
+                  </a:cubicBezTo>
+                  <a:cubicBezTo>
+                    <a:pt x="4540" y="3545"/>
+                    <a:pt x="4477" y="3488"/>
+                    <a:pt x="4394" y="3488"/>
+                  </a:cubicBezTo>
+                  <a:cubicBezTo>
+                    <a:pt x="4386" y="3488"/>
+                    <a:pt x="4378" y="3488"/>
+                    <a:pt x="4370" y="3489"/>
+                  </a:cubicBezTo>
+                  <a:cubicBezTo>
+                    <a:pt x="4161" y="3528"/>
+                    <a:pt x="3950" y="3547"/>
+                    <a:pt x="3739" y="3547"/>
+                  </a:cubicBezTo>
+                  <a:cubicBezTo>
+                    <a:pt x="3035" y="3547"/>
+                    <a:pt x="2334" y="3331"/>
+                    <a:pt x="1739" y="2882"/>
+                  </a:cubicBezTo>
+                  <a:cubicBezTo>
+                    <a:pt x="286" y="1810"/>
+                    <a:pt x="369" y="155"/>
+                    <a:pt x="369" y="155"/>
+                  </a:cubicBezTo>
+                  <a:cubicBezTo>
+                    <a:pt x="369" y="72"/>
+                    <a:pt x="298" y="1"/>
+                    <a:pt x="203" y="1"/>
+                  </a:cubicBezTo>
+                  <a:close/>
+                </a:path>
+              </a:pathLst>
+            </a:custGeom>
+            <a:solidFill>
+              <a:schemeClr val="dk2"/>
+            </a:solidFill>
+            <a:ln>
+              <a:noFill/>
+            </a:ln>
+          </p:spPr>
+          <p:txBody>
+            <a:bodyPr spcFirstLastPara="1" wrap="square" lIns="91425" tIns="91425" rIns="91425" bIns="91425" anchor="ctr" anchorCtr="0">
+              <a:noAutofit/>
+            </a:bodyPr>
+            <a:lstStyle/>
+            <a:p>
+              <a:pPr marL="0" lvl="0" indent="0" algn="l" rtl="0">
+                <a:spcBef>
+                  <a:spcPts val="0"/>
+                </a:spcBef>
+                <a:spcAft>
+                  <a:spcPts val="0"/>
+                </a:spcAft>
+                <a:buNone/>
+              </a:pPr>
+              <a:endParaRPr/>
+            </a:p>
+          </p:txBody>
+        </p:sp>
+        <p:sp>
+          <p:nvSpPr>
+            <p:cNvPr id="640" name="Google Shape;640;p30"/>
+            <p:cNvSpPr/>
+            <p:nvPr/>
+          </p:nvSpPr>
+          <p:spPr>
+            <a:xfrm>
+              <a:off x="4942344" y="3897629"/>
+              <a:ext cx="205033" cy="101816"/>
+            </a:xfrm>
+            <a:custGeom>
+              <a:avLst/>
+              <a:gdLst/>
+              <a:ahLst/>
+              <a:cxnLst/>
+              <a:rect l="l" t="t" r="r" b="b"/>
+              <a:pathLst>
+                <a:path w="6442" h="3199" extrusionOk="0">
+                  <a:moveTo>
+                    <a:pt x="3666" y="0"/>
+                  </a:moveTo>
+                  <a:cubicBezTo>
+                    <a:pt x="1972" y="0"/>
+                    <a:pt x="363" y="1175"/>
+                    <a:pt x="24" y="3008"/>
+                  </a:cubicBezTo>
+                  <a:cubicBezTo>
+                    <a:pt x="0" y="3115"/>
+                    <a:pt x="72" y="3198"/>
+                    <a:pt x="179" y="3198"/>
+                  </a:cubicBezTo>
+                  <a:cubicBezTo>
+                    <a:pt x="251" y="3198"/>
+                    <a:pt x="322" y="3139"/>
+                    <a:pt x="334" y="3067"/>
+                  </a:cubicBezTo>
+                  <a:cubicBezTo>
+                    <a:pt x="656" y="1384"/>
+                    <a:pt x="2127" y="318"/>
+                    <a:pt x="3670" y="318"/>
+                  </a:cubicBezTo>
+                  <a:cubicBezTo>
+                    <a:pt x="4353" y="318"/>
+                    <a:pt x="5050" y="527"/>
+                    <a:pt x="5668" y="984"/>
+                  </a:cubicBezTo>
+                  <a:cubicBezTo>
+                    <a:pt x="5846" y="1115"/>
+                    <a:pt x="5989" y="1257"/>
+                    <a:pt x="6144" y="1412"/>
+                  </a:cubicBezTo>
+                  <a:cubicBezTo>
+                    <a:pt x="6180" y="1448"/>
+                    <a:pt x="6228" y="1471"/>
+                    <a:pt x="6274" y="1471"/>
+                  </a:cubicBezTo>
+                  <a:cubicBezTo>
+                    <a:pt x="6305" y="1471"/>
+                    <a:pt x="6334" y="1460"/>
+                    <a:pt x="6358" y="1436"/>
+                  </a:cubicBezTo>
+                  <a:cubicBezTo>
+                    <a:pt x="6430" y="1377"/>
+                    <a:pt x="6442" y="1269"/>
+                    <a:pt x="6382" y="1210"/>
+                  </a:cubicBezTo>
+                  <a:cubicBezTo>
+                    <a:pt x="6216" y="1031"/>
+                    <a:pt x="6049" y="876"/>
+                    <a:pt x="5858" y="734"/>
+                  </a:cubicBezTo>
+                  <a:cubicBezTo>
+                    <a:pt x="5179" y="230"/>
+                    <a:pt x="4414" y="0"/>
+                    <a:pt x="3666" y="0"/>
+                  </a:cubicBezTo>
+                  <a:close/>
+                </a:path>
+              </a:pathLst>
+            </a:custGeom>
+            <a:solidFill>
+              <a:schemeClr val="dk2"/>
+            </a:solidFill>
+            <a:ln>
+              <a:noFill/>
+            </a:ln>
+          </p:spPr>
+          <p:txBody>
+            <a:bodyPr spcFirstLastPara="1" wrap="square" lIns="91425" tIns="91425" rIns="91425" bIns="91425" anchor="ctr" anchorCtr="0">
+              <a:noAutofit/>
+            </a:bodyPr>
+            <a:lstStyle/>
+            <a:p>
+              <a:pPr marL="0" lvl="0" indent="0" algn="l" rtl="0">
+                <a:spcBef>
+                  <a:spcPts val="0"/>
+                </a:spcBef>
+                <a:spcAft>
+                  <a:spcPts val="0"/>
+                </a:spcAft>
+                <a:buNone/>
+              </a:pPr>
+              <a:endParaRPr/>
+            </a:p>
+          </p:txBody>
+        </p:sp>
+        <p:sp>
+          <p:nvSpPr>
+            <p:cNvPr id="641" name="Google Shape;641;p30"/>
+            <p:cNvSpPr/>
+            <p:nvPr/>
+          </p:nvSpPr>
+          <p:spPr>
+            <a:xfrm>
+              <a:off x="5092729" y="3950240"/>
+              <a:ext cx="84597" cy="175465"/>
+            </a:xfrm>
+            <a:custGeom>
+              <a:avLst/>
+              <a:gdLst/>
+              <a:ahLst/>
+              <a:cxnLst/>
+              <a:rect l="l" t="t" r="r" b="b"/>
+              <a:pathLst>
+                <a:path w="2658" h="5513" extrusionOk="0">
+                  <a:moveTo>
+                    <a:pt x="1939" y="0"/>
+                  </a:moveTo>
+                  <a:cubicBezTo>
+                    <a:pt x="1907" y="0"/>
+                    <a:pt x="1875" y="11"/>
+                    <a:pt x="1848" y="33"/>
+                  </a:cubicBezTo>
+                  <a:cubicBezTo>
+                    <a:pt x="1776" y="81"/>
+                    <a:pt x="1741" y="176"/>
+                    <a:pt x="1800" y="259"/>
+                  </a:cubicBezTo>
+                  <a:cubicBezTo>
+                    <a:pt x="2145" y="795"/>
+                    <a:pt x="2324" y="1414"/>
+                    <a:pt x="2324" y="2057"/>
+                  </a:cubicBezTo>
+                  <a:cubicBezTo>
+                    <a:pt x="2324" y="3486"/>
+                    <a:pt x="1431" y="4724"/>
+                    <a:pt x="169" y="5200"/>
+                  </a:cubicBezTo>
+                  <a:cubicBezTo>
+                    <a:pt x="1" y="5263"/>
+                    <a:pt x="55" y="5512"/>
+                    <a:pt x="218" y="5512"/>
+                  </a:cubicBezTo>
+                  <a:cubicBezTo>
+                    <a:pt x="239" y="5512"/>
+                    <a:pt x="263" y="5508"/>
+                    <a:pt x="288" y="5498"/>
+                  </a:cubicBezTo>
+                  <a:cubicBezTo>
+                    <a:pt x="1669" y="4962"/>
+                    <a:pt x="2657" y="3605"/>
+                    <a:pt x="2657" y="2045"/>
+                  </a:cubicBezTo>
+                  <a:cubicBezTo>
+                    <a:pt x="2622" y="1343"/>
+                    <a:pt x="2431" y="676"/>
+                    <a:pt x="2074" y="81"/>
+                  </a:cubicBezTo>
+                  <a:cubicBezTo>
+                    <a:pt x="2044" y="29"/>
+                    <a:pt x="1992" y="0"/>
+                    <a:pt x="1939" y="0"/>
+                  </a:cubicBezTo>
+                  <a:close/>
+                </a:path>
+              </a:pathLst>
+            </a:custGeom>
+            <a:solidFill>
+              <a:schemeClr val="dk2"/>
+            </a:solidFill>
+            <a:ln>
+              <a:noFill/>
+            </a:ln>
+          </p:spPr>
+          <p:txBody>
+            <a:bodyPr spcFirstLastPara="1" wrap="square" lIns="91425" tIns="91425" rIns="91425" bIns="91425" anchor="ctr" anchorCtr="0">
+              <a:noAutofit/>
+            </a:bodyPr>
+            <a:lstStyle/>
+            <a:p>
+              <a:pPr marL="0" lvl="0" indent="0" algn="l" rtl="0">
+                <a:spcBef>
+                  <a:spcPts val="0"/>
+                </a:spcBef>
+                <a:spcAft>
+                  <a:spcPts val="0"/>
+                </a:spcAft>
+                <a:buNone/>
+              </a:pPr>
+              <a:endParaRPr/>
+            </a:p>
+          </p:txBody>
+        </p:sp>
+        <p:sp>
+          <p:nvSpPr>
+            <p:cNvPr id="642" name="Google Shape;642;p30"/>
+            <p:cNvSpPr/>
+            <p:nvPr/>
+          </p:nvSpPr>
+          <p:spPr>
+            <a:xfrm>
+              <a:off x="5004886" y="3993717"/>
+              <a:ext cx="81478" cy="55348"/>
+            </a:xfrm>
+            <a:custGeom>
+              <a:avLst/>
+              <a:gdLst/>
+              <a:ahLst/>
+              <a:cxnLst/>
+              <a:rect l="l" t="t" r="r" b="b"/>
+              <a:pathLst>
+                <a:path w="2560" h="1739" extrusionOk="0">
+                  <a:moveTo>
+                    <a:pt x="1691" y="334"/>
+                  </a:moveTo>
+                  <a:cubicBezTo>
+                    <a:pt x="1976" y="334"/>
+                    <a:pt x="2143" y="655"/>
+                    <a:pt x="1976" y="882"/>
+                  </a:cubicBezTo>
+                  <a:cubicBezTo>
+                    <a:pt x="1913" y="974"/>
+                    <a:pt x="1806" y="1024"/>
+                    <a:pt x="1698" y="1024"/>
+                  </a:cubicBezTo>
+                  <a:cubicBezTo>
+                    <a:pt x="1625" y="1024"/>
+                    <a:pt x="1551" y="1001"/>
+                    <a:pt x="1488" y="953"/>
+                  </a:cubicBezTo>
+                  <a:cubicBezTo>
+                    <a:pt x="1214" y="763"/>
+                    <a:pt x="1369" y="334"/>
+                    <a:pt x="1691" y="334"/>
+                  </a:cubicBezTo>
+                  <a:close/>
+                  <a:moveTo>
+                    <a:pt x="1691" y="1"/>
+                  </a:moveTo>
+                  <a:cubicBezTo>
+                    <a:pt x="1584" y="1"/>
+                    <a:pt x="1334" y="36"/>
+                    <a:pt x="1155" y="274"/>
+                  </a:cubicBezTo>
+                  <a:cubicBezTo>
+                    <a:pt x="1024" y="453"/>
+                    <a:pt x="988" y="655"/>
+                    <a:pt x="1048" y="846"/>
+                  </a:cubicBezTo>
+                  <a:lnTo>
+                    <a:pt x="131" y="1441"/>
+                  </a:lnTo>
+                  <a:cubicBezTo>
+                    <a:pt x="0" y="1536"/>
+                    <a:pt x="60" y="1739"/>
+                    <a:pt x="214" y="1739"/>
+                  </a:cubicBezTo>
+                  <a:cubicBezTo>
+                    <a:pt x="310" y="1739"/>
+                    <a:pt x="262" y="1727"/>
+                    <a:pt x="1214" y="1132"/>
+                  </a:cubicBezTo>
+                  <a:cubicBezTo>
+                    <a:pt x="1346" y="1279"/>
+                    <a:pt x="1520" y="1349"/>
+                    <a:pt x="1692" y="1349"/>
+                  </a:cubicBezTo>
+                  <a:cubicBezTo>
+                    <a:pt x="1896" y="1349"/>
+                    <a:pt x="2098" y="1252"/>
+                    <a:pt x="2226" y="1072"/>
+                  </a:cubicBezTo>
+                  <a:cubicBezTo>
+                    <a:pt x="2560" y="632"/>
+                    <a:pt x="2238" y="1"/>
+                    <a:pt x="1691" y="1"/>
+                  </a:cubicBezTo>
+                  <a:close/>
+                </a:path>
+              </a:pathLst>
+            </a:custGeom>
+            <a:solidFill>
+              <a:schemeClr val="dk2"/>
+            </a:solidFill>
+            <a:ln>
+              <a:noFill/>
+            </a:ln>
+          </p:spPr>
+          <p:txBody>
+            <a:bodyPr spcFirstLastPara="1" wrap="square" lIns="91425" tIns="91425" rIns="91425" bIns="91425" anchor="ctr" anchorCtr="0">
+              <a:noAutofit/>
+            </a:bodyPr>
+            <a:lstStyle/>
+            <a:p>
+              <a:pPr marL="0" lvl="0" indent="0" algn="l" rtl="0">
+                <a:spcBef>
+                  <a:spcPts val="0"/>
+                </a:spcBef>
+                <a:spcAft>
+                  <a:spcPts val="0"/>
+                </a:spcAft>
+                <a:buNone/>
+              </a:pPr>
+              <a:endParaRPr/>
+            </a:p>
+          </p:txBody>
+        </p:sp>
+        <p:sp>
+          <p:nvSpPr>
+            <p:cNvPr id="643" name="Google Shape;643;p30"/>
+            <p:cNvSpPr/>
+            <p:nvPr/>
+          </p:nvSpPr>
+          <p:spPr>
+            <a:xfrm>
+              <a:off x="5053391" y="3915262"/>
+              <a:ext cx="10630" cy="29982"/>
+            </a:xfrm>
+            <a:custGeom>
+              <a:avLst/>
+              <a:gdLst/>
+              <a:ahLst/>
+              <a:cxnLst/>
+              <a:rect l="l" t="t" r="r" b="b"/>
+              <a:pathLst>
+                <a:path w="334" h="942" extrusionOk="0">
+                  <a:moveTo>
+                    <a:pt x="167" y="1"/>
+                  </a:moveTo>
+                  <a:cubicBezTo>
+                    <a:pt x="83" y="1"/>
+                    <a:pt x="0" y="72"/>
+                    <a:pt x="0" y="168"/>
+                  </a:cubicBezTo>
+                  <a:lnTo>
+                    <a:pt x="0" y="775"/>
+                  </a:lnTo>
+                  <a:cubicBezTo>
+                    <a:pt x="0" y="858"/>
+                    <a:pt x="83" y="942"/>
+                    <a:pt x="167" y="942"/>
+                  </a:cubicBezTo>
+                  <a:cubicBezTo>
+                    <a:pt x="262" y="942"/>
+                    <a:pt x="333" y="858"/>
+                    <a:pt x="333" y="775"/>
+                  </a:cubicBezTo>
+                  <a:lnTo>
+                    <a:pt x="333" y="168"/>
+                  </a:lnTo>
+                  <a:cubicBezTo>
+                    <a:pt x="333" y="72"/>
+                    <a:pt x="262" y="1"/>
+                    <a:pt x="167" y="1"/>
+                  </a:cubicBezTo>
+                  <a:close/>
+                </a:path>
+              </a:pathLst>
+            </a:custGeom>
+            <a:solidFill>
+              <a:schemeClr val="dk2"/>
+            </a:solidFill>
+            <a:ln>
+              <a:noFill/>
+            </a:ln>
+          </p:spPr>
+          <p:txBody>
+            <a:bodyPr spcFirstLastPara="1" wrap="square" lIns="91425" tIns="91425" rIns="91425" bIns="91425" anchor="ctr" anchorCtr="0">
+              <a:noAutofit/>
+            </a:bodyPr>
+            <a:lstStyle/>
+            <a:p>
+              <a:pPr marL="0" lvl="0" indent="0" algn="l" rtl="0">
+                <a:spcBef>
+                  <a:spcPts val="0"/>
+                </a:spcBef>
+                <a:spcAft>
+                  <a:spcPts val="0"/>
+                </a:spcAft>
+                <a:buNone/>
+              </a:pPr>
+              <a:endParaRPr/>
+            </a:p>
+          </p:txBody>
+        </p:sp>
+        <p:sp>
+          <p:nvSpPr>
+            <p:cNvPr id="644" name="Google Shape;644;p30"/>
+            <p:cNvSpPr/>
+            <p:nvPr/>
+          </p:nvSpPr>
+          <p:spPr>
+            <a:xfrm>
+              <a:off x="5005236" y="3928216"/>
+              <a:ext cx="21261" cy="26894"/>
+            </a:xfrm>
+            <a:custGeom>
+              <a:avLst/>
+              <a:gdLst/>
+              <a:ahLst/>
+              <a:cxnLst/>
+              <a:rect l="l" t="t" r="r" b="b"/>
+              <a:pathLst>
+                <a:path w="668" h="845" extrusionOk="0">
+                  <a:moveTo>
+                    <a:pt x="183" y="1"/>
+                  </a:moveTo>
+                  <a:cubicBezTo>
+                    <a:pt x="156" y="1"/>
+                    <a:pt x="130" y="8"/>
+                    <a:pt x="108" y="23"/>
+                  </a:cubicBezTo>
+                  <a:cubicBezTo>
+                    <a:pt x="25" y="70"/>
+                    <a:pt x="1" y="177"/>
+                    <a:pt x="49" y="249"/>
+                  </a:cubicBezTo>
+                  <a:lnTo>
+                    <a:pt x="346" y="773"/>
+                  </a:lnTo>
+                  <a:cubicBezTo>
+                    <a:pt x="382" y="808"/>
+                    <a:pt x="430" y="844"/>
+                    <a:pt x="489" y="844"/>
+                  </a:cubicBezTo>
+                  <a:cubicBezTo>
+                    <a:pt x="525" y="844"/>
+                    <a:pt x="549" y="844"/>
+                    <a:pt x="561" y="832"/>
+                  </a:cubicBezTo>
+                  <a:cubicBezTo>
+                    <a:pt x="644" y="785"/>
+                    <a:pt x="668" y="677"/>
+                    <a:pt x="620" y="606"/>
+                  </a:cubicBezTo>
+                  <a:lnTo>
+                    <a:pt x="322" y="82"/>
+                  </a:lnTo>
+                  <a:cubicBezTo>
+                    <a:pt x="298" y="33"/>
+                    <a:pt x="240" y="1"/>
+                    <a:pt x="183" y="1"/>
+                  </a:cubicBezTo>
+                  <a:close/>
+                </a:path>
+              </a:pathLst>
+            </a:custGeom>
+            <a:solidFill>
+              <a:schemeClr val="dk2"/>
+            </a:solidFill>
+            <a:ln>
+              <a:noFill/>
+            </a:ln>
+          </p:spPr>
+          <p:txBody>
+            <a:bodyPr spcFirstLastPara="1" wrap="square" lIns="91425" tIns="91425" rIns="91425" bIns="91425" anchor="ctr" anchorCtr="0">
+              <a:noAutofit/>
+            </a:bodyPr>
+            <a:lstStyle/>
+            <a:p>
+              <a:pPr marL="0" lvl="0" indent="0" algn="l" rtl="0">
+                <a:spcBef>
+                  <a:spcPts val="0"/>
+                </a:spcBef>
+                <a:spcAft>
+                  <a:spcPts val="0"/>
+                </a:spcAft>
+                <a:buNone/>
+              </a:pPr>
+              <a:endParaRPr/>
+            </a:p>
+          </p:txBody>
+        </p:sp>
+        <p:sp>
+          <p:nvSpPr>
+            <p:cNvPr id="645" name="Google Shape;645;p30"/>
+            <p:cNvSpPr/>
+            <p:nvPr/>
+          </p:nvSpPr>
+          <p:spPr>
+            <a:xfrm>
+              <a:off x="4970766" y="3962876"/>
+              <a:ext cx="28454" cy="19510"/>
+            </a:xfrm>
+            <a:custGeom>
+              <a:avLst/>
+              <a:gdLst/>
+              <a:ahLst/>
+              <a:cxnLst/>
+              <a:rect l="l" t="t" r="r" b="b"/>
+              <a:pathLst>
+                <a:path w="894" h="613" extrusionOk="0">
+                  <a:moveTo>
+                    <a:pt x="189" y="1"/>
+                  </a:moveTo>
+                  <a:cubicBezTo>
+                    <a:pt x="130" y="1"/>
+                    <a:pt x="69" y="27"/>
+                    <a:pt x="36" y="77"/>
+                  </a:cubicBezTo>
+                  <a:cubicBezTo>
+                    <a:pt x="0" y="160"/>
+                    <a:pt x="24" y="255"/>
+                    <a:pt x="96" y="303"/>
+                  </a:cubicBezTo>
+                  <a:lnTo>
+                    <a:pt x="620" y="600"/>
+                  </a:lnTo>
+                  <a:cubicBezTo>
+                    <a:pt x="655" y="612"/>
+                    <a:pt x="679" y="612"/>
+                    <a:pt x="691" y="612"/>
+                  </a:cubicBezTo>
+                  <a:cubicBezTo>
+                    <a:pt x="751" y="612"/>
+                    <a:pt x="798" y="589"/>
+                    <a:pt x="834" y="541"/>
+                  </a:cubicBezTo>
+                  <a:cubicBezTo>
+                    <a:pt x="893" y="470"/>
+                    <a:pt x="858" y="362"/>
+                    <a:pt x="786" y="315"/>
+                  </a:cubicBezTo>
+                  <a:lnTo>
+                    <a:pt x="262" y="17"/>
+                  </a:lnTo>
+                  <a:cubicBezTo>
+                    <a:pt x="240" y="6"/>
+                    <a:pt x="215" y="1"/>
+                    <a:pt x="189" y="1"/>
+                  </a:cubicBezTo>
+                  <a:close/>
+                </a:path>
+              </a:pathLst>
+            </a:custGeom>
+            <a:solidFill>
+              <a:schemeClr val="dk2"/>
+            </a:solidFill>
+            <a:ln>
+              <a:noFill/>
+            </a:ln>
+          </p:spPr>
+          <p:txBody>
+            <a:bodyPr spcFirstLastPara="1" wrap="square" lIns="91425" tIns="91425" rIns="91425" bIns="91425" anchor="ctr" anchorCtr="0">
+              <a:noAutofit/>
+            </a:bodyPr>
+            <a:lstStyle/>
+            <a:p>
+              <a:pPr marL="0" lvl="0" indent="0" algn="l" rtl="0">
+                <a:spcBef>
+                  <a:spcPts val="0"/>
+                </a:spcBef>
+                <a:spcAft>
+                  <a:spcPts val="0"/>
+                </a:spcAft>
+                <a:buNone/>
+              </a:pPr>
+              <a:endParaRPr/>
+            </a:p>
+          </p:txBody>
+        </p:sp>
+        <p:sp>
+          <p:nvSpPr>
+            <p:cNvPr id="646" name="Google Shape;646;p30"/>
+            <p:cNvSpPr/>
+            <p:nvPr/>
+          </p:nvSpPr>
+          <p:spPr>
+            <a:xfrm>
+              <a:off x="4958258" y="4010012"/>
+              <a:ext cx="29982" cy="10248"/>
+            </a:xfrm>
+            <a:custGeom>
+              <a:avLst/>
+              <a:gdLst/>
+              <a:ahLst/>
+              <a:cxnLst/>
+              <a:rect l="l" t="t" r="r" b="b"/>
+              <a:pathLst>
+                <a:path w="942" h="322" extrusionOk="0">
+                  <a:moveTo>
+                    <a:pt x="167" y="1"/>
+                  </a:moveTo>
+                  <a:cubicBezTo>
+                    <a:pt x="72" y="1"/>
+                    <a:pt x="1" y="72"/>
+                    <a:pt x="1" y="167"/>
+                  </a:cubicBezTo>
+                  <a:cubicBezTo>
+                    <a:pt x="1" y="251"/>
+                    <a:pt x="72" y="322"/>
+                    <a:pt x="167" y="322"/>
+                  </a:cubicBezTo>
+                  <a:lnTo>
+                    <a:pt x="774" y="322"/>
+                  </a:lnTo>
+                  <a:cubicBezTo>
+                    <a:pt x="870" y="322"/>
+                    <a:pt x="941" y="251"/>
+                    <a:pt x="941" y="167"/>
+                  </a:cubicBezTo>
+                  <a:cubicBezTo>
+                    <a:pt x="941" y="72"/>
+                    <a:pt x="870" y="1"/>
+                    <a:pt x="774" y="1"/>
+                  </a:cubicBezTo>
+                  <a:close/>
+                </a:path>
+              </a:pathLst>
+            </a:custGeom>
+            <a:solidFill>
+              <a:schemeClr val="dk2"/>
+            </a:solidFill>
+            <a:ln>
+              <a:noFill/>
+            </a:ln>
+          </p:spPr>
+          <p:txBody>
+            <a:bodyPr spcFirstLastPara="1" wrap="square" lIns="91425" tIns="91425" rIns="91425" bIns="91425" anchor="ctr" anchorCtr="0">
+              <a:noAutofit/>
+            </a:bodyPr>
+            <a:lstStyle/>
+            <a:p>
+              <a:pPr marL="0" lvl="0" indent="0" algn="l" rtl="0">
+                <a:spcBef>
+                  <a:spcPts val="0"/>
+                </a:spcBef>
+                <a:spcAft>
+                  <a:spcPts val="0"/>
+                </a:spcAft>
+                <a:buNone/>
+              </a:pPr>
+              <a:endParaRPr/>
+            </a:p>
+          </p:txBody>
+        </p:sp>
+        <p:sp>
+          <p:nvSpPr>
+            <p:cNvPr id="647" name="Google Shape;647;p30"/>
+            <p:cNvSpPr/>
+            <p:nvPr/>
+          </p:nvSpPr>
+          <p:spPr>
+            <a:xfrm>
+              <a:off x="4969239" y="4047601"/>
+              <a:ext cx="30363" cy="20051"/>
+            </a:xfrm>
+            <a:custGeom>
+              <a:avLst/>
+              <a:gdLst/>
+              <a:ahLst/>
+              <a:cxnLst/>
+              <a:rect l="l" t="t" r="r" b="b"/>
+              <a:pathLst>
+                <a:path w="954" h="630" extrusionOk="0">
+                  <a:moveTo>
+                    <a:pt x="754" y="0"/>
+                  </a:moveTo>
+                  <a:cubicBezTo>
+                    <a:pt x="728" y="0"/>
+                    <a:pt x="702" y="7"/>
+                    <a:pt x="679" y="22"/>
+                  </a:cubicBezTo>
+                  <a:lnTo>
+                    <a:pt x="156" y="320"/>
+                  </a:lnTo>
+                  <a:cubicBezTo>
+                    <a:pt x="1" y="415"/>
+                    <a:pt x="60" y="629"/>
+                    <a:pt x="239" y="629"/>
+                  </a:cubicBezTo>
+                  <a:cubicBezTo>
+                    <a:pt x="310" y="629"/>
+                    <a:pt x="310" y="605"/>
+                    <a:pt x="846" y="308"/>
+                  </a:cubicBezTo>
+                  <a:cubicBezTo>
+                    <a:pt x="918" y="260"/>
+                    <a:pt x="953" y="153"/>
+                    <a:pt x="906" y="82"/>
+                  </a:cubicBezTo>
+                  <a:cubicBezTo>
+                    <a:pt x="873" y="33"/>
+                    <a:pt x="812" y="0"/>
+                    <a:pt x="754" y="0"/>
+                  </a:cubicBezTo>
+                  <a:close/>
+                </a:path>
+              </a:pathLst>
+            </a:custGeom>
+            <a:solidFill>
+              <a:schemeClr val="dk2"/>
+            </a:solidFill>
+            <a:ln>
+              <a:noFill/>
+            </a:ln>
+          </p:spPr>
+          <p:txBody>
+            <a:bodyPr spcFirstLastPara="1" wrap="square" lIns="91425" tIns="91425" rIns="91425" bIns="91425" anchor="ctr" anchorCtr="0">
+              <a:noAutofit/>
+            </a:bodyPr>
+            <a:lstStyle/>
+            <a:p>
+              <a:pPr marL="0" lvl="0" indent="0" algn="l" rtl="0">
+                <a:spcBef>
+                  <a:spcPts val="0"/>
+                </a:spcBef>
+                <a:spcAft>
+                  <a:spcPts val="0"/>
+                </a:spcAft>
+                <a:buNone/>
+              </a:pPr>
+              <a:endParaRPr/>
+            </a:p>
+          </p:txBody>
+        </p:sp>
+        <p:sp>
+          <p:nvSpPr>
+            <p:cNvPr id="648" name="Google Shape;648;p30"/>
+            <p:cNvSpPr/>
+            <p:nvPr/>
+          </p:nvSpPr>
+          <p:spPr>
+            <a:xfrm>
+              <a:off x="5005236" y="4075641"/>
+              <a:ext cx="21261" cy="26862"/>
+            </a:xfrm>
+            <a:custGeom>
+              <a:avLst/>
+              <a:gdLst/>
+              <a:ahLst/>
+              <a:cxnLst/>
+              <a:rect l="l" t="t" r="r" b="b"/>
+              <a:pathLst>
+                <a:path w="668" h="844" extrusionOk="0">
+                  <a:moveTo>
+                    <a:pt x="491" y="0"/>
+                  </a:moveTo>
+                  <a:cubicBezTo>
+                    <a:pt x="440" y="0"/>
+                    <a:pt x="391" y="33"/>
+                    <a:pt x="358" y="82"/>
+                  </a:cubicBezTo>
+                  <a:lnTo>
+                    <a:pt x="60" y="606"/>
+                  </a:lnTo>
+                  <a:cubicBezTo>
+                    <a:pt x="1" y="701"/>
+                    <a:pt x="72" y="844"/>
+                    <a:pt x="191" y="844"/>
+                  </a:cubicBezTo>
+                  <a:cubicBezTo>
+                    <a:pt x="251" y="844"/>
+                    <a:pt x="299" y="808"/>
+                    <a:pt x="322" y="760"/>
+                  </a:cubicBezTo>
+                  <a:lnTo>
+                    <a:pt x="620" y="248"/>
+                  </a:lnTo>
+                  <a:cubicBezTo>
+                    <a:pt x="668" y="165"/>
+                    <a:pt x="644" y="70"/>
+                    <a:pt x="561" y="22"/>
+                  </a:cubicBezTo>
+                  <a:cubicBezTo>
+                    <a:pt x="538" y="7"/>
+                    <a:pt x="514" y="0"/>
+                    <a:pt x="491" y="0"/>
+                  </a:cubicBezTo>
+                  <a:close/>
+                </a:path>
+              </a:pathLst>
+            </a:custGeom>
+            <a:solidFill>
+              <a:schemeClr val="dk2"/>
+            </a:solidFill>
+            <a:ln>
+              <a:noFill/>
+            </a:ln>
+          </p:spPr>
+          <p:txBody>
+            <a:bodyPr spcFirstLastPara="1" wrap="square" lIns="91425" tIns="91425" rIns="91425" bIns="91425" anchor="ctr" anchorCtr="0">
+              <a:noAutofit/>
+            </a:bodyPr>
+            <a:lstStyle/>
+            <a:p>
+              <a:pPr marL="0" lvl="0" indent="0" algn="l" rtl="0">
+                <a:spcBef>
+                  <a:spcPts val="0"/>
+                </a:spcBef>
+                <a:spcAft>
+                  <a:spcPts val="0"/>
+                </a:spcAft>
+                <a:buNone/>
+              </a:pPr>
+              <a:endParaRPr/>
+            </a:p>
+          </p:txBody>
+        </p:sp>
+        <p:sp>
+          <p:nvSpPr>
+            <p:cNvPr id="649" name="Google Shape;649;p30"/>
+            <p:cNvSpPr/>
+            <p:nvPr/>
+          </p:nvSpPr>
+          <p:spPr>
+            <a:xfrm>
+              <a:off x="5053391" y="4085794"/>
+              <a:ext cx="10630" cy="29982"/>
+            </a:xfrm>
+            <a:custGeom>
+              <a:avLst/>
+              <a:gdLst/>
+              <a:ahLst/>
+              <a:cxnLst/>
+              <a:rect l="l" t="t" r="r" b="b"/>
+              <a:pathLst>
+                <a:path w="334" h="942" extrusionOk="0">
+                  <a:moveTo>
+                    <a:pt x="167" y="1"/>
+                  </a:moveTo>
+                  <a:cubicBezTo>
+                    <a:pt x="83" y="1"/>
+                    <a:pt x="0" y="72"/>
+                    <a:pt x="0" y="167"/>
+                  </a:cubicBezTo>
+                  <a:lnTo>
+                    <a:pt x="0" y="775"/>
+                  </a:lnTo>
+                  <a:cubicBezTo>
+                    <a:pt x="0" y="858"/>
+                    <a:pt x="83" y="941"/>
+                    <a:pt x="167" y="941"/>
+                  </a:cubicBezTo>
+                  <a:cubicBezTo>
+                    <a:pt x="250" y="941"/>
+                    <a:pt x="333" y="858"/>
+                    <a:pt x="333" y="775"/>
+                  </a:cubicBezTo>
+                  <a:lnTo>
+                    <a:pt x="333" y="167"/>
+                  </a:lnTo>
+                  <a:cubicBezTo>
+                    <a:pt x="333" y="72"/>
+                    <a:pt x="250" y="1"/>
+                    <a:pt x="167" y="1"/>
+                  </a:cubicBezTo>
+                  <a:close/>
+                </a:path>
+              </a:pathLst>
+            </a:custGeom>
+            <a:solidFill>
+              <a:schemeClr val="dk2"/>
+            </a:solidFill>
+            <a:ln>
+              <a:noFill/>
+            </a:ln>
+          </p:spPr>
+          <p:txBody>
+            <a:bodyPr spcFirstLastPara="1" wrap="square" lIns="91425" tIns="91425" rIns="91425" bIns="91425" anchor="ctr" anchorCtr="0">
+              <a:noAutofit/>
+            </a:bodyPr>
+            <a:lstStyle/>
+            <a:p>
+              <a:pPr marL="0" lvl="0" indent="0" algn="l" rtl="0">
+                <a:spcBef>
+                  <a:spcPts val="0"/>
+                </a:spcBef>
+                <a:spcAft>
+                  <a:spcPts val="0"/>
+                </a:spcAft>
+                <a:buNone/>
+              </a:pPr>
+              <a:endParaRPr/>
+            </a:p>
+          </p:txBody>
+        </p:sp>
+        <p:sp>
+          <p:nvSpPr>
+            <p:cNvPr id="650" name="Google Shape;650;p30"/>
+            <p:cNvSpPr/>
+            <p:nvPr/>
+          </p:nvSpPr>
+          <p:spPr>
+            <a:xfrm>
+              <a:off x="5090501" y="4075641"/>
+              <a:ext cx="21261" cy="26894"/>
+            </a:xfrm>
+            <a:custGeom>
+              <a:avLst/>
+              <a:gdLst/>
+              <a:ahLst/>
+              <a:cxnLst/>
+              <a:rect l="l" t="t" r="r" b="b"/>
+              <a:pathLst>
+                <a:path w="668" h="845" extrusionOk="0">
+                  <a:moveTo>
+                    <a:pt x="182" y="0"/>
+                  </a:moveTo>
+                  <a:cubicBezTo>
+                    <a:pt x="156" y="0"/>
+                    <a:pt x="130" y="7"/>
+                    <a:pt x="108" y="22"/>
+                  </a:cubicBezTo>
+                  <a:cubicBezTo>
+                    <a:pt x="25" y="70"/>
+                    <a:pt x="1" y="165"/>
+                    <a:pt x="48" y="248"/>
+                  </a:cubicBezTo>
+                  <a:lnTo>
+                    <a:pt x="346" y="760"/>
+                  </a:lnTo>
+                  <a:cubicBezTo>
+                    <a:pt x="370" y="815"/>
+                    <a:pt x="424" y="844"/>
+                    <a:pt x="479" y="844"/>
+                  </a:cubicBezTo>
+                  <a:cubicBezTo>
+                    <a:pt x="507" y="844"/>
+                    <a:pt x="536" y="836"/>
+                    <a:pt x="560" y="820"/>
+                  </a:cubicBezTo>
+                  <a:cubicBezTo>
+                    <a:pt x="644" y="784"/>
+                    <a:pt x="668" y="677"/>
+                    <a:pt x="620" y="606"/>
+                  </a:cubicBezTo>
+                  <a:lnTo>
+                    <a:pt x="322" y="82"/>
+                  </a:lnTo>
+                  <a:cubicBezTo>
+                    <a:pt x="298" y="33"/>
+                    <a:pt x="240" y="0"/>
+                    <a:pt x="182" y="0"/>
+                  </a:cubicBezTo>
+                  <a:close/>
+                </a:path>
+              </a:pathLst>
+            </a:custGeom>
+            <a:solidFill>
+              <a:schemeClr val="dk2"/>
+            </a:solidFill>
+            <a:ln>
+              <a:noFill/>
+            </a:ln>
+          </p:spPr>
+          <p:txBody>
+            <a:bodyPr spcFirstLastPara="1" wrap="square" lIns="91425" tIns="91425" rIns="91425" bIns="91425" anchor="ctr" anchorCtr="0">
+              <a:noAutofit/>
+            </a:bodyPr>
+            <a:lstStyle/>
+            <a:p>
+              <a:pPr marL="0" lvl="0" indent="0" algn="l" rtl="0">
+                <a:spcBef>
+                  <a:spcPts val="0"/>
+                </a:spcBef>
+                <a:spcAft>
+                  <a:spcPts val="0"/>
+                </a:spcAft>
+                <a:buNone/>
+              </a:pPr>
+              <a:endParaRPr/>
+            </a:p>
+          </p:txBody>
+        </p:sp>
+        <p:sp>
+          <p:nvSpPr>
+            <p:cNvPr id="651" name="Google Shape;651;p30"/>
+            <p:cNvSpPr/>
+            <p:nvPr/>
+          </p:nvSpPr>
+          <p:spPr>
+            <a:xfrm>
+              <a:off x="5117809" y="4048142"/>
+              <a:ext cx="28454" cy="19510"/>
+            </a:xfrm>
+            <a:custGeom>
+              <a:avLst/>
+              <a:gdLst/>
+              <a:ahLst/>
+              <a:cxnLst/>
+              <a:rect l="l" t="t" r="r" b="b"/>
+              <a:pathLst>
+                <a:path w="894" h="613" extrusionOk="0">
+                  <a:moveTo>
+                    <a:pt x="195" y="1"/>
+                  </a:moveTo>
+                  <a:cubicBezTo>
+                    <a:pt x="136" y="1"/>
+                    <a:pt x="81" y="27"/>
+                    <a:pt x="48" y="77"/>
+                  </a:cubicBezTo>
+                  <a:cubicBezTo>
+                    <a:pt x="0" y="160"/>
+                    <a:pt x="36" y="243"/>
+                    <a:pt x="107" y="291"/>
+                  </a:cubicBezTo>
+                  <a:cubicBezTo>
+                    <a:pt x="643" y="588"/>
+                    <a:pt x="631" y="612"/>
+                    <a:pt x="714" y="612"/>
+                  </a:cubicBezTo>
+                  <a:cubicBezTo>
+                    <a:pt x="774" y="612"/>
+                    <a:pt x="822" y="588"/>
+                    <a:pt x="845" y="541"/>
+                  </a:cubicBezTo>
+                  <a:cubicBezTo>
+                    <a:pt x="893" y="469"/>
+                    <a:pt x="869" y="362"/>
+                    <a:pt x="786" y="315"/>
+                  </a:cubicBezTo>
+                  <a:lnTo>
+                    <a:pt x="274" y="17"/>
+                  </a:lnTo>
+                  <a:cubicBezTo>
+                    <a:pt x="248" y="6"/>
+                    <a:pt x="221" y="1"/>
+                    <a:pt x="195" y="1"/>
+                  </a:cubicBezTo>
+                  <a:close/>
+                </a:path>
+              </a:pathLst>
+            </a:custGeom>
+            <a:solidFill>
+              <a:schemeClr val="dk2"/>
+            </a:solidFill>
+            <a:ln>
+              <a:noFill/>
+            </a:ln>
+          </p:spPr>
+          <p:txBody>
+            <a:bodyPr spcFirstLastPara="1" wrap="square" lIns="91425" tIns="91425" rIns="91425" bIns="91425" anchor="ctr" anchorCtr="0">
+              <a:noAutofit/>
+            </a:bodyPr>
+            <a:lstStyle/>
+            <a:p>
+              <a:pPr marL="0" lvl="0" indent="0" algn="l" rtl="0">
+                <a:spcBef>
+                  <a:spcPts val="0"/>
+                </a:spcBef>
+                <a:spcAft>
+                  <a:spcPts val="0"/>
+                </a:spcAft>
+                <a:buNone/>
+              </a:pPr>
+              <a:endParaRPr/>
+            </a:p>
+          </p:txBody>
+        </p:sp>
+        <p:sp>
+          <p:nvSpPr>
+            <p:cNvPr id="652" name="Google Shape;652;p30"/>
+            <p:cNvSpPr/>
+            <p:nvPr/>
+          </p:nvSpPr>
+          <p:spPr>
+            <a:xfrm>
+              <a:off x="5128790" y="4010012"/>
+              <a:ext cx="29950" cy="10248"/>
+            </a:xfrm>
+            <a:custGeom>
+              <a:avLst/>
+              <a:gdLst/>
+              <a:ahLst/>
+              <a:cxnLst/>
+              <a:rect l="l" t="t" r="r" b="b"/>
+              <a:pathLst>
+                <a:path w="941" h="322" extrusionOk="0">
+                  <a:moveTo>
+                    <a:pt x="167" y="1"/>
+                  </a:moveTo>
+                  <a:cubicBezTo>
+                    <a:pt x="72" y="1"/>
+                    <a:pt x="0" y="72"/>
+                    <a:pt x="0" y="167"/>
+                  </a:cubicBezTo>
+                  <a:cubicBezTo>
+                    <a:pt x="0" y="251"/>
+                    <a:pt x="72" y="322"/>
+                    <a:pt x="167" y="322"/>
+                  </a:cubicBezTo>
+                  <a:lnTo>
+                    <a:pt x="774" y="322"/>
+                  </a:lnTo>
+                  <a:cubicBezTo>
+                    <a:pt x="870" y="322"/>
+                    <a:pt x="941" y="251"/>
+                    <a:pt x="941" y="167"/>
+                  </a:cubicBezTo>
+                  <a:cubicBezTo>
+                    <a:pt x="941" y="72"/>
+                    <a:pt x="870" y="1"/>
+                    <a:pt x="774" y="1"/>
+                  </a:cubicBezTo>
+                  <a:close/>
+                </a:path>
+              </a:pathLst>
+            </a:custGeom>
+            <a:solidFill>
+              <a:schemeClr val="dk2"/>
+            </a:solidFill>
+            <a:ln>
+              <a:noFill/>
+            </a:ln>
+          </p:spPr>
+          <p:txBody>
+            <a:bodyPr spcFirstLastPara="1" wrap="square" lIns="91425" tIns="91425" rIns="91425" bIns="91425" anchor="ctr" anchorCtr="0">
+              <a:noAutofit/>
+            </a:bodyPr>
+            <a:lstStyle/>
+            <a:p>
+              <a:pPr marL="0" lvl="0" indent="0" algn="l" rtl="0">
+                <a:spcBef>
+                  <a:spcPts val="0"/>
+                </a:spcBef>
+                <a:spcAft>
+                  <a:spcPts val="0"/>
+                </a:spcAft>
+                <a:buNone/>
+              </a:pPr>
+              <a:endParaRPr/>
+            </a:p>
+          </p:txBody>
+        </p:sp>
+        <p:sp>
+          <p:nvSpPr>
+            <p:cNvPr id="653" name="Google Shape;653;p30"/>
+            <p:cNvSpPr/>
+            <p:nvPr/>
+          </p:nvSpPr>
+          <p:spPr>
+            <a:xfrm>
+              <a:off x="5117809" y="3962717"/>
+              <a:ext cx="28454" cy="19669"/>
+            </a:xfrm>
+            <a:custGeom>
+              <a:avLst/>
+              <a:gdLst/>
+              <a:ahLst/>
+              <a:cxnLst/>
+              <a:rect l="l" t="t" r="r" b="b"/>
+              <a:pathLst>
+                <a:path w="894" h="618" extrusionOk="0">
+                  <a:moveTo>
+                    <a:pt x="706" y="0"/>
+                  </a:moveTo>
+                  <a:cubicBezTo>
+                    <a:pt x="679" y="0"/>
+                    <a:pt x="654" y="7"/>
+                    <a:pt x="631" y="22"/>
+                  </a:cubicBezTo>
+                  <a:lnTo>
+                    <a:pt x="107" y="320"/>
+                  </a:lnTo>
+                  <a:cubicBezTo>
+                    <a:pt x="36" y="367"/>
+                    <a:pt x="0" y="475"/>
+                    <a:pt x="48" y="546"/>
+                  </a:cubicBezTo>
+                  <a:cubicBezTo>
+                    <a:pt x="83" y="594"/>
+                    <a:pt x="143" y="617"/>
+                    <a:pt x="202" y="617"/>
+                  </a:cubicBezTo>
+                  <a:cubicBezTo>
+                    <a:pt x="226" y="617"/>
+                    <a:pt x="262" y="617"/>
+                    <a:pt x="274" y="605"/>
+                  </a:cubicBezTo>
+                  <a:lnTo>
+                    <a:pt x="798" y="308"/>
+                  </a:lnTo>
+                  <a:cubicBezTo>
+                    <a:pt x="869" y="260"/>
+                    <a:pt x="893" y="165"/>
+                    <a:pt x="857" y="82"/>
+                  </a:cubicBezTo>
+                  <a:cubicBezTo>
+                    <a:pt x="825" y="33"/>
+                    <a:pt x="764" y="0"/>
+                    <a:pt x="706" y="0"/>
+                  </a:cubicBezTo>
+                  <a:close/>
+                </a:path>
+              </a:pathLst>
+            </a:custGeom>
+            <a:solidFill>
+              <a:schemeClr val="dk2"/>
+            </a:solidFill>
+            <a:ln>
+              <a:noFill/>
+            </a:ln>
+          </p:spPr>
+          <p:txBody>
+            <a:bodyPr spcFirstLastPara="1" wrap="square" lIns="91425" tIns="91425" rIns="91425" bIns="91425" anchor="ctr" anchorCtr="0">
+              <a:noAutofit/>
+            </a:bodyPr>
+            <a:lstStyle/>
+            <a:p>
+              <a:pPr marL="0" lvl="0" indent="0" algn="l" rtl="0">
+                <a:spcBef>
+                  <a:spcPts val="0"/>
+                </a:spcBef>
+                <a:spcAft>
+                  <a:spcPts val="0"/>
+                </a:spcAft>
+                <a:buNone/>
+              </a:pPr>
+              <a:endParaRPr/>
+            </a:p>
+          </p:txBody>
+        </p:sp>
+        <p:sp>
+          <p:nvSpPr>
+            <p:cNvPr id="654" name="Google Shape;654;p30"/>
+            <p:cNvSpPr/>
+            <p:nvPr/>
+          </p:nvSpPr>
+          <p:spPr>
+            <a:xfrm>
+              <a:off x="5090501" y="3928152"/>
+              <a:ext cx="20879" cy="26958"/>
+            </a:xfrm>
+            <a:custGeom>
+              <a:avLst/>
+              <a:gdLst/>
+              <a:ahLst/>
+              <a:cxnLst/>
+              <a:rect l="l" t="t" r="r" b="b"/>
+              <a:pathLst>
+                <a:path w="656" h="847" extrusionOk="0">
+                  <a:moveTo>
+                    <a:pt x="475" y="0"/>
+                  </a:moveTo>
+                  <a:cubicBezTo>
+                    <a:pt x="424" y="0"/>
+                    <a:pt x="370" y="29"/>
+                    <a:pt x="346" y="84"/>
+                  </a:cubicBezTo>
+                  <a:lnTo>
+                    <a:pt x="48" y="608"/>
+                  </a:lnTo>
+                  <a:cubicBezTo>
+                    <a:pt x="1" y="679"/>
+                    <a:pt x="25" y="787"/>
+                    <a:pt x="108" y="834"/>
+                  </a:cubicBezTo>
+                  <a:cubicBezTo>
+                    <a:pt x="132" y="846"/>
+                    <a:pt x="168" y="846"/>
+                    <a:pt x="179" y="846"/>
+                  </a:cubicBezTo>
+                  <a:cubicBezTo>
+                    <a:pt x="239" y="846"/>
+                    <a:pt x="287" y="810"/>
+                    <a:pt x="310" y="775"/>
+                  </a:cubicBezTo>
+                  <a:lnTo>
+                    <a:pt x="608" y="251"/>
+                  </a:lnTo>
+                  <a:cubicBezTo>
+                    <a:pt x="656" y="179"/>
+                    <a:pt x="620" y="72"/>
+                    <a:pt x="549" y="25"/>
+                  </a:cubicBezTo>
+                  <a:cubicBezTo>
+                    <a:pt x="528" y="8"/>
+                    <a:pt x="502" y="0"/>
+                    <a:pt x="475" y="0"/>
+                  </a:cubicBezTo>
+                  <a:close/>
+                </a:path>
+              </a:pathLst>
+            </a:custGeom>
+            <a:solidFill>
+              <a:schemeClr val="dk2"/>
+            </a:solidFill>
+            <a:ln>
+              <a:noFill/>
+            </a:ln>
+          </p:spPr>
+          <p:txBody>
+            <a:bodyPr spcFirstLastPara="1" wrap="square" lIns="91425" tIns="91425" rIns="91425" bIns="91425" anchor="ctr" anchorCtr="0">
+              <a:noAutofit/>
+            </a:bodyPr>
+            <a:lstStyle/>
+            <a:p>
+              <a:pPr marL="0" lvl="0" indent="0" algn="l" rtl="0">
+                <a:spcBef>
+                  <a:spcPts val="0"/>
+                </a:spcBef>
+                <a:spcAft>
+                  <a:spcPts val="0"/>
+                </a:spcAft>
+                <a:buNone/>
+              </a:pPr>
+              <a:endParaRPr/>
+            </a:p>
+          </p:txBody>
+        </p:sp>
+      </p:grpSp>
+      <p:sp>
+        <p:nvSpPr>
+          <p:cNvPr id="2" name="TextBox 1"/>
+          <p:cNvSpPr txBox="1"/>
+          <p:nvPr/>
+        </p:nvSpPr>
+        <p:spPr>
+          <a:xfrm>
+            <a:off x="413468" y="989475"/>
+            <a:ext cx="8173941" cy="400110"/>
+          </a:xfrm>
+          <a:prstGeom prst="rect">
+            <a:avLst/>
+          </a:prstGeom>
+          <a:noFill/>
+        </p:spPr>
+        <p:txBody>
+          <a:bodyPr wrap="square" rtlCol="0">
+            <a:spAutoFit/>
+          </a:bodyPr>
+          <a:lstStyle/>
+          <a:p>
+            <a:endParaRPr lang="vi-VN" sz="2000" dirty="0">
+              <a:solidFill>
+                <a:schemeClr val="bg1"/>
+              </a:solidFill>
+            </a:endParaRPr>
+          </a:p>
+        </p:txBody>
+      </p:sp>
+      <p:sp>
+        <p:nvSpPr>
+          <p:cNvPr id="4" name="TextBox 3"/>
+          <p:cNvSpPr txBox="1"/>
+          <p:nvPr/>
+        </p:nvSpPr>
+        <p:spPr>
+          <a:xfrm>
+            <a:off x="1200202" y="2363919"/>
+            <a:ext cx="2504661" cy="707886"/>
+          </a:xfrm>
+          <a:prstGeom prst="rect">
+            <a:avLst/>
+          </a:prstGeom>
+          <a:noFill/>
+        </p:spPr>
+        <p:txBody>
+          <a:bodyPr wrap="square" rtlCol="0">
+            <a:spAutoFit/>
+          </a:bodyPr>
+          <a:lstStyle/>
+          <a:p>
+            <a:pPr algn="r"/>
+            <a:r>
+              <a:rPr lang="en-US" sz="2000" dirty="0" smtClean="0">
+                <a:solidFill>
+                  <a:schemeClr val="bg1"/>
+                </a:solidFill>
+                <a:latin typeface="Book Antiqua" panose="02040602050305030304" pitchFamily="18" charset="0"/>
+              </a:rPr>
               <a:t>PHÂN BỐ THEO ĐỐI TƯỢNG </a:t>
             </a:r>
             <a:endParaRPr lang="vi-VN" sz="2000" dirty="0">
@@ -19726,7 +22477,7 @@
 </p:sld>
 </file>
 
-<file path=ppt/slides/slide11.xml><?xml version="1.0" encoding="utf-8"?>
+<file path=ppt/slides/slide12.xml><?xml version="1.0" encoding="utf-8"?>
 <p:sld xmlns:a="http://schemas.openxmlformats.org/drawingml/2006/main" xmlns:r="http://schemas.openxmlformats.org/officeDocument/2006/relationships" xmlns:p="http://schemas.openxmlformats.org/presentationml/2006/main">
   <p:cSld>
     <p:spTree>
@@ -22362,7 +25113,7 @@
 </p:sld>
 </file>
 
-<file path=ppt/slides/slide12.xml><?xml version="1.0" encoding="utf-8"?>
+<file path=ppt/slides/slide13.xml><?xml version="1.0" encoding="utf-8"?>
 <p:sld xmlns:a="http://schemas.openxmlformats.org/drawingml/2006/main" xmlns:r="http://schemas.openxmlformats.org/officeDocument/2006/relationships" xmlns:p="http://schemas.openxmlformats.org/presentationml/2006/main">
   <p:cSld>
     <p:spTree>
@@ -25028,7 +27779,7 @@
 </p:sld>
 </file>
 
-<file path=ppt/slides/slide13.xml><?xml version="1.0" encoding="utf-8"?>
+<file path=ppt/slides/slide14.xml><?xml version="1.0" encoding="utf-8"?>
 <p:sld xmlns:a="http://schemas.openxmlformats.org/drawingml/2006/main" xmlns:r="http://schemas.openxmlformats.org/officeDocument/2006/relationships" xmlns:p="http://schemas.openxmlformats.org/presentationml/2006/main">
   <p:cSld>
     <p:spTree>
@@ -27694,7 +30445,7 @@
 </p:sld>
 </file>
 
-<file path=ppt/slides/slide14.xml><?xml version="1.0" encoding="utf-8"?>
+<file path=ppt/slides/slide15.xml><?xml version="1.0" encoding="utf-8"?>
 <p:sld xmlns:a="http://schemas.openxmlformats.org/drawingml/2006/main" xmlns:r="http://schemas.openxmlformats.org/officeDocument/2006/relationships" xmlns:p="http://schemas.openxmlformats.org/presentationml/2006/main">
   <p:cSld>
     <p:spTree>
@@ -28041,7 +30792,7 @@
 </p:sld>
 </file>
 
-<file path=ppt/slides/slide15.xml><?xml version="1.0" encoding="utf-8"?>
+<file path=ppt/slides/slide16.xml><?xml version="1.0" encoding="utf-8"?>
 <p:sld xmlns:a="http://schemas.openxmlformats.org/drawingml/2006/main" xmlns:r="http://schemas.openxmlformats.org/officeDocument/2006/relationships" xmlns:p="http://schemas.openxmlformats.org/presentationml/2006/main">
   <p:cSld>
     <p:spTree>
@@ -30677,7 +33428,7 @@
 </p:sld>
 </file>
 
-<file path=ppt/slides/slide16.xml><?xml version="1.0" encoding="utf-8"?>
+<file path=ppt/slides/slide17.xml><?xml version="1.0" encoding="utf-8"?>
 <p:sld xmlns:a="http://schemas.openxmlformats.org/drawingml/2006/main" xmlns:r="http://schemas.openxmlformats.org/officeDocument/2006/relationships" xmlns:p="http://schemas.openxmlformats.org/presentationml/2006/main">
   <p:cSld>
     <p:spTree>
@@ -33313,7 +36064,7 @@
 </p:sld>
 </file>
 
-<file path=ppt/slides/slide17.xml><?xml version="1.0" encoding="utf-8"?>
+<file path=ppt/slides/slide18.xml><?xml version="1.0" encoding="utf-8"?>
 <p:sld xmlns:a="http://schemas.openxmlformats.org/drawingml/2006/main" xmlns:r="http://schemas.openxmlformats.org/officeDocument/2006/relationships" xmlns:p="http://schemas.openxmlformats.org/presentationml/2006/main">
   <p:cSld>
     <p:spTree>
@@ -33444,11 +36195,7 @@
             </a:pPr>
             <a:r>
               <a:rPr lang="en" dirty="0" smtClean="0"/>
-              <a:t>anhuydao77</a:t>
-            </a:r>
-            <a:r>
-              <a:rPr lang="en" dirty="0" smtClean="0"/>
-              <a:t>@gmail.com </a:t>
+              <a:t>anhuydao77@gmail.com </a:t>
             </a:r>
             <a:endParaRPr dirty="0"/>
           </a:p>
@@ -33464,23 +36211,7 @@
             </a:pPr>
             <a:r>
               <a:rPr lang="en" dirty="0" smtClean="0"/>
-              <a:t>+</a:t>
-            </a:r>
-            <a:r>
-              <a:rPr lang="en" dirty="0" smtClean="0"/>
-              <a:t>84</a:t>
-            </a:r>
-            <a:r>
-              <a:rPr lang="en" dirty="0" smtClean="0"/>
-              <a:t>  339 031 </a:t>
-            </a:r>
-            <a:r>
-              <a:rPr lang="en" dirty="0" smtClean="0"/>
-              <a:t>61</a:t>
-            </a:r>
-            <a:r>
-              <a:rPr lang="en" dirty="0" smtClean="0"/>
-              <a:t>3 </a:t>
+              <a:t>+84  339 031 613 </a:t>
             </a:r>
             <a:endParaRPr dirty="0"/>
           </a:p>
@@ -35260,6 +37991,2696 @@
 </file>
 
 <file path=ppt/slides/slide2.xml><?xml version="1.0" encoding="utf-8"?>
+<p:sld xmlns:a="http://schemas.openxmlformats.org/drawingml/2006/main" xmlns:r="http://schemas.openxmlformats.org/officeDocument/2006/relationships" xmlns:p="http://schemas.openxmlformats.org/presentationml/2006/main">
+  <p:cSld>
+    <p:spTree>
+      <p:nvGrpSpPr>
+        <p:cNvPr id="1" name="Shape 600"/>
+        <p:cNvGrpSpPr/>
+        <p:nvPr/>
+      </p:nvGrpSpPr>
+      <p:grpSpPr>
+        <a:xfrm>
+          <a:off x="0" y="0"/>
+          <a:ext cx="0" cy="0"/>
+          <a:chOff x="0" y="0"/>
+          <a:chExt cx="0" cy="0"/>
+        </a:xfrm>
+      </p:grpSpPr>
+      <p:sp>
+        <p:nvSpPr>
+          <p:cNvPr id="601" name="Google Shape;601;p30"/>
+          <p:cNvSpPr txBox="1">
+            <a:spLocks noGrp="1"/>
+          </p:cNvSpPr>
+          <p:nvPr>
+            <p:ph type="ctrTitle" idx="8"/>
+          </p:nvPr>
+        </p:nvSpPr>
+        <p:spPr>
+          <a:xfrm>
+            <a:off x="1758667" y="415340"/>
+            <a:ext cx="5888700" cy="577800"/>
+          </a:xfrm>
+          <a:prstGeom prst="rect">
+            <a:avLst/>
+          </a:prstGeom>
+        </p:spPr>
+        <p:txBody>
+          <a:bodyPr spcFirstLastPara="1" wrap="square" lIns="91425" tIns="91425" rIns="91425" bIns="91425" anchor="b" anchorCtr="0">
+            <a:noAutofit/>
+          </a:bodyPr>
+          <a:lstStyle/>
+          <a:p>
+            <a:pPr marL="0" lvl="0" indent="0" algn="ctr" rtl="0">
+              <a:spcBef>
+                <a:spcPts val="0"/>
+              </a:spcBef>
+              <a:spcAft>
+                <a:spcPts val="0"/>
+              </a:spcAft>
+              <a:buNone/>
+            </a:pPr>
+            <a:r>
+              <a:rPr lang="en" dirty="0" smtClean="0"/>
+              <a:t>MEMBERS</a:t>
+            </a:r>
+            <a:endParaRPr sz="3000" dirty="0"/>
+          </a:p>
+        </p:txBody>
+      </p:sp>
+      <p:grpSp>
+        <p:nvGrpSpPr>
+          <p:cNvPr id="623" name="Google Shape;623;p30"/>
+          <p:cNvGrpSpPr/>
+          <p:nvPr/>
+        </p:nvGrpSpPr>
+        <p:grpSpPr>
+          <a:xfrm>
+            <a:off x="3630590" y="3198869"/>
+            <a:ext cx="484361" cy="484405"/>
+            <a:chOff x="4890434" y="4287389"/>
+            <a:chExt cx="345997" cy="346029"/>
+          </a:xfrm>
+        </p:grpSpPr>
+        <p:sp>
+          <p:nvSpPr>
+            <p:cNvPr id="624" name="Google Shape;624;p30"/>
+            <p:cNvSpPr/>
+            <p:nvPr/>
+          </p:nvSpPr>
+          <p:spPr>
+            <a:xfrm>
+              <a:off x="5111349" y="4400695"/>
+              <a:ext cx="54998" cy="54998"/>
+            </a:xfrm>
+            <a:custGeom>
+              <a:avLst/>
+              <a:gdLst/>
+              <a:ahLst/>
+              <a:cxnLst/>
+              <a:rect l="l" t="t" r="r" b="b"/>
+              <a:pathLst>
+                <a:path w="1728" h="1728" extrusionOk="0">
+                  <a:moveTo>
+                    <a:pt x="858" y="346"/>
+                  </a:moveTo>
+                  <a:cubicBezTo>
+                    <a:pt x="1144" y="346"/>
+                    <a:pt x="1382" y="584"/>
+                    <a:pt x="1382" y="870"/>
+                  </a:cubicBezTo>
+                  <a:cubicBezTo>
+                    <a:pt x="1382" y="1144"/>
+                    <a:pt x="1144" y="1382"/>
+                    <a:pt x="858" y="1382"/>
+                  </a:cubicBezTo>
+                  <a:cubicBezTo>
+                    <a:pt x="572" y="1382"/>
+                    <a:pt x="346" y="1144"/>
+                    <a:pt x="346" y="870"/>
+                  </a:cubicBezTo>
+                  <a:cubicBezTo>
+                    <a:pt x="346" y="584"/>
+                    <a:pt x="584" y="346"/>
+                    <a:pt x="858" y="346"/>
+                  </a:cubicBezTo>
+                  <a:close/>
+                  <a:moveTo>
+                    <a:pt x="858" y="1"/>
+                  </a:moveTo>
+                  <a:cubicBezTo>
+                    <a:pt x="382" y="1"/>
+                    <a:pt x="1" y="394"/>
+                    <a:pt x="1" y="870"/>
+                  </a:cubicBezTo>
+                  <a:cubicBezTo>
+                    <a:pt x="1" y="1346"/>
+                    <a:pt x="382" y="1727"/>
+                    <a:pt x="858" y="1727"/>
+                  </a:cubicBezTo>
+                  <a:cubicBezTo>
+                    <a:pt x="1334" y="1727"/>
+                    <a:pt x="1727" y="1346"/>
+                    <a:pt x="1727" y="870"/>
+                  </a:cubicBezTo>
+                  <a:cubicBezTo>
+                    <a:pt x="1727" y="394"/>
+                    <a:pt x="1334" y="1"/>
+                    <a:pt x="858" y="1"/>
+                  </a:cubicBezTo>
+                  <a:close/>
+                </a:path>
+              </a:pathLst>
+            </a:custGeom>
+            <a:solidFill>
+              <a:schemeClr val="dk2"/>
+            </a:solidFill>
+            <a:ln>
+              <a:noFill/>
+            </a:ln>
+          </p:spPr>
+          <p:txBody>
+            <a:bodyPr spcFirstLastPara="1" wrap="square" lIns="91425" tIns="91425" rIns="91425" bIns="91425" anchor="ctr" anchorCtr="0">
+              <a:noAutofit/>
+            </a:bodyPr>
+            <a:lstStyle/>
+            <a:p>
+              <a:pPr marL="0" lvl="0" indent="0" algn="l" rtl="0">
+                <a:spcBef>
+                  <a:spcPts val="0"/>
+                </a:spcBef>
+                <a:spcAft>
+                  <a:spcPts val="0"/>
+                </a:spcAft>
+                <a:buNone/>
+              </a:pPr>
+              <a:endParaRPr/>
+            </a:p>
+          </p:txBody>
+        </p:sp>
+        <p:sp>
+          <p:nvSpPr>
+            <p:cNvPr id="625" name="Google Shape;625;p30"/>
+            <p:cNvSpPr/>
+            <p:nvPr/>
+          </p:nvSpPr>
+          <p:spPr>
+            <a:xfrm>
+              <a:off x="5113640" y="4466642"/>
+              <a:ext cx="70498" cy="51179"/>
+            </a:xfrm>
+            <a:custGeom>
+              <a:avLst/>
+              <a:gdLst/>
+              <a:ahLst/>
+              <a:cxnLst/>
+              <a:rect l="l" t="t" r="r" b="b"/>
+              <a:pathLst>
+                <a:path w="2215" h="1608" extrusionOk="0">
+                  <a:moveTo>
+                    <a:pt x="786" y="1"/>
+                  </a:moveTo>
+                  <a:cubicBezTo>
+                    <a:pt x="548" y="1"/>
+                    <a:pt x="333" y="60"/>
+                    <a:pt x="119" y="167"/>
+                  </a:cubicBezTo>
+                  <a:cubicBezTo>
+                    <a:pt x="36" y="203"/>
+                    <a:pt x="0" y="310"/>
+                    <a:pt x="48" y="405"/>
+                  </a:cubicBezTo>
+                  <a:cubicBezTo>
+                    <a:pt x="73" y="463"/>
+                    <a:pt x="132" y="498"/>
+                    <a:pt x="198" y="498"/>
+                  </a:cubicBezTo>
+                  <a:cubicBezTo>
+                    <a:pt x="226" y="498"/>
+                    <a:pt x="257" y="491"/>
+                    <a:pt x="286" y="477"/>
+                  </a:cubicBezTo>
+                  <a:cubicBezTo>
+                    <a:pt x="429" y="382"/>
+                    <a:pt x="607" y="346"/>
+                    <a:pt x="786" y="346"/>
+                  </a:cubicBezTo>
+                  <a:cubicBezTo>
+                    <a:pt x="1322" y="346"/>
+                    <a:pt x="1774" y="727"/>
+                    <a:pt x="1857" y="1251"/>
+                  </a:cubicBezTo>
+                  <a:lnTo>
+                    <a:pt x="786" y="1251"/>
+                  </a:lnTo>
+                  <a:cubicBezTo>
+                    <a:pt x="703" y="1251"/>
+                    <a:pt x="607" y="1322"/>
+                    <a:pt x="607" y="1429"/>
+                  </a:cubicBezTo>
+                  <a:cubicBezTo>
+                    <a:pt x="607" y="1513"/>
+                    <a:pt x="679" y="1608"/>
+                    <a:pt x="786" y="1608"/>
+                  </a:cubicBezTo>
+                  <a:lnTo>
+                    <a:pt x="2036" y="1608"/>
+                  </a:lnTo>
+                  <a:cubicBezTo>
+                    <a:pt x="2131" y="1608"/>
+                    <a:pt x="2215" y="1536"/>
+                    <a:pt x="2215" y="1429"/>
+                  </a:cubicBezTo>
+                  <a:cubicBezTo>
+                    <a:pt x="2215" y="643"/>
+                    <a:pt x="1572" y="1"/>
+                    <a:pt x="786" y="1"/>
+                  </a:cubicBezTo>
+                  <a:close/>
+                </a:path>
+              </a:pathLst>
+            </a:custGeom>
+            <a:solidFill>
+              <a:schemeClr val="dk2"/>
+            </a:solidFill>
+            <a:ln>
+              <a:noFill/>
+            </a:ln>
+          </p:spPr>
+          <p:txBody>
+            <a:bodyPr spcFirstLastPara="1" wrap="square" lIns="91425" tIns="91425" rIns="91425" bIns="91425" anchor="ctr" anchorCtr="0">
+              <a:noAutofit/>
+            </a:bodyPr>
+            <a:lstStyle/>
+            <a:p>
+              <a:pPr marL="0" lvl="0" indent="0" algn="l" rtl="0">
+                <a:spcBef>
+                  <a:spcPts val="0"/>
+                </a:spcBef>
+                <a:spcAft>
+                  <a:spcPts val="0"/>
+                </a:spcAft>
+                <a:buNone/>
+              </a:pPr>
+              <a:endParaRPr/>
+            </a:p>
+          </p:txBody>
+        </p:sp>
+        <p:sp>
+          <p:nvSpPr>
+            <p:cNvPr id="626" name="Google Shape;626;p30"/>
+            <p:cNvSpPr/>
+            <p:nvPr/>
+          </p:nvSpPr>
+          <p:spPr>
+            <a:xfrm>
+              <a:off x="4943490" y="4467023"/>
+              <a:ext cx="70880" cy="51179"/>
+            </a:xfrm>
+            <a:custGeom>
+              <a:avLst/>
+              <a:gdLst/>
+              <a:ahLst/>
+              <a:cxnLst/>
+              <a:rect l="l" t="t" r="r" b="b"/>
+              <a:pathLst>
+                <a:path w="2227" h="1608" extrusionOk="0">
+                  <a:moveTo>
+                    <a:pt x="1429" y="0"/>
+                  </a:moveTo>
+                  <a:cubicBezTo>
+                    <a:pt x="643" y="0"/>
+                    <a:pt x="0" y="643"/>
+                    <a:pt x="0" y="1429"/>
+                  </a:cubicBezTo>
+                  <a:cubicBezTo>
+                    <a:pt x="0" y="1524"/>
+                    <a:pt x="84" y="1608"/>
+                    <a:pt x="179" y="1608"/>
+                  </a:cubicBezTo>
+                  <a:lnTo>
+                    <a:pt x="1453" y="1608"/>
+                  </a:lnTo>
+                  <a:cubicBezTo>
+                    <a:pt x="1536" y="1608"/>
+                    <a:pt x="1631" y="1536"/>
+                    <a:pt x="1631" y="1429"/>
+                  </a:cubicBezTo>
+                  <a:cubicBezTo>
+                    <a:pt x="1608" y="1322"/>
+                    <a:pt x="1536" y="1251"/>
+                    <a:pt x="1453" y="1251"/>
+                  </a:cubicBezTo>
+                  <a:lnTo>
+                    <a:pt x="357" y="1251"/>
+                  </a:lnTo>
+                  <a:cubicBezTo>
+                    <a:pt x="453" y="727"/>
+                    <a:pt x="893" y="346"/>
+                    <a:pt x="1429" y="346"/>
+                  </a:cubicBezTo>
+                  <a:cubicBezTo>
+                    <a:pt x="1608" y="346"/>
+                    <a:pt x="1786" y="393"/>
+                    <a:pt x="1941" y="477"/>
+                  </a:cubicBezTo>
+                  <a:cubicBezTo>
+                    <a:pt x="1966" y="491"/>
+                    <a:pt x="1994" y="498"/>
+                    <a:pt x="2022" y="498"/>
+                  </a:cubicBezTo>
+                  <a:cubicBezTo>
+                    <a:pt x="2084" y="498"/>
+                    <a:pt x="2146" y="463"/>
+                    <a:pt x="2179" y="405"/>
+                  </a:cubicBezTo>
+                  <a:cubicBezTo>
+                    <a:pt x="2227" y="310"/>
+                    <a:pt x="2191" y="215"/>
+                    <a:pt x="2108" y="167"/>
+                  </a:cubicBezTo>
+                  <a:cubicBezTo>
+                    <a:pt x="1893" y="60"/>
+                    <a:pt x="1667" y="0"/>
+                    <a:pt x="1429" y="0"/>
+                  </a:cubicBezTo>
+                  <a:close/>
+                </a:path>
+              </a:pathLst>
+            </a:custGeom>
+            <a:solidFill>
+              <a:schemeClr val="dk2"/>
+            </a:solidFill>
+            <a:ln>
+              <a:noFill/>
+            </a:ln>
+          </p:spPr>
+          <p:txBody>
+            <a:bodyPr spcFirstLastPara="1" wrap="square" lIns="91425" tIns="91425" rIns="91425" bIns="91425" anchor="ctr" anchorCtr="0">
+              <a:noAutofit/>
+            </a:bodyPr>
+            <a:lstStyle/>
+            <a:p>
+              <a:pPr marL="0" lvl="0" indent="0" algn="l" rtl="0">
+                <a:spcBef>
+                  <a:spcPts val="0"/>
+                </a:spcBef>
+                <a:spcAft>
+                  <a:spcPts val="0"/>
+                </a:spcAft>
+                <a:buNone/>
+              </a:pPr>
+              <a:endParaRPr/>
+            </a:p>
+          </p:txBody>
+        </p:sp>
+        <p:sp>
+          <p:nvSpPr>
+            <p:cNvPr id="627" name="Google Shape;627;p30"/>
+            <p:cNvSpPr/>
+            <p:nvPr/>
+          </p:nvSpPr>
+          <p:spPr>
+            <a:xfrm>
+              <a:off x="4961282" y="4400695"/>
+              <a:ext cx="54616" cy="54998"/>
+            </a:xfrm>
+            <a:custGeom>
+              <a:avLst/>
+              <a:gdLst/>
+              <a:ahLst/>
+              <a:cxnLst/>
+              <a:rect l="l" t="t" r="r" b="b"/>
+              <a:pathLst>
+                <a:path w="1716" h="1728" extrusionOk="0">
+                  <a:moveTo>
+                    <a:pt x="858" y="346"/>
+                  </a:moveTo>
+                  <a:cubicBezTo>
+                    <a:pt x="1144" y="346"/>
+                    <a:pt x="1382" y="584"/>
+                    <a:pt x="1382" y="870"/>
+                  </a:cubicBezTo>
+                  <a:cubicBezTo>
+                    <a:pt x="1382" y="1144"/>
+                    <a:pt x="1144" y="1382"/>
+                    <a:pt x="858" y="1382"/>
+                  </a:cubicBezTo>
+                  <a:cubicBezTo>
+                    <a:pt x="572" y="1382"/>
+                    <a:pt x="334" y="1144"/>
+                    <a:pt x="334" y="870"/>
+                  </a:cubicBezTo>
+                  <a:cubicBezTo>
+                    <a:pt x="358" y="584"/>
+                    <a:pt x="572" y="346"/>
+                    <a:pt x="858" y="346"/>
+                  </a:cubicBezTo>
+                  <a:close/>
+                  <a:moveTo>
+                    <a:pt x="858" y="1"/>
+                  </a:moveTo>
+                  <a:cubicBezTo>
+                    <a:pt x="382" y="1"/>
+                    <a:pt x="1" y="394"/>
+                    <a:pt x="1" y="870"/>
+                  </a:cubicBezTo>
+                  <a:cubicBezTo>
+                    <a:pt x="1" y="1346"/>
+                    <a:pt x="382" y="1727"/>
+                    <a:pt x="858" y="1727"/>
+                  </a:cubicBezTo>
+                  <a:cubicBezTo>
+                    <a:pt x="1334" y="1727"/>
+                    <a:pt x="1715" y="1346"/>
+                    <a:pt x="1715" y="870"/>
+                  </a:cubicBezTo>
+                  <a:cubicBezTo>
+                    <a:pt x="1715" y="394"/>
+                    <a:pt x="1334" y="1"/>
+                    <a:pt x="858" y="1"/>
+                  </a:cubicBezTo>
+                  <a:close/>
+                </a:path>
+              </a:pathLst>
+            </a:custGeom>
+            <a:solidFill>
+              <a:schemeClr val="dk2"/>
+            </a:solidFill>
+            <a:ln>
+              <a:noFill/>
+            </a:ln>
+          </p:spPr>
+          <p:txBody>
+            <a:bodyPr spcFirstLastPara="1" wrap="square" lIns="91425" tIns="91425" rIns="91425" bIns="91425" anchor="ctr" anchorCtr="0">
+              <a:noAutofit/>
+            </a:bodyPr>
+            <a:lstStyle/>
+            <a:p>
+              <a:pPr marL="0" lvl="0" indent="0" algn="l" rtl="0">
+                <a:spcBef>
+                  <a:spcPts val="0"/>
+                </a:spcBef>
+                <a:spcAft>
+                  <a:spcPts val="0"/>
+                </a:spcAft>
+                <a:buNone/>
+              </a:pPr>
+              <a:endParaRPr/>
+            </a:p>
+          </p:txBody>
+        </p:sp>
+        <p:sp>
+          <p:nvSpPr>
+            <p:cNvPr id="628" name="Google Shape;628;p30"/>
+            <p:cNvSpPr/>
+            <p:nvPr/>
+          </p:nvSpPr>
+          <p:spPr>
+            <a:xfrm>
+              <a:off x="5028374" y="4386691"/>
+              <a:ext cx="71262" cy="70880"/>
+            </a:xfrm>
+            <a:custGeom>
+              <a:avLst/>
+              <a:gdLst/>
+              <a:ahLst/>
+              <a:cxnLst/>
+              <a:rect l="l" t="t" r="r" b="b"/>
+              <a:pathLst>
+                <a:path w="2239" h="2227" extrusionOk="0">
+                  <a:moveTo>
+                    <a:pt x="1119" y="358"/>
+                  </a:moveTo>
+                  <a:cubicBezTo>
+                    <a:pt x="1536" y="358"/>
+                    <a:pt x="1893" y="691"/>
+                    <a:pt x="1893" y="1131"/>
+                  </a:cubicBezTo>
+                  <a:cubicBezTo>
+                    <a:pt x="1893" y="1548"/>
+                    <a:pt x="1548" y="1905"/>
+                    <a:pt x="1119" y="1905"/>
+                  </a:cubicBezTo>
+                  <a:cubicBezTo>
+                    <a:pt x="703" y="1905"/>
+                    <a:pt x="345" y="1560"/>
+                    <a:pt x="345" y="1131"/>
+                  </a:cubicBezTo>
+                  <a:cubicBezTo>
+                    <a:pt x="345" y="691"/>
+                    <a:pt x="679" y="358"/>
+                    <a:pt x="1119" y="358"/>
+                  </a:cubicBezTo>
+                  <a:close/>
+                  <a:moveTo>
+                    <a:pt x="1119" y="0"/>
+                  </a:moveTo>
+                  <a:cubicBezTo>
+                    <a:pt x="512" y="0"/>
+                    <a:pt x="0" y="500"/>
+                    <a:pt x="0" y="1108"/>
+                  </a:cubicBezTo>
+                  <a:cubicBezTo>
+                    <a:pt x="0" y="1739"/>
+                    <a:pt x="512" y="2227"/>
+                    <a:pt x="1119" y="2227"/>
+                  </a:cubicBezTo>
+                  <a:cubicBezTo>
+                    <a:pt x="1727" y="2227"/>
+                    <a:pt x="2239" y="1727"/>
+                    <a:pt x="2239" y="1108"/>
+                  </a:cubicBezTo>
+                  <a:cubicBezTo>
+                    <a:pt x="2239" y="500"/>
+                    <a:pt x="1727" y="0"/>
+                    <a:pt x="1119" y="0"/>
+                  </a:cubicBezTo>
+                  <a:close/>
+                </a:path>
+              </a:pathLst>
+            </a:custGeom>
+            <a:solidFill>
+              <a:schemeClr val="dk2"/>
+            </a:solidFill>
+            <a:ln>
+              <a:noFill/>
+            </a:ln>
+          </p:spPr>
+          <p:txBody>
+            <a:bodyPr spcFirstLastPara="1" wrap="square" lIns="91425" tIns="91425" rIns="91425" bIns="91425" anchor="ctr" anchorCtr="0">
+              <a:noAutofit/>
+            </a:bodyPr>
+            <a:lstStyle/>
+            <a:p>
+              <a:pPr marL="0" lvl="0" indent="0" algn="l" rtl="0">
+                <a:spcBef>
+                  <a:spcPts val="0"/>
+                </a:spcBef>
+                <a:spcAft>
+                  <a:spcPts val="0"/>
+                </a:spcAft>
+                <a:buNone/>
+              </a:pPr>
+              <a:endParaRPr/>
+            </a:p>
+          </p:txBody>
+        </p:sp>
+        <p:sp>
+          <p:nvSpPr>
+            <p:cNvPr id="629" name="Google Shape;629;p30"/>
+            <p:cNvSpPr/>
+            <p:nvPr/>
+          </p:nvSpPr>
+          <p:spPr>
+            <a:xfrm>
+              <a:off x="5004122" y="4468901"/>
+              <a:ext cx="120149" cy="65596"/>
+            </a:xfrm>
+            <a:custGeom>
+              <a:avLst/>
+              <a:gdLst/>
+              <a:ahLst/>
+              <a:cxnLst/>
+              <a:rect l="l" t="t" r="r" b="b"/>
+              <a:pathLst>
+                <a:path w="3775" h="2061" extrusionOk="0">
+                  <a:moveTo>
+                    <a:pt x="1881" y="346"/>
+                  </a:moveTo>
+                  <a:cubicBezTo>
+                    <a:pt x="2667" y="346"/>
+                    <a:pt x="3322" y="942"/>
+                    <a:pt x="3393" y="1704"/>
+                  </a:cubicBezTo>
+                  <a:lnTo>
+                    <a:pt x="357" y="1704"/>
+                  </a:lnTo>
+                  <a:cubicBezTo>
+                    <a:pt x="453" y="942"/>
+                    <a:pt x="1096" y="346"/>
+                    <a:pt x="1881" y="346"/>
+                  </a:cubicBezTo>
+                  <a:close/>
+                  <a:moveTo>
+                    <a:pt x="1881" y="1"/>
+                  </a:moveTo>
+                  <a:cubicBezTo>
+                    <a:pt x="834" y="1"/>
+                    <a:pt x="0" y="846"/>
+                    <a:pt x="0" y="1882"/>
+                  </a:cubicBezTo>
+                  <a:cubicBezTo>
+                    <a:pt x="0" y="1966"/>
+                    <a:pt x="84" y="2061"/>
+                    <a:pt x="179" y="2061"/>
+                  </a:cubicBezTo>
+                  <a:lnTo>
+                    <a:pt x="3596" y="2061"/>
+                  </a:lnTo>
+                  <a:cubicBezTo>
+                    <a:pt x="3679" y="2061"/>
+                    <a:pt x="3774" y="1977"/>
+                    <a:pt x="3774" y="1882"/>
+                  </a:cubicBezTo>
+                  <a:cubicBezTo>
+                    <a:pt x="3751" y="834"/>
+                    <a:pt x="2905" y="1"/>
+                    <a:pt x="1881" y="1"/>
+                  </a:cubicBezTo>
+                  <a:close/>
+                </a:path>
+              </a:pathLst>
+            </a:custGeom>
+            <a:solidFill>
+              <a:schemeClr val="dk2"/>
+            </a:solidFill>
+            <a:ln>
+              <a:noFill/>
+            </a:ln>
+          </p:spPr>
+          <p:txBody>
+            <a:bodyPr spcFirstLastPara="1" wrap="square" lIns="91425" tIns="91425" rIns="91425" bIns="91425" anchor="ctr" anchorCtr="0">
+              <a:noAutofit/>
+            </a:bodyPr>
+            <a:lstStyle/>
+            <a:p>
+              <a:pPr marL="0" lvl="0" indent="0" algn="l" rtl="0">
+                <a:spcBef>
+                  <a:spcPts val="0"/>
+                </a:spcBef>
+                <a:spcAft>
+                  <a:spcPts val="0"/>
+                </a:spcAft>
+                <a:buNone/>
+              </a:pPr>
+              <a:endParaRPr/>
+            </a:p>
+          </p:txBody>
+        </p:sp>
+        <p:sp>
+          <p:nvSpPr>
+            <p:cNvPr id="630" name="Google Shape;630;p30"/>
+            <p:cNvSpPr/>
+            <p:nvPr/>
+          </p:nvSpPr>
+          <p:spPr>
+            <a:xfrm>
+              <a:off x="4890434" y="4287389"/>
+              <a:ext cx="345997" cy="346029"/>
+            </a:xfrm>
+            <a:custGeom>
+              <a:avLst/>
+              <a:gdLst/>
+              <a:ahLst/>
+              <a:cxnLst/>
+              <a:rect l="l" t="t" r="r" b="b"/>
+              <a:pathLst>
+                <a:path w="10871" h="10872" extrusionOk="0">
+                  <a:moveTo>
+                    <a:pt x="5608" y="953"/>
+                  </a:moveTo>
+                  <a:cubicBezTo>
+                    <a:pt x="7954" y="1049"/>
+                    <a:pt x="9823" y="2918"/>
+                    <a:pt x="9918" y="5252"/>
+                  </a:cubicBezTo>
+                  <a:lnTo>
+                    <a:pt x="9502" y="5252"/>
+                  </a:lnTo>
+                  <a:cubicBezTo>
+                    <a:pt x="9406" y="5252"/>
+                    <a:pt x="9323" y="5335"/>
+                    <a:pt x="9323" y="5442"/>
+                  </a:cubicBezTo>
+                  <a:cubicBezTo>
+                    <a:pt x="9323" y="5525"/>
+                    <a:pt x="9394" y="5621"/>
+                    <a:pt x="9502" y="5621"/>
+                  </a:cubicBezTo>
+                  <a:lnTo>
+                    <a:pt x="9918" y="5621"/>
+                  </a:lnTo>
+                  <a:cubicBezTo>
+                    <a:pt x="9847" y="7954"/>
+                    <a:pt x="7954" y="9824"/>
+                    <a:pt x="5608" y="9919"/>
+                  </a:cubicBezTo>
+                  <a:lnTo>
+                    <a:pt x="5608" y="9502"/>
+                  </a:lnTo>
+                  <a:cubicBezTo>
+                    <a:pt x="5608" y="9407"/>
+                    <a:pt x="5537" y="9323"/>
+                    <a:pt x="5430" y="9323"/>
+                  </a:cubicBezTo>
+                  <a:cubicBezTo>
+                    <a:pt x="5346" y="9323"/>
+                    <a:pt x="5251" y="9395"/>
+                    <a:pt x="5251" y="9502"/>
+                  </a:cubicBezTo>
+                  <a:lnTo>
+                    <a:pt x="5251" y="9919"/>
+                  </a:lnTo>
+                  <a:cubicBezTo>
+                    <a:pt x="2917" y="9824"/>
+                    <a:pt x="1048" y="7954"/>
+                    <a:pt x="953" y="5621"/>
+                  </a:cubicBezTo>
+                  <a:lnTo>
+                    <a:pt x="1370" y="5621"/>
+                  </a:lnTo>
+                  <a:cubicBezTo>
+                    <a:pt x="1465" y="5621"/>
+                    <a:pt x="1548" y="5537"/>
+                    <a:pt x="1548" y="5442"/>
+                  </a:cubicBezTo>
+                  <a:cubicBezTo>
+                    <a:pt x="1548" y="5347"/>
+                    <a:pt x="1477" y="5252"/>
+                    <a:pt x="1370" y="5252"/>
+                  </a:cubicBezTo>
+                  <a:lnTo>
+                    <a:pt x="953" y="5252"/>
+                  </a:lnTo>
+                  <a:cubicBezTo>
+                    <a:pt x="1048" y="2918"/>
+                    <a:pt x="2917" y="1049"/>
+                    <a:pt x="5251" y="953"/>
+                  </a:cubicBezTo>
+                  <a:lnTo>
+                    <a:pt x="5251" y="1370"/>
+                  </a:lnTo>
+                  <a:cubicBezTo>
+                    <a:pt x="5251" y="1465"/>
+                    <a:pt x="5334" y="1549"/>
+                    <a:pt x="5430" y="1549"/>
+                  </a:cubicBezTo>
+                  <a:cubicBezTo>
+                    <a:pt x="5525" y="1549"/>
+                    <a:pt x="5608" y="1477"/>
+                    <a:pt x="5608" y="1370"/>
+                  </a:cubicBezTo>
+                  <a:lnTo>
+                    <a:pt x="5608" y="953"/>
+                  </a:lnTo>
+                  <a:close/>
+                  <a:moveTo>
+                    <a:pt x="5441" y="1"/>
+                  </a:moveTo>
+                  <a:cubicBezTo>
+                    <a:pt x="5346" y="1"/>
+                    <a:pt x="5263" y="84"/>
+                    <a:pt x="5263" y="179"/>
+                  </a:cubicBezTo>
+                  <a:lnTo>
+                    <a:pt x="5263" y="596"/>
+                  </a:lnTo>
+                  <a:cubicBezTo>
+                    <a:pt x="2727" y="691"/>
+                    <a:pt x="691" y="2727"/>
+                    <a:pt x="596" y="5263"/>
+                  </a:cubicBezTo>
+                  <a:lnTo>
+                    <a:pt x="179" y="5263"/>
+                  </a:lnTo>
+                  <a:cubicBezTo>
+                    <a:pt x="96" y="5263"/>
+                    <a:pt x="0" y="5335"/>
+                    <a:pt x="0" y="5442"/>
+                  </a:cubicBezTo>
+                  <a:cubicBezTo>
+                    <a:pt x="0" y="5525"/>
+                    <a:pt x="84" y="5621"/>
+                    <a:pt x="179" y="5621"/>
+                  </a:cubicBezTo>
+                  <a:lnTo>
+                    <a:pt x="596" y="5621"/>
+                  </a:lnTo>
+                  <a:cubicBezTo>
+                    <a:pt x="691" y="8145"/>
+                    <a:pt x="2727" y="10181"/>
+                    <a:pt x="5263" y="10276"/>
+                  </a:cubicBezTo>
+                  <a:lnTo>
+                    <a:pt x="5263" y="10693"/>
+                  </a:lnTo>
+                  <a:cubicBezTo>
+                    <a:pt x="5263" y="10776"/>
+                    <a:pt x="5334" y="10871"/>
+                    <a:pt x="5441" y="10871"/>
+                  </a:cubicBezTo>
+                  <a:cubicBezTo>
+                    <a:pt x="5525" y="10871"/>
+                    <a:pt x="5620" y="10800"/>
+                    <a:pt x="5620" y="10693"/>
+                  </a:cubicBezTo>
+                  <a:lnTo>
+                    <a:pt x="5620" y="10276"/>
+                  </a:lnTo>
+                  <a:cubicBezTo>
+                    <a:pt x="8144" y="10181"/>
+                    <a:pt x="10180" y="8145"/>
+                    <a:pt x="10275" y="5621"/>
+                  </a:cubicBezTo>
+                  <a:lnTo>
+                    <a:pt x="10692" y="5621"/>
+                  </a:lnTo>
+                  <a:cubicBezTo>
+                    <a:pt x="10775" y="5621"/>
+                    <a:pt x="10871" y="5537"/>
+                    <a:pt x="10871" y="5442"/>
+                  </a:cubicBezTo>
+                  <a:cubicBezTo>
+                    <a:pt x="10871" y="5347"/>
+                    <a:pt x="10799" y="5263"/>
+                    <a:pt x="10692" y="5263"/>
+                  </a:cubicBezTo>
+                  <a:lnTo>
+                    <a:pt x="10275" y="5263"/>
+                  </a:lnTo>
+                  <a:cubicBezTo>
+                    <a:pt x="10180" y="2727"/>
+                    <a:pt x="8144" y="691"/>
+                    <a:pt x="5620" y="596"/>
+                  </a:cubicBezTo>
+                  <a:lnTo>
+                    <a:pt x="5620" y="179"/>
+                  </a:lnTo>
+                  <a:cubicBezTo>
+                    <a:pt x="5620" y="96"/>
+                    <a:pt x="5537" y="1"/>
+                    <a:pt x="5441" y="1"/>
+                  </a:cubicBezTo>
+                  <a:close/>
+                </a:path>
+              </a:pathLst>
+            </a:custGeom>
+            <a:solidFill>
+              <a:schemeClr val="dk2"/>
+            </a:solidFill>
+            <a:ln>
+              <a:noFill/>
+            </a:ln>
+          </p:spPr>
+          <p:txBody>
+            <a:bodyPr spcFirstLastPara="1" wrap="square" lIns="91425" tIns="91425" rIns="91425" bIns="91425" anchor="ctr" anchorCtr="0">
+              <a:noAutofit/>
+            </a:bodyPr>
+            <a:lstStyle/>
+            <a:p>
+              <a:pPr marL="0" lvl="0" indent="0" algn="l" rtl="0">
+                <a:spcBef>
+                  <a:spcPts val="0"/>
+                </a:spcBef>
+                <a:spcAft>
+                  <a:spcPts val="0"/>
+                </a:spcAft>
+                <a:buNone/>
+              </a:pPr>
+              <a:endParaRPr/>
+            </a:p>
+          </p:txBody>
+        </p:sp>
+      </p:grpSp>
+      <p:grpSp>
+        <p:nvGrpSpPr>
+          <p:cNvPr id="637" name="Google Shape;637;p30"/>
+          <p:cNvGrpSpPr/>
+          <p:nvPr/>
+        </p:nvGrpSpPr>
+        <p:grpSpPr>
+          <a:xfrm>
+            <a:off x="3630860" y="1790353"/>
+            <a:ext cx="483826" cy="491133"/>
+            <a:chOff x="4874902" y="3808799"/>
+            <a:chExt cx="345615" cy="350835"/>
+          </a:xfrm>
+        </p:grpSpPr>
+        <p:sp>
+          <p:nvSpPr>
+            <p:cNvPr id="638" name="Google Shape;638;p30"/>
+            <p:cNvSpPr/>
+            <p:nvPr/>
+          </p:nvSpPr>
+          <p:spPr>
+            <a:xfrm>
+              <a:off x="4874902" y="3808799"/>
+              <a:ext cx="345615" cy="350835"/>
+            </a:xfrm>
+            <a:custGeom>
+              <a:avLst/>
+              <a:gdLst/>
+              <a:ahLst/>
+              <a:cxnLst/>
+              <a:rect l="l" t="t" r="r" b="b"/>
+              <a:pathLst>
+                <a:path w="10859" h="11023" extrusionOk="0">
+                  <a:moveTo>
+                    <a:pt x="6632" y="274"/>
+                  </a:moveTo>
+                  <a:cubicBezTo>
+                    <a:pt x="6858" y="274"/>
+                    <a:pt x="7037" y="453"/>
+                    <a:pt x="7037" y="679"/>
+                  </a:cubicBezTo>
+                  <a:cubicBezTo>
+                    <a:pt x="7037" y="905"/>
+                    <a:pt x="6858" y="1084"/>
+                    <a:pt x="6632" y="1084"/>
+                  </a:cubicBezTo>
+                  <a:lnTo>
+                    <a:pt x="4906" y="1084"/>
+                  </a:lnTo>
+                  <a:cubicBezTo>
+                    <a:pt x="4691" y="1084"/>
+                    <a:pt x="4513" y="905"/>
+                    <a:pt x="4513" y="679"/>
+                  </a:cubicBezTo>
+                  <a:cubicBezTo>
+                    <a:pt x="4513" y="453"/>
+                    <a:pt x="4691" y="274"/>
+                    <a:pt x="4906" y="274"/>
+                  </a:cubicBezTo>
+                  <a:close/>
+                  <a:moveTo>
+                    <a:pt x="5965" y="1405"/>
+                  </a:moveTo>
+                  <a:lnTo>
+                    <a:pt x="5965" y="1965"/>
+                  </a:lnTo>
+                  <a:lnTo>
+                    <a:pt x="5572" y="1965"/>
+                  </a:lnTo>
+                  <a:lnTo>
+                    <a:pt x="5572" y="1405"/>
+                  </a:lnTo>
+                  <a:close/>
+                  <a:moveTo>
+                    <a:pt x="5790" y="2285"/>
+                  </a:moveTo>
+                  <a:cubicBezTo>
+                    <a:pt x="7012" y="2285"/>
+                    <a:pt x="8209" y="2830"/>
+                    <a:pt x="9037" y="3834"/>
+                  </a:cubicBezTo>
+                  <a:cubicBezTo>
+                    <a:pt x="10513" y="5632"/>
+                    <a:pt x="10228" y="8287"/>
+                    <a:pt x="8430" y="9763"/>
+                  </a:cubicBezTo>
+                  <a:cubicBezTo>
+                    <a:pt x="7647" y="10392"/>
+                    <a:pt x="6705" y="10700"/>
+                    <a:pt x="5771" y="10700"/>
+                  </a:cubicBezTo>
+                  <a:cubicBezTo>
+                    <a:pt x="4545" y="10700"/>
+                    <a:pt x="3331" y="10171"/>
+                    <a:pt x="2500" y="9144"/>
+                  </a:cubicBezTo>
+                  <a:cubicBezTo>
+                    <a:pt x="405" y="6573"/>
+                    <a:pt x="2000" y="2715"/>
+                    <a:pt x="5239" y="2322"/>
+                  </a:cubicBezTo>
+                  <a:cubicBezTo>
+                    <a:pt x="5422" y="2297"/>
+                    <a:pt x="5606" y="2285"/>
+                    <a:pt x="5790" y="2285"/>
+                  </a:cubicBezTo>
+                  <a:close/>
+                  <a:moveTo>
+                    <a:pt x="4917" y="0"/>
+                  </a:moveTo>
+                  <a:cubicBezTo>
+                    <a:pt x="4513" y="0"/>
+                    <a:pt x="4203" y="322"/>
+                    <a:pt x="4203" y="715"/>
+                  </a:cubicBezTo>
+                  <a:cubicBezTo>
+                    <a:pt x="4203" y="1108"/>
+                    <a:pt x="4525" y="1429"/>
+                    <a:pt x="4917" y="1429"/>
+                  </a:cubicBezTo>
+                  <a:lnTo>
+                    <a:pt x="5251" y="1429"/>
+                  </a:lnTo>
+                  <a:lnTo>
+                    <a:pt x="5251" y="1989"/>
+                  </a:lnTo>
+                  <a:cubicBezTo>
+                    <a:pt x="1727" y="2393"/>
+                    <a:pt x="0" y="6573"/>
+                    <a:pt x="2262" y="9359"/>
+                  </a:cubicBezTo>
+                  <a:cubicBezTo>
+                    <a:pt x="3161" y="10454"/>
+                    <a:pt x="4471" y="11023"/>
+                    <a:pt x="5790" y="11023"/>
+                  </a:cubicBezTo>
+                  <a:cubicBezTo>
+                    <a:pt x="6795" y="11023"/>
+                    <a:pt x="7805" y="10693"/>
+                    <a:pt x="8644" y="10013"/>
+                  </a:cubicBezTo>
+                  <a:cubicBezTo>
+                    <a:pt x="10585" y="8430"/>
+                    <a:pt x="10859" y="5561"/>
+                    <a:pt x="9287" y="3632"/>
+                  </a:cubicBezTo>
+                  <a:cubicBezTo>
+                    <a:pt x="8513" y="2679"/>
+                    <a:pt x="7430" y="2120"/>
+                    <a:pt x="6299" y="1989"/>
+                  </a:cubicBezTo>
+                  <a:lnTo>
+                    <a:pt x="6299" y="1429"/>
+                  </a:lnTo>
+                  <a:lnTo>
+                    <a:pt x="6644" y="1429"/>
+                  </a:lnTo>
+                  <a:cubicBezTo>
+                    <a:pt x="7037" y="1429"/>
+                    <a:pt x="7358" y="1096"/>
+                    <a:pt x="7358" y="715"/>
+                  </a:cubicBezTo>
+                  <a:cubicBezTo>
+                    <a:pt x="7358" y="310"/>
+                    <a:pt x="7025" y="0"/>
+                    <a:pt x="6644" y="0"/>
+                  </a:cubicBezTo>
+                  <a:close/>
+                </a:path>
+              </a:pathLst>
+            </a:custGeom>
+            <a:solidFill>
+              <a:schemeClr val="dk2"/>
+            </a:solidFill>
+            <a:ln>
+              <a:noFill/>
+            </a:ln>
+          </p:spPr>
+          <p:txBody>
+            <a:bodyPr spcFirstLastPara="1" wrap="square" lIns="91425" tIns="91425" rIns="91425" bIns="91425" anchor="ctr" anchorCtr="0">
+              <a:noAutofit/>
+            </a:bodyPr>
+            <a:lstStyle/>
+            <a:p>
+              <a:pPr marL="0" lvl="0" indent="0" algn="l" rtl="0">
+                <a:spcBef>
+                  <a:spcPts val="0"/>
+                </a:spcBef>
+                <a:spcAft>
+                  <a:spcPts val="0"/>
+                </a:spcAft>
+                <a:buNone/>
+              </a:pPr>
+              <a:endParaRPr/>
+            </a:p>
+          </p:txBody>
+        </p:sp>
+        <p:sp>
+          <p:nvSpPr>
+            <p:cNvPr id="639" name="Google Shape;639;p30"/>
+            <p:cNvSpPr/>
+            <p:nvPr/>
+          </p:nvSpPr>
+          <p:spPr>
+            <a:xfrm>
+              <a:off x="4939321" y="4009630"/>
+              <a:ext cx="145929" cy="123618"/>
+            </a:xfrm>
+            <a:custGeom>
+              <a:avLst/>
+              <a:gdLst/>
+              <a:ahLst/>
+              <a:cxnLst/>
+              <a:rect l="l" t="t" r="r" b="b"/>
+              <a:pathLst>
+                <a:path w="4585" h="3884" extrusionOk="0">
+                  <a:moveTo>
+                    <a:pt x="203" y="1"/>
+                  </a:moveTo>
+                  <a:cubicBezTo>
+                    <a:pt x="119" y="1"/>
+                    <a:pt x="48" y="72"/>
+                    <a:pt x="48" y="155"/>
+                  </a:cubicBezTo>
+                  <a:cubicBezTo>
+                    <a:pt x="48" y="203"/>
+                    <a:pt x="0" y="965"/>
+                    <a:pt x="429" y="1810"/>
+                  </a:cubicBezTo>
+                  <a:cubicBezTo>
+                    <a:pt x="691" y="2334"/>
+                    <a:pt x="1072" y="2799"/>
+                    <a:pt x="1548" y="3156"/>
+                  </a:cubicBezTo>
+                  <a:cubicBezTo>
+                    <a:pt x="2212" y="3644"/>
+                    <a:pt x="2997" y="3883"/>
+                    <a:pt x="3771" y="3883"/>
+                  </a:cubicBezTo>
+                  <a:cubicBezTo>
+                    <a:pt x="3996" y="3883"/>
+                    <a:pt x="4221" y="3863"/>
+                    <a:pt x="4441" y="3823"/>
+                  </a:cubicBezTo>
+                  <a:cubicBezTo>
+                    <a:pt x="4525" y="3811"/>
+                    <a:pt x="4584" y="3715"/>
+                    <a:pt x="4572" y="3632"/>
+                  </a:cubicBezTo>
+                  <a:cubicBezTo>
+                    <a:pt x="4540" y="3545"/>
+                    <a:pt x="4477" y="3488"/>
+                    <a:pt x="4394" y="3488"/>
+                  </a:cubicBezTo>
+                  <a:cubicBezTo>
+                    <a:pt x="4386" y="3488"/>
+                    <a:pt x="4378" y="3488"/>
+                    <a:pt x="4370" y="3489"/>
+                  </a:cubicBezTo>
+                  <a:cubicBezTo>
+                    <a:pt x="4161" y="3528"/>
+                    <a:pt x="3950" y="3547"/>
+                    <a:pt x="3739" y="3547"/>
+                  </a:cubicBezTo>
+                  <a:cubicBezTo>
+                    <a:pt x="3035" y="3547"/>
+                    <a:pt x="2334" y="3331"/>
+                    <a:pt x="1739" y="2882"/>
+                  </a:cubicBezTo>
+                  <a:cubicBezTo>
+                    <a:pt x="286" y="1810"/>
+                    <a:pt x="369" y="155"/>
+                    <a:pt x="369" y="155"/>
+                  </a:cubicBezTo>
+                  <a:cubicBezTo>
+                    <a:pt x="369" y="72"/>
+                    <a:pt x="298" y="1"/>
+                    <a:pt x="203" y="1"/>
+                  </a:cubicBezTo>
+                  <a:close/>
+                </a:path>
+              </a:pathLst>
+            </a:custGeom>
+            <a:solidFill>
+              <a:schemeClr val="dk2"/>
+            </a:solidFill>
+            <a:ln>
+              <a:noFill/>
+            </a:ln>
+          </p:spPr>
+          <p:txBody>
+            <a:bodyPr spcFirstLastPara="1" wrap="square" lIns="91425" tIns="91425" rIns="91425" bIns="91425" anchor="ctr" anchorCtr="0">
+              <a:noAutofit/>
+            </a:bodyPr>
+            <a:lstStyle/>
+            <a:p>
+              <a:pPr marL="0" lvl="0" indent="0" algn="l" rtl="0">
+                <a:spcBef>
+                  <a:spcPts val="0"/>
+                </a:spcBef>
+                <a:spcAft>
+                  <a:spcPts val="0"/>
+                </a:spcAft>
+                <a:buNone/>
+              </a:pPr>
+              <a:endParaRPr/>
+            </a:p>
+          </p:txBody>
+        </p:sp>
+        <p:sp>
+          <p:nvSpPr>
+            <p:cNvPr id="640" name="Google Shape;640;p30"/>
+            <p:cNvSpPr/>
+            <p:nvPr/>
+          </p:nvSpPr>
+          <p:spPr>
+            <a:xfrm>
+              <a:off x="4942344" y="3897629"/>
+              <a:ext cx="205033" cy="101816"/>
+            </a:xfrm>
+            <a:custGeom>
+              <a:avLst/>
+              <a:gdLst/>
+              <a:ahLst/>
+              <a:cxnLst/>
+              <a:rect l="l" t="t" r="r" b="b"/>
+              <a:pathLst>
+                <a:path w="6442" h="3199" extrusionOk="0">
+                  <a:moveTo>
+                    <a:pt x="3666" y="0"/>
+                  </a:moveTo>
+                  <a:cubicBezTo>
+                    <a:pt x="1972" y="0"/>
+                    <a:pt x="363" y="1175"/>
+                    <a:pt x="24" y="3008"/>
+                  </a:cubicBezTo>
+                  <a:cubicBezTo>
+                    <a:pt x="0" y="3115"/>
+                    <a:pt x="72" y="3198"/>
+                    <a:pt x="179" y="3198"/>
+                  </a:cubicBezTo>
+                  <a:cubicBezTo>
+                    <a:pt x="251" y="3198"/>
+                    <a:pt x="322" y="3139"/>
+                    <a:pt x="334" y="3067"/>
+                  </a:cubicBezTo>
+                  <a:cubicBezTo>
+                    <a:pt x="656" y="1384"/>
+                    <a:pt x="2127" y="318"/>
+                    <a:pt x="3670" y="318"/>
+                  </a:cubicBezTo>
+                  <a:cubicBezTo>
+                    <a:pt x="4353" y="318"/>
+                    <a:pt x="5050" y="527"/>
+                    <a:pt x="5668" y="984"/>
+                  </a:cubicBezTo>
+                  <a:cubicBezTo>
+                    <a:pt x="5846" y="1115"/>
+                    <a:pt x="5989" y="1257"/>
+                    <a:pt x="6144" y="1412"/>
+                  </a:cubicBezTo>
+                  <a:cubicBezTo>
+                    <a:pt x="6180" y="1448"/>
+                    <a:pt x="6228" y="1471"/>
+                    <a:pt x="6274" y="1471"/>
+                  </a:cubicBezTo>
+                  <a:cubicBezTo>
+                    <a:pt x="6305" y="1471"/>
+                    <a:pt x="6334" y="1460"/>
+                    <a:pt x="6358" y="1436"/>
+                  </a:cubicBezTo>
+                  <a:cubicBezTo>
+                    <a:pt x="6430" y="1377"/>
+                    <a:pt x="6442" y="1269"/>
+                    <a:pt x="6382" y="1210"/>
+                  </a:cubicBezTo>
+                  <a:cubicBezTo>
+                    <a:pt x="6216" y="1031"/>
+                    <a:pt x="6049" y="876"/>
+                    <a:pt x="5858" y="734"/>
+                  </a:cubicBezTo>
+                  <a:cubicBezTo>
+                    <a:pt x="5179" y="230"/>
+                    <a:pt x="4414" y="0"/>
+                    <a:pt x="3666" y="0"/>
+                  </a:cubicBezTo>
+                  <a:close/>
+                </a:path>
+              </a:pathLst>
+            </a:custGeom>
+            <a:solidFill>
+              <a:schemeClr val="dk2"/>
+            </a:solidFill>
+            <a:ln>
+              <a:noFill/>
+            </a:ln>
+          </p:spPr>
+          <p:txBody>
+            <a:bodyPr spcFirstLastPara="1" wrap="square" lIns="91425" tIns="91425" rIns="91425" bIns="91425" anchor="ctr" anchorCtr="0">
+              <a:noAutofit/>
+            </a:bodyPr>
+            <a:lstStyle/>
+            <a:p>
+              <a:pPr marL="0" lvl="0" indent="0" algn="l" rtl="0">
+                <a:spcBef>
+                  <a:spcPts val="0"/>
+                </a:spcBef>
+                <a:spcAft>
+                  <a:spcPts val="0"/>
+                </a:spcAft>
+                <a:buNone/>
+              </a:pPr>
+              <a:endParaRPr/>
+            </a:p>
+          </p:txBody>
+        </p:sp>
+        <p:sp>
+          <p:nvSpPr>
+            <p:cNvPr id="641" name="Google Shape;641;p30"/>
+            <p:cNvSpPr/>
+            <p:nvPr/>
+          </p:nvSpPr>
+          <p:spPr>
+            <a:xfrm>
+              <a:off x="5092729" y="3950240"/>
+              <a:ext cx="84597" cy="175465"/>
+            </a:xfrm>
+            <a:custGeom>
+              <a:avLst/>
+              <a:gdLst/>
+              <a:ahLst/>
+              <a:cxnLst/>
+              <a:rect l="l" t="t" r="r" b="b"/>
+              <a:pathLst>
+                <a:path w="2658" h="5513" extrusionOk="0">
+                  <a:moveTo>
+                    <a:pt x="1939" y="0"/>
+                  </a:moveTo>
+                  <a:cubicBezTo>
+                    <a:pt x="1907" y="0"/>
+                    <a:pt x="1875" y="11"/>
+                    <a:pt x="1848" y="33"/>
+                  </a:cubicBezTo>
+                  <a:cubicBezTo>
+                    <a:pt x="1776" y="81"/>
+                    <a:pt x="1741" y="176"/>
+                    <a:pt x="1800" y="259"/>
+                  </a:cubicBezTo>
+                  <a:cubicBezTo>
+                    <a:pt x="2145" y="795"/>
+                    <a:pt x="2324" y="1414"/>
+                    <a:pt x="2324" y="2057"/>
+                  </a:cubicBezTo>
+                  <a:cubicBezTo>
+                    <a:pt x="2324" y="3486"/>
+                    <a:pt x="1431" y="4724"/>
+                    <a:pt x="169" y="5200"/>
+                  </a:cubicBezTo>
+                  <a:cubicBezTo>
+                    <a:pt x="1" y="5263"/>
+                    <a:pt x="55" y="5512"/>
+                    <a:pt x="218" y="5512"/>
+                  </a:cubicBezTo>
+                  <a:cubicBezTo>
+                    <a:pt x="239" y="5512"/>
+                    <a:pt x="263" y="5508"/>
+                    <a:pt x="288" y="5498"/>
+                  </a:cubicBezTo>
+                  <a:cubicBezTo>
+                    <a:pt x="1669" y="4962"/>
+                    <a:pt x="2657" y="3605"/>
+                    <a:pt x="2657" y="2045"/>
+                  </a:cubicBezTo>
+                  <a:cubicBezTo>
+                    <a:pt x="2622" y="1343"/>
+                    <a:pt x="2431" y="676"/>
+                    <a:pt x="2074" y="81"/>
+                  </a:cubicBezTo>
+                  <a:cubicBezTo>
+                    <a:pt x="2044" y="29"/>
+                    <a:pt x="1992" y="0"/>
+                    <a:pt x="1939" y="0"/>
+                  </a:cubicBezTo>
+                  <a:close/>
+                </a:path>
+              </a:pathLst>
+            </a:custGeom>
+            <a:solidFill>
+              <a:schemeClr val="dk2"/>
+            </a:solidFill>
+            <a:ln>
+              <a:noFill/>
+            </a:ln>
+          </p:spPr>
+          <p:txBody>
+            <a:bodyPr spcFirstLastPara="1" wrap="square" lIns="91425" tIns="91425" rIns="91425" bIns="91425" anchor="ctr" anchorCtr="0">
+              <a:noAutofit/>
+            </a:bodyPr>
+            <a:lstStyle/>
+            <a:p>
+              <a:pPr marL="0" lvl="0" indent="0" algn="l" rtl="0">
+                <a:spcBef>
+                  <a:spcPts val="0"/>
+                </a:spcBef>
+                <a:spcAft>
+                  <a:spcPts val="0"/>
+                </a:spcAft>
+                <a:buNone/>
+              </a:pPr>
+              <a:endParaRPr/>
+            </a:p>
+          </p:txBody>
+        </p:sp>
+        <p:sp>
+          <p:nvSpPr>
+            <p:cNvPr id="642" name="Google Shape;642;p30"/>
+            <p:cNvSpPr/>
+            <p:nvPr/>
+          </p:nvSpPr>
+          <p:spPr>
+            <a:xfrm>
+              <a:off x="5004886" y="3993717"/>
+              <a:ext cx="81478" cy="55348"/>
+            </a:xfrm>
+            <a:custGeom>
+              <a:avLst/>
+              <a:gdLst/>
+              <a:ahLst/>
+              <a:cxnLst/>
+              <a:rect l="l" t="t" r="r" b="b"/>
+              <a:pathLst>
+                <a:path w="2560" h="1739" extrusionOk="0">
+                  <a:moveTo>
+                    <a:pt x="1691" y="334"/>
+                  </a:moveTo>
+                  <a:cubicBezTo>
+                    <a:pt x="1976" y="334"/>
+                    <a:pt x="2143" y="655"/>
+                    <a:pt x="1976" y="882"/>
+                  </a:cubicBezTo>
+                  <a:cubicBezTo>
+                    <a:pt x="1913" y="974"/>
+                    <a:pt x="1806" y="1024"/>
+                    <a:pt x="1698" y="1024"/>
+                  </a:cubicBezTo>
+                  <a:cubicBezTo>
+                    <a:pt x="1625" y="1024"/>
+                    <a:pt x="1551" y="1001"/>
+                    <a:pt x="1488" y="953"/>
+                  </a:cubicBezTo>
+                  <a:cubicBezTo>
+                    <a:pt x="1214" y="763"/>
+                    <a:pt x="1369" y="334"/>
+                    <a:pt x="1691" y="334"/>
+                  </a:cubicBezTo>
+                  <a:close/>
+                  <a:moveTo>
+                    <a:pt x="1691" y="1"/>
+                  </a:moveTo>
+                  <a:cubicBezTo>
+                    <a:pt x="1584" y="1"/>
+                    <a:pt x="1334" y="36"/>
+                    <a:pt x="1155" y="274"/>
+                  </a:cubicBezTo>
+                  <a:cubicBezTo>
+                    <a:pt x="1024" y="453"/>
+                    <a:pt x="988" y="655"/>
+                    <a:pt x="1048" y="846"/>
+                  </a:cubicBezTo>
+                  <a:lnTo>
+                    <a:pt x="131" y="1441"/>
+                  </a:lnTo>
+                  <a:cubicBezTo>
+                    <a:pt x="0" y="1536"/>
+                    <a:pt x="60" y="1739"/>
+                    <a:pt x="214" y="1739"/>
+                  </a:cubicBezTo>
+                  <a:cubicBezTo>
+                    <a:pt x="310" y="1739"/>
+                    <a:pt x="262" y="1727"/>
+                    <a:pt x="1214" y="1132"/>
+                  </a:cubicBezTo>
+                  <a:cubicBezTo>
+                    <a:pt x="1346" y="1279"/>
+                    <a:pt x="1520" y="1349"/>
+                    <a:pt x="1692" y="1349"/>
+                  </a:cubicBezTo>
+                  <a:cubicBezTo>
+                    <a:pt x="1896" y="1349"/>
+                    <a:pt x="2098" y="1252"/>
+                    <a:pt x="2226" y="1072"/>
+                  </a:cubicBezTo>
+                  <a:cubicBezTo>
+                    <a:pt x="2560" y="632"/>
+                    <a:pt x="2238" y="1"/>
+                    <a:pt x="1691" y="1"/>
+                  </a:cubicBezTo>
+                  <a:close/>
+                </a:path>
+              </a:pathLst>
+            </a:custGeom>
+            <a:solidFill>
+              <a:schemeClr val="dk2"/>
+            </a:solidFill>
+            <a:ln>
+              <a:noFill/>
+            </a:ln>
+          </p:spPr>
+          <p:txBody>
+            <a:bodyPr spcFirstLastPara="1" wrap="square" lIns="91425" tIns="91425" rIns="91425" bIns="91425" anchor="ctr" anchorCtr="0">
+              <a:noAutofit/>
+            </a:bodyPr>
+            <a:lstStyle/>
+            <a:p>
+              <a:pPr marL="0" lvl="0" indent="0" algn="l" rtl="0">
+                <a:spcBef>
+                  <a:spcPts val="0"/>
+                </a:spcBef>
+                <a:spcAft>
+                  <a:spcPts val="0"/>
+                </a:spcAft>
+                <a:buNone/>
+              </a:pPr>
+              <a:endParaRPr/>
+            </a:p>
+          </p:txBody>
+        </p:sp>
+        <p:sp>
+          <p:nvSpPr>
+            <p:cNvPr id="643" name="Google Shape;643;p30"/>
+            <p:cNvSpPr/>
+            <p:nvPr/>
+          </p:nvSpPr>
+          <p:spPr>
+            <a:xfrm>
+              <a:off x="5053391" y="3915262"/>
+              <a:ext cx="10630" cy="29982"/>
+            </a:xfrm>
+            <a:custGeom>
+              <a:avLst/>
+              <a:gdLst/>
+              <a:ahLst/>
+              <a:cxnLst/>
+              <a:rect l="l" t="t" r="r" b="b"/>
+              <a:pathLst>
+                <a:path w="334" h="942" extrusionOk="0">
+                  <a:moveTo>
+                    <a:pt x="167" y="1"/>
+                  </a:moveTo>
+                  <a:cubicBezTo>
+                    <a:pt x="83" y="1"/>
+                    <a:pt x="0" y="72"/>
+                    <a:pt x="0" y="168"/>
+                  </a:cubicBezTo>
+                  <a:lnTo>
+                    <a:pt x="0" y="775"/>
+                  </a:lnTo>
+                  <a:cubicBezTo>
+                    <a:pt x="0" y="858"/>
+                    <a:pt x="83" y="942"/>
+                    <a:pt x="167" y="942"/>
+                  </a:cubicBezTo>
+                  <a:cubicBezTo>
+                    <a:pt x="262" y="942"/>
+                    <a:pt x="333" y="858"/>
+                    <a:pt x="333" y="775"/>
+                  </a:cubicBezTo>
+                  <a:lnTo>
+                    <a:pt x="333" y="168"/>
+                  </a:lnTo>
+                  <a:cubicBezTo>
+                    <a:pt x="333" y="72"/>
+                    <a:pt x="262" y="1"/>
+                    <a:pt x="167" y="1"/>
+                  </a:cubicBezTo>
+                  <a:close/>
+                </a:path>
+              </a:pathLst>
+            </a:custGeom>
+            <a:solidFill>
+              <a:schemeClr val="dk2"/>
+            </a:solidFill>
+            <a:ln>
+              <a:noFill/>
+            </a:ln>
+          </p:spPr>
+          <p:txBody>
+            <a:bodyPr spcFirstLastPara="1" wrap="square" lIns="91425" tIns="91425" rIns="91425" bIns="91425" anchor="ctr" anchorCtr="0">
+              <a:noAutofit/>
+            </a:bodyPr>
+            <a:lstStyle/>
+            <a:p>
+              <a:pPr marL="0" lvl="0" indent="0" algn="l" rtl="0">
+                <a:spcBef>
+                  <a:spcPts val="0"/>
+                </a:spcBef>
+                <a:spcAft>
+                  <a:spcPts val="0"/>
+                </a:spcAft>
+                <a:buNone/>
+              </a:pPr>
+              <a:endParaRPr/>
+            </a:p>
+          </p:txBody>
+        </p:sp>
+        <p:sp>
+          <p:nvSpPr>
+            <p:cNvPr id="644" name="Google Shape;644;p30"/>
+            <p:cNvSpPr/>
+            <p:nvPr/>
+          </p:nvSpPr>
+          <p:spPr>
+            <a:xfrm>
+              <a:off x="5005236" y="3928216"/>
+              <a:ext cx="21261" cy="26894"/>
+            </a:xfrm>
+            <a:custGeom>
+              <a:avLst/>
+              <a:gdLst/>
+              <a:ahLst/>
+              <a:cxnLst/>
+              <a:rect l="l" t="t" r="r" b="b"/>
+              <a:pathLst>
+                <a:path w="668" h="845" extrusionOk="0">
+                  <a:moveTo>
+                    <a:pt x="183" y="1"/>
+                  </a:moveTo>
+                  <a:cubicBezTo>
+                    <a:pt x="156" y="1"/>
+                    <a:pt x="130" y="8"/>
+                    <a:pt x="108" y="23"/>
+                  </a:cubicBezTo>
+                  <a:cubicBezTo>
+                    <a:pt x="25" y="70"/>
+                    <a:pt x="1" y="177"/>
+                    <a:pt x="49" y="249"/>
+                  </a:cubicBezTo>
+                  <a:lnTo>
+                    <a:pt x="346" y="773"/>
+                  </a:lnTo>
+                  <a:cubicBezTo>
+                    <a:pt x="382" y="808"/>
+                    <a:pt x="430" y="844"/>
+                    <a:pt x="489" y="844"/>
+                  </a:cubicBezTo>
+                  <a:cubicBezTo>
+                    <a:pt x="525" y="844"/>
+                    <a:pt x="549" y="844"/>
+                    <a:pt x="561" y="832"/>
+                  </a:cubicBezTo>
+                  <a:cubicBezTo>
+                    <a:pt x="644" y="785"/>
+                    <a:pt x="668" y="677"/>
+                    <a:pt x="620" y="606"/>
+                  </a:cubicBezTo>
+                  <a:lnTo>
+                    <a:pt x="322" y="82"/>
+                  </a:lnTo>
+                  <a:cubicBezTo>
+                    <a:pt x="298" y="33"/>
+                    <a:pt x="240" y="1"/>
+                    <a:pt x="183" y="1"/>
+                  </a:cubicBezTo>
+                  <a:close/>
+                </a:path>
+              </a:pathLst>
+            </a:custGeom>
+            <a:solidFill>
+              <a:schemeClr val="dk2"/>
+            </a:solidFill>
+            <a:ln>
+              <a:noFill/>
+            </a:ln>
+          </p:spPr>
+          <p:txBody>
+            <a:bodyPr spcFirstLastPara="1" wrap="square" lIns="91425" tIns="91425" rIns="91425" bIns="91425" anchor="ctr" anchorCtr="0">
+              <a:noAutofit/>
+            </a:bodyPr>
+            <a:lstStyle/>
+            <a:p>
+              <a:pPr marL="0" lvl="0" indent="0" algn="l" rtl="0">
+                <a:spcBef>
+                  <a:spcPts val="0"/>
+                </a:spcBef>
+                <a:spcAft>
+                  <a:spcPts val="0"/>
+                </a:spcAft>
+                <a:buNone/>
+              </a:pPr>
+              <a:endParaRPr/>
+            </a:p>
+          </p:txBody>
+        </p:sp>
+        <p:sp>
+          <p:nvSpPr>
+            <p:cNvPr id="645" name="Google Shape;645;p30"/>
+            <p:cNvSpPr/>
+            <p:nvPr/>
+          </p:nvSpPr>
+          <p:spPr>
+            <a:xfrm>
+              <a:off x="4970766" y="3962876"/>
+              <a:ext cx="28454" cy="19510"/>
+            </a:xfrm>
+            <a:custGeom>
+              <a:avLst/>
+              <a:gdLst/>
+              <a:ahLst/>
+              <a:cxnLst/>
+              <a:rect l="l" t="t" r="r" b="b"/>
+              <a:pathLst>
+                <a:path w="894" h="613" extrusionOk="0">
+                  <a:moveTo>
+                    <a:pt x="189" y="1"/>
+                  </a:moveTo>
+                  <a:cubicBezTo>
+                    <a:pt x="130" y="1"/>
+                    <a:pt x="69" y="27"/>
+                    <a:pt x="36" y="77"/>
+                  </a:cubicBezTo>
+                  <a:cubicBezTo>
+                    <a:pt x="0" y="160"/>
+                    <a:pt x="24" y="255"/>
+                    <a:pt x="96" y="303"/>
+                  </a:cubicBezTo>
+                  <a:lnTo>
+                    <a:pt x="620" y="600"/>
+                  </a:lnTo>
+                  <a:cubicBezTo>
+                    <a:pt x="655" y="612"/>
+                    <a:pt x="679" y="612"/>
+                    <a:pt x="691" y="612"/>
+                  </a:cubicBezTo>
+                  <a:cubicBezTo>
+                    <a:pt x="751" y="612"/>
+                    <a:pt x="798" y="589"/>
+                    <a:pt x="834" y="541"/>
+                  </a:cubicBezTo>
+                  <a:cubicBezTo>
+                    <a:pt x="893" y="470"/>
+                    <a:pt x="858" y="362"/>
+                    <a:pt x="786" y="315"/>
+                  </a:cubicBezTo>
+                  <a:lnTo>
+                    <a:pt x="262" y="17"/>
+                  </a:lnTo>
+                  <a:cubicBezTo>
+                    <a:pt x="240" y="6"/>
+                    <a:pt x="215" y="1"/>
+                    <a:pt x="189" y="1"/>
+                  </a:cubicBezTo>
+                  <a:close/>
+                </a:path>
+              </a:pathLst>
+            </a:custGeom>
+            <a:solidFill>
+              <a:schemeClr val="dk2"/>
+            </a:solidFill>
+            <a:ln>
+              <a:noFill/>
+            </a:ln>
+          </p:spPr>
+          <p:txBody>
+            <a:bodyPr spcFirstLastPara="1" wrap="square" lIns="91425" tIns="91425" rIns="91425" bIns="91425" anchor="ctr" anchorCtr="0">
+              <a:noAutofit/>
+            </a:bodyPr>
+            <a:lstStyle/>
+            <a:p>
+              <a:pPr marL="0" lvl="0" indent="0" algn="l" rtl="0">
+                <a:spcBef>
+                  <a:spcPts val="0"/>
+                </a:spcBef>
+                <a:spcAft>
+                  <a:spcPts val="0"/>
+                </a:spcAft>
+                <a:buNone/>
+              </a:pPr>
+              <a:endParaRPr/>
+            </a:p>
+          </p:txBody>
+        </p:sp>
+        <p:sp>
+          <p:nvSpPr>
+            <p:cNvPr id="646" name="Google Shape;646;p30"/>
+            <p:cNvSpPr/>
+            <p:nvPr/>
+          </p:nvSpPr>
+          <p:spPr>
+            <a:xfrm>
+              <a:off x="4958258" y="4010012"/>
+              <a:ext cx="29982" cy="10248"/>
+            </a:xfrm>
+            <a:custGeom>
+              <a:avLst/>
+              <a:gdLst/>
+              <a:ahLst/>
+              <a:cxnLst/>
+              <a:rect l="l" t="t" r="r" b="b"/>
+              <a:pathLst>
+                <a:path w="942" h="322" extrusionOk="0">
+                  <a:moveTo>
+                    <a:pt x="167" y="1"/>
+                  </a:moveTo>
+                  <a:cubicBezTo>
+                    <a:pt x="72" y="1"/>
+                    <a:pt x="1" y="72"/>
+                    <a:pt x="1" y="167"/>
+                  </a:cubicBezTo>
+                  <a:cubicBezTo>
+                    <a:pt x="1" y="251"/>
+                    <a:pt x="72" y="322"/>
+                    <a:pt x="167" y="322"/>
+                  </a:cubicBezTo>
+                  <a:lnTo>
+                    <a:pt x="774" y="322"/>
+                  </a:lnTo>
+                  <a:cubicBezTo>
+                    <a:pt x="870" y="322"/>
+                    <a:pt x="941" y="251"/>
+                    <a:pt x="941" y="167"/>
+                  </a:cubicBezTo>
+                  <a:cubicBezTo>
+                    <a:pt x="941" y="72"/>
+                    <a:pt x="870" y="1"/>
+                    <a:pt x="774" y="1"/>
+                  </a:cubicBezTo>
+                  <a:close/>
+                </a:path>
+              </a:pathLst>
+            </a:custGeom>
+            <a:solidFill>
+              <a:schemeClr val="dk2"/>
+            </a:solidFill>
+            <a:ln>
+              <a:noFill/>
+            </a:ln>
+          </p:spPr>
+          <p:txBody>
+            <a:bodyPr spcFirstLastPara="1" wrap="square" lIns="91425" tIns="91425" rIns="91425" bIns="91425" anchor="ctr" anchorCtr="0">
+              <a:noAutofit/>
+            </a:bodyPr>
+            <a:lstStyle/>
+            <a:p>
+              <a:pPr marL="0" lvl="0" indent="0" algn="l" rtl="0">
+                <a:spcBef>
+                  <a:spcPts val="0"/>
+                </a:spcBef>
+                <a:spcAft>
+                  <a:spcPts val="0"/>
+                </a:spcAft>
+                <a:buNone/>
+              </a:pPr>
+              <a:endParaRPr/>
+            </a:p>
+          </p:txBody>
+        </p:sp>
+        <p:sp>
+          <p:nvSpPr>
+            <p:cNvPr id="647" name="Google Shape;647;p30"/>
+            <p:cNvSpPr/>
+            <p:nvPr/>
+          </p:nvSpPr>
+          <p:spPr>
+            <a:xfrm>
+              <a:off x="4969239" y="4047601"/>
+              <a:ext cx="30363" cy="20051"/>
+            </a:xfrm>
+            <a:custGeom>
+              <a:avLst/>
+              <a:gdLst/>
+              <a:ahLst/>
+              <a:cxnLst/>
+              <a:rect l="l" t="t" r="r" b="b"/>
+              <a:pathLst>
+                <a:path w="954" h="630" extrusionOk="0">
+                  <a:moveTo>
+                    <a:pt x="754" y="0"/>
+                  </a:moveTo>
+                  <a:cubicBezTo>
+                    <a:pt x="728" y="0"/>
+                    <a:pt x="702" y="7"/>
+                    <a:pt x="679" y="22"/>
+                  </a:cubicBezTo>
+                  <a:lnTo>
+                    <a:pt x="156" y="320"/>
+                  </a:lnTo>
+                  <a:cubicBezTo>
+                    <a:pt x="1" y="415"/>
+                    <a:pt x="60" y="629"/>
+                    <a:pt x="239" y="629"/>
+                  </a:cubicBezTo>
+                  <a:cubicBezTo>
+                    <a:pt x="310" y="629"/>
+                    <a:pt x="310" y="605"/>
+                    <a:pt x="846" y="308"/>
+                  </a:cubicBezTo>
+                  <a:cubicBezTo>
+                    <a:pt x="918" y="260"/>
+                    <a:pt x="953" y="153"/>
+                    <a:pt x="906" y="82"/>
+                  </a:cubicBezTo>
+                  <a:cubicBezTo>
+                    <a:pt x="873" y="33"/>
+                    <a:pt x="812" y="0"/>
+                    <a:pt x="754" y="0"/>
+                  </a:cubicBezTo>
+                  <a:close/>
+                </a:path>
+              </a:pathLst>
+            </a:custGeom>
+            <a:solidFill>
+              <a:schemeClr val="dk2"/>
+            </a:solidFill>
+            <a:ln>
+              <a:noFill/>
+            </a:ln>
+          </p:spPr>
+          <p:txBody>
+            <a:bodyPr spcFirstLastPara="1" wrap="square" lIns="91425" tIns="91425" rIns="91425" bIns="91425" anchor="ctr" anchorCtr="0">
+              <a:noAutofit/>
+            </a:bodyPr>
+            <a:lstStyle/>
+            <a:p>
+              <a:pPr marL="0" lvl="0" indent="0" algn="l" rtl="0">
+                <a:spcBef>
+                  <a:spcPts val="0"/>
+                </a:spcBef>
+                <a:spcAft>
+                  <a:spcPts val="0"/>
+                </a:spcAft>
+                <a:buNone/>
+              </a:pPr>
+              <a:endParaRPr/>
+            </a:p>
+          </p:txBody>
+        </p:sp>
+        <p:sp>
+          <p:nvSpPr>
+            <p:cNvPr id="648" name="Google Shape;648;p30"/>
+            <p:cNvSpPr/>
+            <p:nvPr/>
+          </p:nvSpPr>
+          <p:spPr>
+            <a:xfrm>
+              <a:off x="5005236" y="4075641"/>
+              <a:ext cx="21261" cy="26862"/>
+            </a:xfrm>
+            <a:custGeom>
+              <a:avLst/>
+              <a:gdLst/>
+              <a:ahLst/>
+              <a:cxnLst/>
+              <a:rect l="l" t="t" r="r" b="b"/>
+              <a:pathLst>
+                <a:path w="668" h="844" extrusionOk="0">
+                  <a:moveTo>
+                    <a:pt x="491" y="0"/>
+                  </a:moveTo>
+                  <a:cubicBezTo>
+                    <a:pt x="440" y="0"/>
+                    <a:pt x="391" y="33"/>
+                    <a:pt x="358" y="82"/>
+                  </a:cubicBezTo>
+                  <a:lnTo>
+                    <a:pt x="60" y="606"/>
+                  </a:lnTo>
+                  <a:cubicBezTo>
+                    <a:pt x="1" y="701"/>
+                    <a:pt x="72" y="844"/>
+                    <a:pt x="191" y="844"/>
+                  </a:cubicBezTo>
+                  <a:cubicBezTo>
+                    <a:pt x="251" y="844"/>
+                    <a:pt x="299" y="808"/>
+                    <a:pt x="322" y="760"/>
+                  </a:cubicBezTo>
+                  <a:lnTo>
+                    <a:pt x="620" y="248"/>
+                  </a:lnTo>
+                  <a:cubicBezTo>
+                    <a:pt x="668" y="165"/>
+                    <a:pt x="644" y="70"/>
+                    <a:pt x="561" y="22"/>
+                  </a:cubicBezTo>
+                  <a:cubicBezTo>
+                    <a:pt x="538" y="7"/>
+                    <a:pt x="514" y="0"/>
+                    <a:pt x="491" y="0"/>
+                  </a:cubicBezTo>
+                  <a:close/>
+                </a:path>
+              </a:pathLst>
+            </a:custGeom>
+            <a:solidFill>
+              <a:schemeClr val="dk2"/>
+            </a:solidFill>
+            <a:ln>
+              <a:noFill/>
+            </a:ln>
+          </p:spPr>
+          <p:txBody>
+            <a:bodyPr spcFirstLastPara="1" wrap="square" lIns="91425" tIns="91425" rIns="91425" bIns="91425" anchor="ctr" anchorCtr="0">
+              <a:noAutofit/>
+            </a:bodyPr>
+            <a:lstStyle/>
+            <a:p>
+              <a:pPr marL="0" lvl="0" indent="0" algn="l" rtl="0">
+                <a:spcBef>
+                  <a:spcPts val="0"/>
+                </a:spcBef>
+                <a:spcAft>
+                  <a:spcPts val="0"/>
+                </a:spcAft>
+                <a:buNone/>
+              </a:pPr>
+              <a:endParaRPr/>
+            </a:p>
+          </p:txBody>
+        </p:sp>
+        <p:sp>
+          <p:nvSpPr>
+            <p:cNvPr id="649" name="Google Shape;649;p30"/>
+            <p:cNvSpPr/>
+            <p:nvPr/>
+          </p:nvSpPr>
+          <p:spPr>
+            <a:xfrm>
+              <a:off x="5053391" y="4085794"/>
+              <a:ext cx="10630" cy="29982"/>
+            </a:xfrm>
+            <a:custGeom>
+              <a:avLst/>
+              <a:gdLst/>
+              <a:ahLst/>
+              <a:cxnLst/>
+              <a:rect l="l" t="t" r="r" b="b"/>
+              <a:pathLst>
+                <a:path w="334" h="942" extrusionOk="0">
+                  <a:moveTo>
+                    <a:pt x="167" y="1"/>
+                  </a:moveTo>
+                  <a:cubicBezTo>
+                    <a:pt x="83" y="1"/>
+                    <a:pt x="0" y="72"/>
+                    <a:pt x="0" y="167"/>
+                  </a:cubicBezTo>
+                  <a:lnTo>
+                    <a:pt x="0" y="775"/>
+                  </a:lnTo>
+                  <a:cubicBezTo>
+                    <a:pt x="0" y="858"/>
+                    <a:pt x="83" y="941"/>
+                    <a:pt x="167" y="941"/>
+                  </a:cubicBezTo>
+                  <a:cubicBezTo>
+                    <a:pt x="250" y="941"/>
+                    <a:pt x="333" y="858"/>
+                    <a:pt x="333" y="775"/>
+                  </a:cubicBezTo>
+                  <a:lnTo>
+                    <a:pt x="333" y="167"/>
+                  </a:lnTo>
+                  <a:cubicBezTo>
+                    <a:pt x="333" y="72"/>
+                    <a:pt x="250" y="1"/>
+                    <a:pt x="167" y="1"/>
+                  </a:cubicBezTo>
+                  <a:close/>
+                </a:path>
+              </a:pathLst>
+            </a:custGeom>
+            <a:solidFill>
+              <a:schemeClr val="dk2"/>
+            </a:solidFill>
+            <a:ln>
+              <a:noFill/>
+            </a:ln>
+          </p:spPr>
+          <p:txBody>
+            <a:bodyPr spcFirstLastPara="1" wrap="square" lIns="91425" tIns="91425" rIns="91425" bIns="91425" anchor="ctr" anchorCtr="0">
+              <a:noAutofit/>
+            </a:bodyPr>
+            <a:lstStyle/>
+            <a:p>
+              <a:pPr marL="0" lvl="0" indent="0" algn="l" rtl="0">
+                <a:spcBef>
+                  <a:spcPts val="0"/>
+                </a:spcBef>
+                <a:spcAft>
+                  <a:spcPts val="0"/>
+                </a:spcAft>
+                <a:buNone/>
+              </a:pPr>
+              <a:endParaRPr/>
+            </a:p>
+          </p:txBody>
+        </p:sp>
+        <p:sp>
+          <p:nvSpPr>
+            <p:cNvPr id="650" name="Google Shape;650;p30"/>
+            <p:cNvSpPr/>
+            <p:nvPr/>
+          </p:nvSpPr>
+          <p:spPr>
+            <a:xfrm>
+              <a:off x="5090501" y="4075641"/>
+              <a:ext cx="21261" cy="26894"/>
+            </a:xfrm>
+            <a:custGeom>
+              <a:avLst/>
+              <a:gdLst/>
+              <a:ahLst/>
+              <a:cxnLst/>
+              <a:rect l="l" t="t" r="r" b="b"/>
+              <a:pathLst>
+                <a:path w="668" h="845" extrusionOk="0">
+                  <a:moveTo>
+                    <a:pt x="182" y="0"/>
+                  </a:moveTo>
+                  <a:cubicBezTo>
+                    <a:pt x="156" y="0"/>
+                    <a:pt x="130" y="7"/>
+                    <a:pt x="108" y="22"/>
+                  </a:cubicBezTo>
+                  <a:cubicBezTo>
+                    <a:pt x="25" y="70"/>
+                    <a:pt x="1" y="165"/>
+                    <a:pt x="48" y="248"/>
+                  </a:cubicBezTo>
+                  <a:lnTo>
+                    <a:pt x="346" y="760"/>
+                  </a:lnTo>
+                  <a:cubicBezTo>
+                    <a:pt x="370" y="815"/>
+                    <a:pt x="424" y="844"/>
+                    <a:pt x="479" y="844"/>
+                  </a:cubicBezTo>
+                  <a:cubicBezTo>
+                    <a:pt x="507" y="844"/>
+                    <a:pt x="536" y="836"/>
+                    <a:pt x="560" y="820"/>
+                  </a:cubicBezTo>
+                  <a:cubicBezTo>
+                    <a:pt x="644" y="784"/>
+                    <a:pt x="668" y="677"/>
+                    <a:pt x="620" y="606"/>
+                  </a:cubicBezTo>
+                  <a:lnTo>
+                    <a:pt x="322" y="82"/>
+                  </a:lnTo>
+                  <a:cubicBezTo>
+                    <a:pt x="298" y="33"/>
+                    <a:pt x="240" y="0"/>
+                    <a:pt x="182" y="0"/>
+                  </a:cubicBezTo>
+                  <a:close/>
+                </a:path>
+              </a:pathLst>
+            </a:custGeom>
+            <a:solidFill>
+              <a:schemeClr val="dk2"/>
+            </a:solidFill>
+            <a:ln>
+              <a:noFill/>
+            </a:ln>
+          </p:spPr>
+          <p:txBody>
+            <a:bodyPr spcFirstLastPara="1" wrap="square" lIns="91425" tIns="91425" rIns="91425" bIns="91425" anchor="ctr" anchorCtr="0">
+              <a:noAutofit/>
+            </a:bodyPr>
+            <a:lstStyle/>
+            <a:p>
+              <a:pPr marL="0" lvl="0" indent="0" algn="l" rtl="0">
+                <a:spcBef>
+                  <a:spcPts val="0"/>
+                </a:spcBef>
+                <a:spcAft>
+                  <a:spcPts val="0"/>
+                </a:spcAft>
+                <a:buNone/>
+              </a:pPr>
+              <a:endParaRPr/>
+            </a:p>
+          </p:txBody>
+        </p:sp>
+        <p:sp>
+          <p:nvSpPr>
+            <p:cNvPr id="651" name="Google Shape;651;p30"/>
+            <p:cNvSpPr/>
+            <p:nvPr/>
+          </p:nvSpPr>
+          <p:spPr>
+            <a:xfrm>
+              <a:off x="5117809" y="4048142"/>
+              <a:ext cx="28454" cy="19510"/>
+            </a:xfrm>
+            <a:custGeom>
+              <a:avLst/>
+              <a:gdLst/>
+              <a:ahLst/>
+              <a:cxnLst/>
+              <a:rect l="l" t="t" r="r" b="b"/>
+              <a:pathLst>
+                <a:path w="894" h="613" extrusionOk="0">
+                  <a:moveTo>
+                    <a:pt x="195" y="1"/>
+                  </a:moveTo>
+                  <a:cubicBezTo>
+                    <a:pt x="136" y="1"/>
+                    <a:pt x="81" y="27"/>
+                    <a:pt x="48" y="77"/>
+                  </a:cubicBezTo>
+                  <a:cubicBezTo>
+                    <a:pt x="0" y="160"/>
+                    <a:pt x="36" y="243"/>
+                    <a:pt x="107" y="291"/>
+                  </a:cubicBezTo>
+                  <a:cubicBezTo>
+                    <a:pt x="643" y="588"/>
+                    <a:pt x="631" y="612"/>
+                    <a:pt x="714" y="612"/>
+                  </a:cubicBezTo>
+                  <a:cubicBezTo>
+                    <a:pt x="774" y="612"/>
+                    <a:pt x="822" y="588"/>
+                    <a:pt x="845" y="541"/>
+                  </a:cubicBezTo>
+                  <a:cubicBezTo>
+                    <a:pt x="893" y="469"/>
+                    <a:pt x="869" y="362"/>
+                    <a:pt x="786" y="315"/>
+                  </a:cubicBezTo>
+                  <a:lnTo>
+                    <a:pt x="274" y="17"/>
+                  </a:lnTo>
+                  <a:cubicBezTo>
+                    <a:pt x="248" y="6"/>
+                    <a:pt x="221" y="1"/>
+                    <a:pt x="195" y="1"/>
+                  </a:cubicBezTo>
+                  <a:close/>
+                </a:path>
+              </a:pathLst>
+            </a:custGeom>
+            <a:solidFill>
+              <a:schemeClr val="dk2"/>
+            </a:solidFill>
+            <a:ln>
+              <a:noFill/>
+            </a:ln>
+          </p:spPr>
+          <p:txBody>
+            <a:bodyPr spcFirstLastPara="1" wrap="square" lIns="91425" tIns="91425" rIns="91425" bIns="91425" anchor="ctr" anchorCtr="0">
+              <a:noAutofit/>
+            </a:bodyPr>
+            <a:lstStyle/>
+            <a:p>
+              <a:pPr marL="0" lvl="0" indent="0" algn="l" rtl="0">
+                <a:spcBef>
+                  <a:spcPts val="0"/>
+                </a:spcBef>
+                <a:spcAft>
+                  <a:spcPts val="0"/>
+                </a:spcAft>
+                <a:buNone/>
+              </a:pPr>
+              <a:endParaRPr/>
+            </a:p>
+          </p:txBody>
+        </p:sp>
+        <p:sp>
+          <p:nvSpPr>
+            <p:cNvPr id="652" name="Google Shape;652;p30"/>
+            <p:cNvSpPr/>
+            <p:nvPr/>
+          </p:nvSpPr>
+          <p:spPr>
+            <a:xfrm>
+              <a:off x="5128790" y="4010012"/>
+              <a:ext cx="29950" cy="10248"/>
+            </a:xfrm>
+            <a:custGeom>
+              <a:avLst/>
+              <a:gdLst/>
+              <a:ahLst/>
+              <a:cxnLst/>
+              <a:rect l="l" t="t" r="r" b="b"/>
+              <a:pathLst>
+                <a:path w="941" h="322" extrusionOk="0">
+                  <a:moveTo>
+                    <a:pt x="167" y="1"/>
+                  </a:moveTo>
+                  <a:cubicBezTo>
+                    <a:pt x="72" y="1"/>
+                    <a:pt x="0" y="72"/>
+                    <a:pt x="0" y="167"/>
+                  </a:cubicBezTo>
+                  <a:cubicBezTo>
+                    <a:pt x="0" y="251"/>
+                    <a:pt x="72" y="322"/>
+                    <a:pt x="167" y="322"/>
+                  </a:cubicBezTo>
+                  <a:lnTo>
+                    <a:pt x="774" y="322"/>
+                  </a:lnTo>
+                  <a:cubicBezTo>
+                    <a:pt x="870" y="322"/>
+                    <a:pt x="941" y="251"/>
+                    <a:pt x="941" y="167"/>
+                  </a:cubicBezTo>
+                  <a:cubicBezTo>
+                    <a:pt x="941" y="72"/>
+                    <a:pt x="870" y="1"/>
+                    <a:pt x="774" y="1"/>
+                  </a:cubicBezTo>
+                  <a:close/>
+                </a:path>
+              </a:pathLst>
+            </a:custGeom>
+            <a:solidFill>
+              <a:schemeClr val="dk2"/>
+            </a:solidFill>
+            <a:ln>
+              <a:noFill/>
+            </a:ln>
+          </p:spPr>
+          <p:txBody>
+            <a:bodyPr spcFirstLastPara="1" wrap="square" lIns="91425" tIns="91425" rIns="91425" bIns="91425" anchor="ctr" anchorCtr="0">
+              <a:noAutofit/>
+            </a:bodyPr>
+            <a:lstStyle/>
+            <a:p>
+              <a:pPr marL="0" lvl="0" indent="0" algn="l" rtl="0">
+                <a:spcBef>
+                  <a:spcPts val="0"/>
+                </a:spcBef>
+                <a:spcAft>
+                  <a:spcPts val="0"/>
+                </a:spcAft>
+                <a:buNone/>
+              </a:pPr>
+              <a:endParaRPr/>
+            </a:p>
+          </p:txBody>
+        </p:sp>
+        <p:sp>
+          <p:nvSpPr>
+            <p:cNvPr id="653" name="Google Shape;653;p30"/>
+            <p:cNvSpPr/>
+            <p:nvPr/>
+          </p:nvSpPr>
+          <p:spPr>
+            <a:xfrm>
+              <a:off x="5117809" y="3962717"/>
+              <a:ext cx="28454" cy="19669"/>
+            </a:xfrm>
+            <a:custGeom>
+              <a:avLst/>
+              <a:gdLst/>
+              <a:ahLst/>
+              <a:cxnLst/>
+              <a:rect l="l" t="t" r="r" b="b"/>
+              <a:pathLst>
+                <a:path w="894" h="618" extrusionOk="0">
+                  <a:moveTo>
+                    <a:pt x="706" y="0"/>
+                  </a:moveTo>
+                  <a:cubicBezTo>
+                    <a:pt x="679" y="0"/>
+                    <a:pt x="654" y="7"/>
+                    <a:pt x="631" y="22"/>
+                  </a:cubicBezTo>
+                  <a:lnTo>
+                    <a:pt x="107" y="320"/>
+                  </a:lnTo>
+                  <a:cubicBezTo>
+                    <a:pt x="36" y="367"/>
+                    <a:pt x="0" y="475"/>
+                    <a:pt x="48" y="546"/>
+                  </a:cubicBezTo>
+                  <a:cubicBezTo>
+                    <a:pt x="83" y="594"/>
+                    <a:pt x="143" y="617"/>
+                    <a:pt x="202" y="617"/>
+                  </a:cubicBezTo>
+                  <a:cubicBezTo>
+                    <a:pt x="226" y="617"/>
+                    <a:pt x="262" y="617"/>
+                    <a:pt x="274" y="605"/>
+                  </a:cubicBezTo>
+                  <a:lnTo>
+                    <a:pt x="798" y="308"/>
+                  </a:lnTo>
+                  <a:cubicBezTo>
+                    <a:pt x="869" y="260"/>
+                    <a:pt x="893" y="165"/>
+                    <a:pt x="857" y="82"/>
+                  </a:cubicBezTo>
+                  <a:cubicBezTo>
+                    <a:pt x="825" y="33"/>
+                    <a:pt x="764" y="0"/>
+                    <a:pt x="706" y="0"/>
+                  </a:cubicBezTo>
+                  <a:close/>
+                </a:path>
+              </a:pathLst>
+            </a:custGeom>
+            <a:solidFill>
+              <a:schemeClr val="dk2"/>
+            </a:solidFill>
+            <a:ln>
+              <a:noFill/>
+            </a:ln>
+          </p:spPr>
+          <p:txBody>
+            <a:bodyPr spcFirstLastPara="1" wrap="square" lIns="91425" tIns="91425" rIns="91425" bIns="91425" anchor="ctr" anchorCtr="0">
+              <a:noAutofit/>
+            </a:bodyPr>
+            <a:lstStyle/>
+            <a:p>
+              <a:pPr marL="0" lvl="0" indent="0" algn="l" rtl="0">
+                <a:spcBef>
+                  <a:spcPts val="0"/>
+                </a:spcBef>
+                <a:spcAft>
+                  <a:spcPts val="0"/>
+                </a:spcAft>
+                <a:buNone/>
+              </a:pPr>
+              <a:endParaRPr/>
+            </a:p>
+          </p:txBody>
+        </p:sp>
+        <p:sp>
+          <p:nvSpPr>
+            <p:cNvPr id="654" name="Google Shape;654;p30"/>
+            <p:cNvSpPr/>
+            <p:nvPr/>
+          </p:nvSpPr>
+          <p:spPr>
+            <a:xfrm>
+              <a:off x="5090501" y="3928152"/>
+              <a:ext cx="20879" cy="26958"/>
+            </a:xfrm>
+            <a:custGeom>
+              <a:avLst/>
+              <a:gdLst/>
+              <a:ahLst/>
+              <a:cxnLst/>
+              <a:rect l="l" t="t" r="r" b="b"/>
+              <a:pathLst>
+                <a:path w="656" h="847" extrusionOk="0">
+                  <a:moveTo>
+                    <a:pt x="475" y="0"/>
+                  </a:moveTo>
+                  <a:cubicBezTo>
+                    <a:pt x="424" y="0"/>
+                    <a:pt x="370" y="29"/>
+                    <a:pt x="346" y="84"/>
+                  </a:cubicBezTo>
+                  <a:lnTo>
+                    <a:pt x="48" y="608"/>
+                  </a:lnTo>
+                  <a:cubicBezTo>
+                    <a:pt x="1" y="679"/>
+                    <a:pt x="25" y="787"/>
+                    <a:pt x="108" y="834"/>
+                  </a:cubicBezTo>
+                  <a:cubicBezTo>
+                    <a:pt x="132" y="846"/>
+                    <a:pt x="168" y="846"/>
+                    <a:pt x="179" y="846"/>
+                  </a:cubicBezTo>
+                  <a:cubicBezTo>
+                    <a:pt x="239" y="846"/>
+                    <a:pt x="287" y="810"/>
+                    <a:pt x="310" y="775"/>
+                  </a:cubicBezTo>
+                  <a:lnTo>
+                    <a:pt x="608" y="251"/>
+                  </a:lnTo>
+                  <a:cubicBezTo>
+                    <a:pt x="656" y="179"/>
+                    <a:pt x="620" y="72"/>
+                    <a:pt x="549" y="25"/>
+                  </a:cubicBezTo>
+                  <a:cubicBezTo>
+                    <a:pt x="528" y="8"/>
+                    <a:pt x="502" y="0"/>
+                    <a:pt x="475" y="0"/>
+                  </a:cubicBezTo>
+                  <a:close/>
+                </a:path>
+              </a:pathLst>
+            </a:custGeom>
+            <a:solidFill>
+              <a:schemeClr val="dk2"/>
+            </a:solidFill>
+            <a:ln>
+              <a:noFill/>
+            </a:ln>
+          </p:spPr>
+          <p:txBody>
+            <a:bodyPr spcFirstLastPara="1" wrap="square" lIns="91425" tIns="91425" rIns="91425" bIns="91425" anchor="ctr" anchorCtr="0">
+              <a:noAutofit/>
+            </a:bodyPr>
+            <a:lstStyle/>
+            <a:p>
+              <a:pPr marL="0" lvl="0" indent="0" algn="l" rtl="0">
+                <a:spcBef>
+                  <a:spcPts val="0"/>
+                </a:spcBef>
+                <a:spcAft>
+                  <a:spcPts val="0"/>
+                </a:spcAft>
+                <a:buNone/>
+              </a:pPr>
+              <a:endParaRPr/>
+            </a:p>
+          </p:txBody>
+        </p:sp>
+      </p:grpSp>
+      <p:sp>
+        <p:nvSpPr>
+          <p:cNvPr id="2" name="TextBox 1"/>
+          <p:cNvSpPr txBox="1"/>
+          <p:nvPr/>
+        </p:nvSpPr>
+        <p:spPr>
+          <a:xfrm>
+            <a:off x="756088" y="955627"/>
+            <a:ext cx="8173941" cy="400110"/>
+          </a:xfrm>
+          <a:prstGeom prst="rect">
+            <a:avLst/>
+          </a:prstGeom>
+          <a:noFill/>
+        </p:spPr>
+        <p:txBody>
+          <a:bodyPr wrap="square" rtlCol="0">
+            <a:spAutoFit/>
+          </a:bodyPr>
+          <a:lstStyle/>
+          <a:p>
+            <a:endParaRPr lang="vi-VN" sz="2000" dirty="0">
+              <a:solidFill>
+                <a:schemeClr val="bg1"/>
+              </a:solidFill>
+            </a:endParaRPr>
+          </a:p>
+        </p:txBody>
+      </p:sp>
+      <p:sp>
+        <p:nvSpPr>
+          <p:cNvPr id="5" name="TextBox 4"/>
+          <p:cNvSpPr txBox="1"/>
+          <p:nvPr/>
+        </p:nvSpPr>
+        <p:spPr>
+          <a:xfrm>
+            <a:off x="469127" y="993140"/>
+            <a:ext cx="8261405" cy="3170099"/>
+          </a:xfrm>
+          <a:prstGeom prst="rect">
+            <a:avLst/>
+          </a:prstGeom>
+          <a:noFill/>
+        </p:spPr>
+        <p:txBody>
+          <a:bodyPr wrap="square" rtlCol="0">
+            <a:spAutoFit/>
+          </a:bodyPr>
+          <a:lstStyle/>
+          <a:p>
+            <a:r>
+              <a:rPr lang="en-US" sz="2000" dirty="0" smtClean="0">
+                <a:solidFill>
+                  <a:schemeClr val="bg1"/>
+                </a:solidFill>
+                <a:latin typeface="Book Antiqua" panose="02040602050305030304" pitchFamily="18" charset="0"/>
+              </a:rPr>
+              <a:t>ĐÀO AN HUY                                                     NGUYỄN QUANG MINH</a:t>
+            </a:r>
+          </a:p>
+          <a:p>
+            <a:endParaRPr lang="en-US" sz="2000" dirty="0">
+              <a:solidFill>
+                <a:schemeClr val="bg1"/>
+              </a:solidFill>
+              <a:latin typeface="Book Antiqua" panose="02040602050305030304" pitchFamily="18" charset="0"/>
+            </a:endParaRPr>
+          </a:p>
+          <a:p>
+            <a:r>
+              <a:rPr lang="en-US" sz="2000" dirty="0" smtClean="0">
+                <a:solidFill>
+                  <a:schemeClr val="bg1"/>
+                </a:solidFill>
+                <a:latin typeface="Book Antiqua" panose="02040602050305030304" pitchFamily="18" charset="0"/>
+              </a:rPr>
+              <a:t>NGUYỄN ĐOÀN NHẬT MINH                         NGUYỄN LÊ HIỂU VĂN</a:t>
+            </a:r>
+          </a:p>
+          <a:p>
+            <a:endParaRPr lang="en-US" sz="2000" dirty="0">
+              <a:solidFill>
+                <a:schemeClr val="bg1"/>
+              </a:solidFill>
+              <a:latin typeface="Book Antiqua" panose="02040602050305030304" pitchFamily="18" charset="0"/>
+            </a:endParaRPr>
+          </a:p>
+          <a:p>
+            <a:r>
+              <a:rPr lang="en-US" sz="2000" dirty="0" smtClean="0">
+                <a:solidFill>
+                  <a:schemeClr val="bg1"/>
+                </a:solidFill>
+                <a:latin typeface="Book Antiqua" panose="02040602050305030304" pitchFamily="18" charset="0"/>
+              </a:rPr>
+              <a:t>NGUYỄN VIỆT DŨNG                                               PHẠM LÊ VIỆT ĐỨC</a:t>
+            </a:r>
+          </a:p>
+          <a:p>
+            <a:endParaRPr lang="en-US" sz="2000" dirty="0">
+              <a:solidFill>
+                <a:schemeClr val="bg1"/>
+              </a:solidFill>
+              <a:latin typeface="Book Antiqua" panose="02040602050305030304" pitchFamily="18" charset="0"/>
+            </a:endParaRPr>
+          </a:p>
+          <a:p>
+            <a:r>
+              <a:rPr lang="en-US" sz="2000" dirty="0" smtClean="0">
+                <a:solidFill>
+                  <a:schemeClr val="bg1"/>
+                </a:solidFill>
+                <a:latin typeface="Book Antiqua" panose="02040602050305030304" pitchFamily="18" charset="0"/>
+              </a:rPr>
+              <a:t>NGUYỄN ĐỨC BẢO PHONG                             ĐẶNG VŨ NHẬT MINH</a:t>
+            </a:r>
+          </a:p>
+          <a:p>
+            <a:endParaRPr lang="en-US" sz="2000" dirty="0" smtClean="0">
+              <a:solidFill>
+                <a:schemeClr val="bg1"/>
+              </a:solidFill>
+              <a:latin typeface="Book Antiqua" panose="02040602050305030304" pitchFamily="18" charset="0"/>
+            </a:endParaRPr>
+          </a:p>
+          <a:p>
+            <a:r>
+              <a:rPr lang="en-US" sz="2000" dirty="0" smtClean="0">
+                <a:solidFill>
+                  <a:schemeClr val="bg1"/>
+                </a:solidFill>
+                <a:latin typeface="Book Antiqua" panose="02040602050305030304" pitchFamily="18" charset="0"/>
+              </a:rPr>
+              <a:t>TRƯƠNG HỮU VIỆT ANH</a:t>
+            </a:r>
+            <a:endParaRPr lang="en-US" sz="2000" dirty="0">
+              <a:solidFill>
+                <a:schemeClr val="bg1"/>
+              </a:solidFill>
+              <a:latin typeface="Book Antiqua" panose="02040602050305030304" pitchFamily="18" charset="0"/>
+            </a:endParaRPr>
+          </a:p>
+          <a:p>
+            <a:endParaRPr lang="en-US" sz="2000" dirty="0" smtClean="0">
+              <a:solidFill>
+                <a:schemeClr val="bg1"/>
+              </a:solidFill>
+              <a:latin typeface="Book Antiqua" panose="02040602050305030304" pitchFamily="18" charset="0"/>
+            </a:endParaRPr>
+          </a:p>
+        </p:txBody>
+      </p:sp>
+    </p:spTree>
+    <p:extLst>
+      <p:ext uri="{BB962C8B-B14F-4D97-AF65-F5344CB8AC3E}">
+        <p14:creationId xmlns:p14="http://schemas.microsoft.com/office/powerpoint/2010/main" val="1356052296"/>
+      </p:ext>
+    </p:extLst>
+  </p:cSld>
+  <p:clrMapOvr>
+    <a:masterClrMapping/>
+  </p:clrMapOvr>
+  <p:timing>
+    <p:tnLst>
+      <p:par>
+        <p:cTn id="1" dur="indefinite" restart="never" nodeType="tmRoot"/>
+      </p:par>
+    </p:tnLst>
+  </p:timing>
+</p:sld>
+</file>
+
+<file path=ppt/slides/slide3.xml><?xml version="1.0" encoding="utf-8"?>
 <p:sld xmlns:a="http://schemas.openxmlformats.org/drawingml/2006/main" xmlns:r="http://schemas.openxmlformats.org/officeDocument/2006/relationships" xmlns:p="http://schemas.openxmlformats.org/presentationml/2006/main">
   <p:cSld>
     <p:spTree>
@@ -39008,7 +44429,7 @@
 </p:sld>
 </file>
 
-<file path=ppt/slides/slide3.xml><?xml version="1.0" encoding="utf-8"?>
+<file path=ppt/slides/slide4.xml><?xml version="1.0" encoding="utf-8"?>
 <p:sld xmlns:a="http://schemas.openxmlformats.org/drawingml/2006/main" xmlns:r="http://schemas.openxmlformats.org/officeDocument/2006/relationships" xmlns:p="http://schemas.openxmlformats.org/presentationml/2006/main">
   <p:cSld>
     <p:spTree>
@@ -39350,7 +44771,7 @@
 </p:sld>
 </file>
 
-<file path=ppt/slides/slide4.xml><?xml version="1.0" encoding="utf-8"?>
+<file path=ppt/slides/slide5.xml><?xml version="1.0" encoding="utf-8"?>
 <p:sld xmlns:a="http://schemas.openxmlformats.org/drawingml/2006/main" xmlns:r="http://schemas.openxmlformats.org/officeDocument/2006/relationships" xmlns:p="http://schemas.openxmlformats.org/presentationml/2006/main">
   <p:cSld>
     <p:spTree>
@@ -41981,7 +47402,7 @@
 </p:sld>
 </file>
 
-<file path=ppt/slides/slide5.xml><?xml version="1.0" encoding="utf-8"?>
+<file path=ppt/slides/slide6.xml><?xml version="1.0" encoding="utf-8"?>
 <p:sld xmlns:a="http://schemas.openxmlformats.org/drawingml/2006/main" xmlns:r="http://schemas.openxmlformats.org/officeDocument/2006/relationships" xmlns:p="http://schemas.openxmlformats.org/presentationml/2006/main">
   <p:cSld>
     <p:spTree>
@@ -44617,7 +50038,7 @@
 </p:sld>
 </file>
 
-<file path=ppt/slides/slide6.xml><?xml version="1.0" encoding="utf-8"?>
+<file path=ppt/slides/slide7.xml><?xml version="1.0" encoding="utf-8"?>
 <p:sld xmlns:a="http://schemas.openxmlformats.org/drawingml/2006/main" xmlns:r="http://schemas.openxmlformats.org/officeDocument/2006/relationships" xmlns:p="http://schemas.openxmlformats.org/presentationml/2006/main">
   <p:cSld>
     <p:spTree>
@@ -47253,7 +52674,7 @@
 </p:sld>
 </file>
 
-<file path=ppt/slides/slide7.xml><?xml version="1.0" encoding="utf-8"?>
+<file path=ppt/slides/slide8.xml><?xml version="1.0" encoding="utf-8"?>
 <p:sld xmlns:a="http://schemas.openxmlformats.org/drawingml/2006/main" xmlns:r="http://schemas.openxmlformats.org/officeDocument/2006/relationships" xmlns:p="http://schemas.openxmlformats.org/presentationml/2006/main">
   <p:cSld>
     <p:spTree>
@@ -49889,7 +55310,7 @@
 </p:sld>
 </file>
 
-<file path=ppt/slides/slide8.xml><?xml version="1.0" encoding="utf-8"?>
+<file path=ppt/slides/slide9.xml><?xml version="1.0" encoding="utf-8"?>
 <p:sld xmlns:a="http://schemas.openxmlformats.org/drawingml/2006/main" xmlns:r="http://schemas.openxmlformats.org/officeDocument/2006/relationships" xmlns:p="http://schemas.openxmlformats.org/presentationml/2006/main">
   <p:cSld>
     <p:spTree>
@@ -50220,2642 +55641,6 @@
     <p:extLst>
       <p:ext uri="{BB962C8B-B14F-4D97-AF65-F5344CB8AC3E}">
         <p14:creationId xmlns:p14="http://schemas.microsoft.com/office/powerpoint/2010/main" val="2361695396"/>
-      </p:ext>
-    </p:extLst>
-  </p:cSld>
-  <p:clrMapOvr>
-    <a:masterClrMapping/>
-  </p:clrMapOvr>
-  <p:timing>
-    <p:tnLst>
-      <p:par>
-        <p:cTn id="1" dur="indefinite" restart="never" nodeType="tmRoot"/>
-      </p:par>
-    </p:tnLst>
-  </p:timing>
-</p:sld>
-</file>
-
-<file path=ppt/slides/slide9.xml><?xml version="1.0" encoding="utf-8"?>
-<p:sld xmlns:a="http://schemas.openxmlformats.org/drawingml/2006/main" xmlns:r="http://schemas.openxmlformats.org/officeDocument/2006/relationships" xmlns:p="http://schemas.openxmlformats.org/presentationml/2006/main">
-  <p:cSld>
-    <p:spTree>
-      <p:nvGrpSpPr>
-        <p:cNvPr id="1" name="Shape 600"/>
-        <p:cNvGrpSpPr/>
-        <p:nvPr/>
-      </p:nvGrpSpPr>
-      <p:grpSpPr>
-        <a:xfrm>
-          <a:off x="0" y="0"/>
-          <a:ext cx="0" cy="0"/>
-          <a:chOff x="0" y="0"/>
-          <a:chExt cx="0" cy="0"/>
-        </a:xfrm>
-      </p:grpSpPr>
-      <p:sp>
-        <p:nvSpPr>
-          <p:cNvPr id="601" name="Google Shape;601;p30"/>
-          <p:cNvSpPr txBox="1">
-            <a:spLocks noGrp="1"/>
-          </p:cNvSpPr>
-          <p:nvPr>
-            <p:ph type="ctrTitle" idx="8"/>
-          </p:nvPr>
-        </p:nvSpPr>
-        <p:spPr>
-          <a:xfrm>
-            <a:off x="413468" y="322370"/>
-            <a:ext cx="5888700" cy="577800"/>
-          </a:xfrm>
-          <a:prstGeom prst="rect">
-            <a:avLst/>
-          </a:prstGeom>
-        </p:spPr>
-        <p:txBody>
-          <a:bodyPr spcFirstLastPara="1" wrap="square" lIns="91425" tIns="91425" rIns="91425" bIns="91425" anchor="b" anchorCtr="0">
-            <a:noAutofit/>
-          </a:bodyPr>
-          <a:lstStyle/>
-          <a:p>
-            <a:pPr marL="0" lvl="0" indent="0" algn="l" rtl="0">
-              <a:spcBef>
-                <a:spcPts val="0"/>
-              </a:spcBef>
-              <a:spcAft>
-                <a:spcPts val="0"/>
-              </a:spcAft>
-              <a:buNone/>
-            </a:pPr>
-            <a:r>
-              <a:rPr lang="en" dirty="0" smtClean="0"/>
-              <a:t>DATA VISUALIZATION</a:t>
-            </a:r>
-            <a:endParaRPr sz="3000" dirty="0"/>
-          </a:p>
-        </p:txBody>
-      </p:sp>
-      <p:grpSp>
-        <p:nvGrpSpPr>
-          <p:cNvPr id="623" name="Google Shape;623;p30"/>
-          <p:cNvGrpSpPr/>
-          <p:nvPr/>
-        </p:nvGrpSpPr>
-        <p:grpSpPr>
-          <a:xfrm>
-            <a:off x="3630590" y="3198869"/>
-            <a:ext cx="484361" cy="484405"/>
-            <a:chOff x="4890434" y="4287389"/>
-            <a:chExt cx="345997" cy="346029"/>
-          </a:xfrm>
-        </p:grpSpPr>
-        <p:sp>
-          <p:nvSpPr>
-            <p:cNvPr id="624" name="Google Shape;624;p30"/>
-            <p:cNvSpPr/>
-            <p:nvPr/>
-          </p:nvSpPr>
-          <p:spPr>
-            <a:xfrm>
-              <a:off x="5111349" y="4400695"/>
-              <a:ext cx="54998" cy="54998"/>
-            </a:xfrm>
-            <a:custGeom>
-              <a:avLst/>
-              <a:gdLst/>
-              <a:ahLst/>
-              <a:cxnLst/>
-              <a:rect l="l" t="t" r="r" b="b"/>
-              <a:pathLst>
-                <a:path w="1728" h="1728" extrusionOk="0">
-                  <a:moveTo>
-                    <a:pt x="858" y="346"/>
-                  </a:moveTo>
-                  <a:cubicBezTo>
-                    <a:pt x="1144" y="346"/>
-                    <a:pt x="1382" y="584"/>
-                    <a:pt x="1382" y="870"/>
-                  </a:cubicBezTo>
-                  <a:cubicBezTo>
-                    <a:pt x="1382" y="1144"/>
-                    <a:pt x="1144" y="1382"/>
-                    <a:pt x="858" y="1382"/>
-                  </a:cubicBezTo>
-                  <a:cubicBezTo>
-                    <a:pt x="572" y="1382"/>
-                    <a:pt x="346" y="1144"/>
-                    <a:pt x="346" y="870"/>
-                  </a:cubicBezTo>
-                  <a:cubicBezTo>
-                    <a:pt x="346" y="584"/>
-                    <a:pt x="584" y="346"/>
-                    <a:pt x="858" y="346"/>
-                  </a:cubicBezTo>
-                  <a:close/>
-                  <a:moveTo>
-                    <a:pt x="858" y="1"/>
-                  </a:moveTo>
-                  <a:cubicBezTo>
-                    <a:pt x="382" y="1"/>
-                    <a:pt x="1" y="394"/>
-                    <a:pt x="1" y="870"/>
-                  </a:cubicBezTo>
-                  <a:cubicBezTo>
-                    <a:pt x="1" y="1346"/>
-                    <a:pt x="382" y="1727"/>
-                    <a:pt x="858" y="1727"/>
-                  </a:cubicBezTo>
-                  <a:cubicBezTo>
-                    <a:pt x="1334" y="1727"/>
-                    <a:pt x="1727" y="1346"/>
-                    <a:pt x="1727" y="870"/>
-                  </a:cubicBezTo>
-                  <a:cubicBezTo>
-                    <a:pt x="1727" y="394"/>
-                    <a:pt x="1334" y="1"/>
-                    <a:pt x="858" y="1"/>
-                  </a:cubicBezTo>
-                  <a:close/>
-                </a:path>
-              </a:pathLst>
-            </a:custGeom>
-            <a:solidFill>
-              <a:schemeClr val="dk2"/>
-            </a:solidFill>
-            <a:ln>
-              <a:noFill/>
-            </a:ln>
-          </p:spPr>
-          <p:txBody>
-            <a:bodyPr spcFirstLastPara="1" wrap="square" lIns="91425" tIns="91425" rIns="91425" bIns="91425" anchor="ctr" anchorCtr="0">
-              <a:noAutofit/>
-            </a:bodyPr>
-            <a:lstStyle/>
-            <a:p>
-              <a:pPr marL="0" lvl="0" indent="0" algn="l" rtl="0">
-                <a:spcBef>
-                  <a:spcPts val="0"/>
-                </a:spcBef>
-                <a:spcAft>
-                  <a:spcPts val="0"/>
-                </a:spcAft>
-                <a:buNone/>
-              </a:pPr>
-              <a:endParaRPr/>
-            </a:p>
-          </p:txBody>
-        </p:sp>
-        <p:sp>
-          <p:nvSpPr>
-            <p:cNvPr id="625" name="Google Shape;625;p30"/>
-            <p:cNvSpPr/>
-            <p:nvPr/>
-          </p:nvSpPr>
-          <p:spPr>
-            <a:xfrm>
-              <a:off x="5113640" y="4466642"/>
-              <a:ext cx="70498" cy="51179"/>
-            </a:xfrm>
-            <a:custGeom>
-              <a:avLst/>
-              <a:gdLst/>
-              <a:ahLst/>
-              <a:cxnLst/>
-              <a:rect l="l" t="t" r="r" b="b"/>
-              <a:pathLst>
-                <a:path w="2215" h="1608" extrusionOk="0">
-                  <a:moveTo>
-                    <a:pt x="786" y="1"/>
-                  </a:moveTo>
-                  <a:cubicBezTo>
-                    <a:pt x="548" y="1"/>
-                    <a:pt x="333" y="60"/>
-                    <a:pt x="119" y="167"/>
-                  </a:cubicBezTo>
-                  <a:cubicBezTo>
-                    <a:pt x="36" y="203"/>
-                    <a:pt x="0" y="310"/>
-                    <a:pt x="48" y="405"/>
-                  </a:cubicBezTo>
-                  <a:cubicBezTo>
-                    <a:pt x="73" y="463"/>
-                    <a:pt x="132" y="498"/>
-                    <a:pt x="198" y="498"/>
-                  </a:cubicBezTo>
-                  <a:cubicBezTo>
-                    <a:pt x="226" y="498"/>
-                    <a:pt x="257" y="491"/>
-                    <a:pt x="286" y="477"/>
-                  </a:cubicBezTo>
-                  <a:cubicBezTo>
-                    <a:pt x="429" y="382"/>
-                    <a:pt x="607" y="346"/>
-                    <a:pt x="786" y="346"/>
-                  </a:cubicBezTo>
-                  <a:cubicBezTo>
-                    <a:pt x="1322" y="346"/>
-                    <a:pt x="1774" y="727"/>
-                    <a:pt x="1857" y="1251"/>
-                  </a:cubicBezTo>
-                  <a:lnTo>
-                    <a:pt x="786" y="1251"/>
-                  </a:lnTo>
-                  <a:cubicBezTo>
-                    <a:pt x="703" y="1251"/>
-                    <a:pt x="607" y="1322"/>
-                    <a:pt x="607" y="1429"/>
-                  </a:cubicBezTo>
-                  <a:cubicBezTo>
-                    <a:pt x="607" y="1513"/>
-                    <a:pt x="679" y="1608"/>
-                    <a:pt x="786" y="1608"/>
-                  </a:cubicBezTo>
-                  <a:lnTo>
-                    <a:pt x="2036" y="1608"/>
-                  </a:lnTo>
-                  <a:cubicBezTo>
-                    <a:pt x="2131" y="1608"/>
-                    <a:pt x="2215" y="1536"/>
-                    <a:pt x="2215" y="1429"/>
-                  </a:cubicBezTo>
-                  <a:cubicBezTo>
-                    <a:pt x="2215" y="643"/>
-                    <a:pt x="1572" y="1"/>
-                    <a:pt x="786" y="1"/>
-                  </a:cubicBezTo>
-                  <a:close/>
-                </a:path>
-              </a:pathLst>
-            </a:custGeom>
-            <a:solidFill>
-              <a:schemeClr val="dk2"/>
-            </a:solidFill>
-            <a:ln>
-              <a:noFill/>
-            </a:ln>
-          </p:spPr>
-          <p:txBody>
-            <a:bodyPr spcFirstLastPara="1" wrap="square" lIns="91425" tIns="91425" rIns="91425" bIns="91425" anchor="ctr" anchorCtr="0">
-              <a:noAutofit/>
-            </a:bodyPr>
-            <a:lstStyle/>
-            <a:p>
-              <a:pPr marL="0" lvl="0" indent="0" algn="l" rtl="0">
-                <a:spcBef>
-                  <a:spcPts val="0"/>
-                </a:spcBef>
-                <a:spcAft>
-                  <a:spcPts val="0"/>
-                </a:spcAft>
-                <a:buNone/>
-              </a:pPr>
-              <a:endParaRPr/>
-            </a:p>
-          </p:txBody>
-        </p:sp>
-        <p:sp>
-          <p:nvSpPr>
-            <p:cNvPr id="626" name="Google Shape;626;p30"/>
-            <p:cNvSpPr/>
-            <p:nvPr/>
-          </p:nvSpPr>
-          <p:spPr>
-            <a:xfrm>
-              <a:off x="4943490" y="4467023"/>
-              <a:ext cx="70880" cy="51179"/>
-            </a:xfrm>
-            <a:custGeom>
-              <a:avLst/>
-              <a:gdLst/>
-              <a:ahLst/>
-              <a:cxnLst/>
-              <a:rect l="l" t="t" r="r" b="b"/>
-              <a:pathLst>
-                <a:path w="2227" h="1608" extrusionOk="0">
-                  <a:moveTo>
-                    <a:pt x="1429" y="0"/>
-                  </a:moveTo>
-                  <a:cubicBezTo>
-                    <a:pt x="643" y="0"/>
-                    <a:pt x="0" y="643"/>
-                    <a:pt x="0" y="1429"/>
-                  </a:cubicBezTo>
-                  <a:cubicBezTo>
-                    <a:pt x="0" y="1524"/>
-                    <a:pt x="84" y="1608"/>
-                    <a:pt x="179" y="1608"/>
-                  </a:cubicBezTo>
-                  <a:lnTo>
-                    <a:pt x="1453" y="1608"/>
-                  </a:lnTo>
-                  <a:cubicBezTo>
-                    <a:pt x="1536" y="1608"/>
-                    <a:pt x="1631" y="1536"/>
-                    <a:pt x="1631" y="1429"/>
-                  </a:cubicBezTo>
-                  <a:cubicBezTo>
-                    <a:pt x="1608" y="1322"/>
-                    <a:pt x="1536" y="1251"/>
-                    <a:pt x="1453" y="1251"/>
-                  </a:cubicBezTo>
-                  <a:lnTo>
-                    <a:pt x="357" y="1251"/>
-                  </a:lnTo>
-                  <a:cubicBezTo>
-                    <a:pt x="453" y="727"/>
-                    <a:pt x="893" y="346"/>
-                    <a:pt x="1429" y="346"/>
-                  </a:cubicBezTo>
-                  <a:cubicBezTo>
-                    <a:pt x="1608" y="346"/>
-                    <a:pt x="1786" y="393"/>
-                    <a:pt x="1941" y="477"/>
-                  </a:cubicBezTo>
-                  <a:cubicBezTo>
-                    <a:pt x="1966" y="491"/>
-                    <a:pt x="1994" y="498"/>
-                    <a:pt x="2022" y="498"/>
-                  </a:cubicBezTo>
-                  <a:cubicBezTo>
-                    <a:pt x="2084" y="498"/>
-                    <a:pt x="2146" y="463"/>
-                    <a:pt x="2179" y="405"/>
-                  </a:cubicBezTo>
-                  <a:cubicBezTo>
-                    <a:pt x="2227" y="310"/>
-                    <a:pt x="2191" y="215"/>
-                    <a:pt x="2108" y="167"/>
-                  </a:cubicBezTo>
-                  <a:cubicBezTo>
-                    <a:pt x="1893" y="60"/>
-                    <a:pt x="1667" y="0"/>
-                    <a:pt x="1429" y="0"/>
-                  </a:cubicBezTo>
-                  <a:close/>
-                </a:path>
-              </a:pathLst>
-            </a:custGeom>
-            <a:solidFill>
-              <a:schemeClr val="dk2"/>
-            </a:solidFill>
-            <a:ln>
-              <a:noFill/>
-            </a:ln>
-          </p:spPr>
-          <p:txBody>
-            <a:bodyPr spcFirstLastPara="1" wrap="square" lIns="91425" tIns="91425" rIns="91425" bIns="91425" anchor="ctr" anchorCtr="0">
-              <a:noAutofit/>
-            </a:bodyPr>
-            <a:lstStyle/>
-            <a:p>
-              <a:pPr marL="0" lvl="0" indent="0" algn="l" rtl="0">
-                <a:spcBef>
-                  <a:spcPts val="0"/>
-                </a:spcBef>
-                <a:spcAft>
-                  <a:spcPts val="0"/>
-                </a:spcAft>
-                <a:buNone/>
-              </a:pPr>
-              <a:endParaRPr/>
-            </a:p>
-          </p:txBody>
-        </p:sp>
-        <p:sp>
-          <p:nvSpPr>
-            <p:cNvPr id="627" name="Google Shape;627;p30"/>
-            <p:cNvSpPr/>
-            <p:nvPr/>
-          </p:nvSpPr>
-          <p:spPr>
-            <a:xfrm>
-              <a:off x="4961282" y="4400695"/>
-              <a:ext cx="54616" cy="54998"/>
-            </a:xfrm>
-            <a:custGeom>
-              <a:avLst/>
-              <a:gdLst/>
-              <a:ahLst/>
-              <a:cxnLst/>
-              <a:rect l="l" t="t" r="r" b="b"/>
-              <a:pathLst>
-                <a:path w="1716" h="1728" extrusionOk="0">
-                  <a:moveTo>
-                    <a:pt x="858" y="346"/>
-                  </a:moveTo>
-                  <a:cubicBezTo>
-                    <a:pt x="1144" y="346"/>
-                    <a:pt x="1382" y="584"/>
-                    <a:pt x="1382" y="870"/>
-                  </a:cubicBezTo>
-                  <a:cubicBezTo>
-                    <a:pt x="1382" y="1144"/>
-                    <a:pt x="1144" y="1382"/>
-                    <a:pt x="858" y="1382"/>
-                  </a:cubicBezTo>
-                  <a:cubicBezTo>
-                    <a:pt x="572" y="1382"/>
-                    <a:pt x="334" y="1144"/>
-                    <a:pt x="334" y="870"/>
-                  </a:cubicBezTo>
-                  <a:cubicBezTo>
-                    <a:pt x="358" y="584"/>
-                    <a:pt x="572" y="346"/>
-                    <a:pt x="858" y="346"/>
-                  </a:cubicBezTo>
-                  <a:close/>
-                  <a:moveTo>
-                    <a:pt x="858" y="1"/>
-                  </a:moveTo>
-                  <a:cubicBezTo>
-                    <a:pt x="382" y="1"/>
-                    <a:pt x="1" y="394"/>
-                    <a:pt x="1" y="870"/>
-                  </a:cubicBezTo>
-                  <a:cubicBezTo>
-                    <a:pt x="1" y="1346"/>
-                    <a:pt x="382" y="1727"/>
-                    <a:pt x="858" y="1727"/>
-                  </a:cubicBezTo>
-                  <a:cubicBezTo>
-                    <a:pt x="1334" y="1727"/>
-                    <a:pt x="1715" y="1346"/>
-                    <a:pt x="1715" y="870"/>
-                  </a:cubicBezTo>
-                  <a:cubicBezTo>
-                    <a:pt x="1715" y="394"/>
-                    <a:pt x="1334" y="1"/>
-                    <a:pt x="858" y="1"/>
-                  </a:cubicBezTo>
-                  <a:close/>
-                </a:path>
-              </a:pathLst>
-            </a:custGeom>
-            <a:solidFill>
-              <a:schemeClr val="dk2"/>
-            </a:solidFill>
-            <a:ln>
-              <a:noFill/>
-            </a:ln>
-          </p:spPr>
-          <p:txBody>
-            <a:bodyPr spcFirstLastPara="1" wrap="square" lIns="91425" tIns="91425" rIns="91425" bIns="91425" anchor="ctr" anchorCtr="0">
-              <a:noAutofit/>
-            </a:bodyPr>
-            <a:lstStyle/>
-            <a:p>
-              <a:pPr marL="0" lvl="0" indent="0" algn="l" rtl="0">
-                <a:spcBef>
-                  <a:spcPts val="0"/>
-                </a:spcBef>
-                <a:spcAft>
-                  <a:spcPts val="0"/>
-                </a:spcAft>
-                <a:buNone/>
-              </a:pPr>
-              <a:endParaRPr/>
-            </a:p>
-          </p:txBody>
-        </p:sp>
-        <p:sp>
-          <p:nvSpPr>
-            <p:cNvPr id="628" name="Google Shape;628;p30"/>
-            <p:cNvSpPr/>
-            <p:nvPr/>
-          </p:nvSpPr>
-          <p:spPr>
-            <a:xfrm>
-              <a:off x="5028374" y="4386691"/>
-              <a:ext cx="71262" cy="70880"/>
-            </a:xfrm>
-            <a:custGeom>
-              <a:avLst/>
-              <a:gdLst/>
-              <a:ahLst/>
-              <a:cxnLst/>
-              <a:rect l="l" t="t" r="r" b="b"/>
-              <a:pathLst>
-                <a:path w="2239" h="2227" extrusionOk="0">
-                  <a:moveTo>
-                    <a:pt x="1119" y="358"/>
-                  </a:moveTo>
-                  <a:cubicBezTo>
-                    <a:pt x="1536" y="358"/>
-                    <a:pt x="1893" y="691"/>
-                    <a:pt x="1893" y="1131"/>
-                  </a:cubicBezTo>
-                  <a:cubicBezTo>
-                    <a:pt x="1893" y="1548"/>
-                    <a:pt x="1548" y="1905"/>
-                    <a:pt x="1119" y="1905"/>
-                  </a:cubicBezTo>
-                  <a:cubicBezTo>
-                    <a:pt x="703" y="1905"/>
-                    <a:pt x="345" y="1560"/>
-                    <a:pt x="345" y="1131"/>
-                  </a:cubicBezTo>
-                  <a:cubicBezTo>
-                    <a:pt x="345" y="691"/>
-                    <a:pt x="679" y="358"/>
-                    <a:pt x="1119" y="358"/>
-                  </a:cubicBezTo>
-                  <a:close/>
-                  <a:moveTo>
-                    <a:pt x="1119" y="0"/>
-                  </a:moveTo>
-                  <a:cubicBezTo>
-                    <a:pt x="512" y="0"/>
-                    <a:pt x="0" y="500"/>
-                    <a:pt x="0" y="1108"/>
-                  </a:cubicBezTo>
-                  <a:cubicBezTo>
-                    <a:pt x="0" y="1739"/>
-                    <a:pt x="512" y="2227"/>
-                    <a:pt x="1119" y="2227"/>
-                  </a:cubicBezTo>
-                  <a:cubicBezTo>
-                    <a:pt x="1727" y="2227"/>
-                    <a:pt x="2239" y="1727"/>
-                    <a:pt x="2239" y="1108"/>
-                  </a:cubicBezTo>
-                  <a:cubicBezTo>
-                    <a:pt x="2239" y="500"/>
-                    <a:pt x="1727" y="0"/>
-                    <a:pt x="1119" y="0"/>
-                  </a:cubicBezTo>
-                  <a:close/>
-                </a:path>
-              </a:pathLst>
-            </a:custGeom>
-            <a:solidFill>
-              <a:schemeClr val="dk2"/>
-            </a:solidFill>
-            <a:ln>
-              <a:noFill/>
-            </a:ln>
-          </p:spPr>
-          <p:txBody>
-            <a:bodyPr spcFirstLastPara="1" wrap="square" lIns="91425" tIns="91425" rIns="91425" bIns="91425" anchor="ctr" anchorCtr="0">
-              <a:noAutofit/>
-            </a:bodyPr>
-            <a:lstStyle/>
-            <a:p>
-              <a:pPr marL="0" lvl="0" indent="0" algn="l" rtl="0">
-                <a:spcBef>
-                  <a:spcPts val="0"/>
-                </a:spcBef>
-                <a:spcAft>
-                  <a:spcPts val="0"/>
-                </a:spcAft>
-                <a:buNone/>
-              </a:pPr>
-              <a:endParaRPr/>
-            </a:p>
-          </p:txBody>
-        </p:sp>
-        <p:sp>
-          <p:nvSpPr>
-            <p:cNvPr id="629" name="Google Shape;629;p30"/>
-            <p:cNvSpPr/>
-            <p:nvPr/>
-          </p:nvSpPr>
-          <p:spPr>
-            <a:xfrm>
-              <a:off x="5004122" y="4468901"/>
-              <a:ext cx="120149" cy="65596"/>
-            </a:xfrm>
-            <a:custGeom>
-              <a:avLst/>
-              <a:gdLst/>
-              <a:ahLst/>
-              <a:cxnLst/>
-              <a:rect l="l" t="t" r="r" b="b"/>
-              <a:pathLst>
-                <a:path w="3775" h="2061" extrusionOk="0">
-                  <a:moveTo>
-                    <a:pt x="1881" y="346"/>
-                  </a:moveTo>
-                  <a:cubicBezTo>
-                    <a:pt x="2667" y="346"/>
-                    <a:pt x="3322" y="942"/>
-                    <a:pt x="3393" y="1704"/>
-                  </a:cubicBezTo>
-                  <a:lnTo>
-                    <a:pt x="357" y="1704"/>
-                  </a:lnTo>
-                  <a:cubicBezTo>
-                    <a:pt x="453" y="942"/>
-                    <a:pt x="1096" y="346"/>
-                    <a:pt x="1881" y="346"/>
-                  </a:cubicBezTo>
-                  <a:close/>
-                  <a:moveTo>
-                    <a:pt x="1881" y="1"/>
-                  </a:moveTo>
-                  <a:cubicBezTo>
-                    <a:pt x="834" y="1"/>
-                    <a:pt x="0" y="846"/>
-                    <a:pt x="0" y="1882"/>
-                  </a:cubicBezTo>
-                  <a:cubicBezTo>
-                    <a:pt x="0" y="1966"/>
-                    <a:pt x="84" y="2061"/>
-                    <a:pt x="179" y="2061"/>
-                  </a:cubicBezTo>
-                  <a:lnTo>
-                    <a:pt x="3596" y="2061"/>
-                  </a:lnTo>
-                  <a:cubicBezTo>
-                    <a:pt x="3679" y="2061"/>
-                    <a:pt x="3774" y="1977"/>
-                    <a:pt x="3774" y="1882"/>
-                  </a:cubicBezTo>
-                  <a:cubicBezTo>
-                    <a:pt x="3751" y="834"/>
-                    <a:pt x="2905" y="1"/>
-                    <a:pt x="1881" y="1"/>
-                  </a:cubicBezTo>
-                  <a:close/>
-                </a:path>
-              </a:pathLst>
-            </a:custGeom>
-            <a:solidFill>
-              <a:schemeClr val="dk2"/>
-            </a:solidFill>
-            <a:ln>
-              <a:noFill/>
-            </a:ln>
-          </p:spPr>
-          <p:txBody>
-            <a:bodyPr spcFirstLastPara="1" wrap="square" lIns="91425" tIns="91425" rIns="91425" bIns="91425" anchor="ctr" anchorCtr="0">
-              <a:noAutofit/>
-            </a:bodyPr>
-            <a:lstStyle/>
-            <a:p>
-              <a:pPr marL="0" lvl="0" indent="0" algn="l" rtl="0">
-                <a:spcBef>
-                  <a:spcPts val="0"/>
-                </a:spcBef>
-                <a:spcAft>
-                  <a:spcPts val="0"/>
-                </a:spcAft>
-                <a:buNone/>
-              </a:pPr>
-              <a:endParaRPr/>
-            </a:p>
-          </p:txBody>
-        </p:sp>
-        <p:sp>
-          <p:nvSpPr>
-            <p:cNvPr id="630" name="Google Shape;630;p30"/>
-            <p:cNvSpPr/>
-            <p:nvPr/>
-          </p:nvSpPr>
-          <p:spPr>
-            <a:xfrm>
-              <a:off x="4890434" y="4287389"/>
-              <a:ext cx="345997" cy="346029"/>
-            </a:xfrm>
-            <a:custGeom>
-              <a:avLst/>
-              <a:gdLst/>
-              <a:ahLst/>
-              <a:cxnLst/>
-              <a:rect l="l" t="t" r="r" b="b"/>
-              <a:pathLst>
-                <a:path w="10871" h="10872" extrusionOk="0">
-                  <a:moveTo>
-                    <a:pt x="5608" y="953"/>
-                  </a:moveTo>
-                  <a:cubicBezTo>
-                    <a:pt x="7954" y="1049"/>
-                    <a:pt x="9823" y="2918"/>
-                    <a:pt x="9918" y="5252"/>
-                  </a:cubicBezTo>
-                  <a:lnTo>
-                    <a:pt x="9502" y="5252"/>
-                  </a:lnTo>
-                  <a:cubicBezTo>
-                    <a:pt x="9406" y="5252"/>
-                    <a:pt x="9323" y="5335"/>
-                    <a:pt x="9323" y="5442"/>
-                  </a:cubicBezTo>
-                  <a:cubicBezTo>
-                    <a:pt x="9323" y="5525"/>
-                    <a:pt x="9394" y="5621"/>
-                    <a:pt x="9502" y="5621"/>
-                  </a:cubicBezTo>
-                  <a:lnTo>
-                    <a:pt x="9918" y="5621"/>
-                  </a:lnTo>
-                  <a:cubicBezTo>
-                    <a:pt x="9847" y="7954"/>
-                    <a:pt x="7954" y="9824"/>
-                    <a:pt x="5608" y="9919"/>
-                  </a:cubicBezTo>
-                  <a:lnTo>
-                    <a:pt x="5608" y="9502"/>
-                  </a:lnTo>
-                  <a:cubicBezTo>
-                    <a:pt x="5608" y="9407"/>
-                    <a:pt x="5537" y="9323"/>
-                    <a:pt x="5430" y="9323"/>
-                  </a:cubicBezTo>
-                  <a:cubicBezTo>
-                    <a:pt x="5346" y="9323"/>
-                    <a:pt x="5251" y="9395"/>
-                    <a:pt x="5251" y="9502"/>
-                  </a:cubicBezTo>
-                  <a:lnTo>
-                    <a:pt x="5251" y="9919"/>
-                  </a:lnTo>
-                  <a:cubicBezTo>
-                    <a:pt x="2917" y="9824"/>
-                    <a:pt x="1048" y="7954"/>
-                    <a:pt x="953" y="5621"/>
-                  </a:cubicBezTo>
-                  <a:lnTo>
-                    <a:pt x="1370" y="5621"/>
-                  </a:lnTo>
-                  <a:cubicBezTo>
-                    <a:pt x="1465" y="5621"/>
-                    <a:pt x="1548" y="5537"/>
-                    <a:pt x="1548" y="5442"/>
-                  </a:cubicBezTo>
-                  <a:cubicBezTo>
-                    <a:pt x="1548" y="5347"/>
-                    <a:pt x="1477" y="5252"/>
-                    <a:pt x="1370" y="5252"/>
-                  </a:cubicBezTo>
-                  <a:lnTo>
-                    <a:pt x="953" y="5252"/>
-                  </a:lnTo>
-                  <a:cubicBezTo>
-                    <a:pt x="1048" y="2918"/>
-                    <a:pt x="2917" y="1049"/>
-                    <a:pt x="5251" y="953"/>
-                  </a:cubicBezTo>
-                  <a:lnTo>
-                    <a:pt x="5251" y="1370"/>
-                  </a:lnTo>
-                  <a:cubicBezTo>
-                    <a:pt x="5251" y="1465"/>
-                    <a:pt x="5334" y="1549"/>
-                    <a:pt x="5430" y="1549"/>
-                  </a:cubicBezTo>
-                  <a:cubicBezTo>
-                    <a:pt x="5525" y="1549"/>
-                    <a:pt x="5608" y="1477"/>
-                    <a:pt x="5608" y="1370"/>
-                  </a:cubicBezTo>
-                  <a:lnTo>
-                    <a:pt x="5608" y="953"/>
-                  </a:lnTo>
-                  <a:close/>
-                  <a:moveTo>
-                    <a:pt x="5441" y="1"/>
-                  </a:moveTo>
-                  <a:cubicBezTo>
-                    <a:pt x="5346" y="1"/>
-                    <a:pt x="5263" y="84"/>
-                    <a:pt x="5263" y="179"/>
-                  </a:cubicBezTo>
-                  <a:lnTo>
-                    <a:pt x="5263" y="596"/>
-                  </a:lnTo>
-                  <a:cubicBezTo>
-                    <a:pt x="2727" y="691"/>
-                    <a:pt x="691" y="2727"/>
-                    <a:pt x="596" y="5263"/>
-                  </a:cubicBezTo>
-                  <a:lnTo>
-                    <a:pt x="179" y="5263"/>
-                  </a:lnTo>
-                  <a:cubicBezTo>
-                    <a:pt x="96" y="5263"/>
-                    <a:pt x="0" y="5335"/>
-                    <a:pt x="0" y="5442"/>
-                  </a:cubicBezTo>
-                  <a:cubicBezTo>
-                    <a:pt x="0" y="5525"/>
-                    <a:pt x="84" y="5621"/>
-                    <a:pt x="179" y="5621"/>
-                  </a:cubicBezTo>
-                  <a:lnTo>
-                    <a:pt x="596" y="5621"/>
-                  </a:lnTo>
-                  <a:cubicBezTo>
-                    <a:pt x="691" y="8145"/>
-                    <a:pt x="2727" y="10181"/>
-                    <a:pt x="5263" y="10276"/>
-                  </a:cubicBezTo>
-                  <a:lnTo>
-                    <a:pt x="5263" y="10693"/>
-                  </a:lnTo>
-                  <a:cubicBezTo>
-                    <a:pt x="5263" y="10776"/>
-                    <a:pt x="5334" y="10871"/>
-                    <a:pt x="5441" y="10871"/>
-                  </a:cubicBezTo>
-                  <a:cubicBezTo>
-                    <a:pt x="5525" y="10871"/>
-                    <a:pt x="5620" y="10800"/>
-                    <a:pt x="5620" y="10693"/>
-                  </a:cubicBezTo>
-                  <a:lnTo>
-                    <a:pt x="5620" y="10276"/>
-                  </a:lnTo>
-                  <a:cubicBezTo>
-                    <a:pt x="8144" y="10181"/>
-                    <a:pt x="10180" y="8145"/>
-                    <a:pt x="10275" y="5621"/>
-                  </a:cubicBezTo>
-                  <a:lnTo>
-                    <a:pt x="10692" y="5621"/>
-                  </a:lnTo>
-                  <a:cubicBezTo>
-                    <a:pt x="10775" y="5621"/>
-                    <a:pt x="10871" y="5537"/>
-                    <a:pt x="10871" y="5442"/>
-                  </a:cubicBezTo>
-                  <a:cubicBezTo>
-                    <a:pt x="10871" y="5347"/>
-                    <a:pt x="10799" y="5263"/>
-                    <a:pt x="10692" y="5263"/>
-                  </a:cubicBezTo>
-                  <a:lnTo>
-                    <a:pt x="10275" y="5263"/>
-                  </a:lnTo>
-                  <a:cubicBezTo>
-                    <a:pt x="10180" y="2727"/>
-                    <a:pt x="8144" y="691"/>
-                    <a:pt x="5620" y="596"/>
-                  </a:cubicBezTo>
-                  <a:lnTo>
-                    <a:pt x="5620" y="179"/>
-                  </a:lnTo>
-                  <a:cubicBezTo>
-                    <a:pt x="5620" y="96"/>
-                    <a:pt x="5537" y="1"/>
-                    <a:pt x="5441" y="1"/>
-                  </a:cubicBezTo>
-                  <a:close/>
-                </a:path>
-              </a:pathLst>
-            </a:custGeom>
-            <a:solidFill>
-              <a:schemeClr val="dk2"/>
-            </a:solidFill>
-            <a:ln>
-              <a:noFill/>
-            </a:ln>
-          </p:spPr>
-          <p:txBody>
-            <a:bodyPr spcFirstLastPara="1" wrap="square" lIns="91425" tIns="91425" rIns="91425" bIns="91425" anchor="ctr" anchorCtr="0">
-              <a:noAutofit/>
-            </a:bodyPr>
-            <a:lstStyle/>
-            <a:p>
-              <a:pPr marL="0" lvl="0" indent="0" algn="l" rtl="0">
-                <a:spcBef>
-                  <a:spcPts val="0"/>
-                </a:spcBef>
-                <a:spcAft>
-                  <a:spcPts val="0"/>
-                </a:spcAft>
-                <a:buNone/>
-              </a:pPr>
-              <a:endParaRPr/>
-            </a:p>
-          </p:txBody>
-        </p:sp>
-      </p:grpSp>
-      <p:grpSp>
-        <p:nvGrpSpPr>
-          <p:cNvPr id="637" name="Google Shape;637;p30"/>
-          <p:cNvGrpSpPr/>
-          <p:nvPr/>
-        </p:nvGrpSpPr>
-        <p:grpSpPr>
-          <a:xfrm>
-            <a:off x="3630860" y="1790353"/>
-            <a:ext cx="483826" cy="491133"/>
-            <a:chOff x="4874902" y="3808799"/>
-            <a:chExt cx="345615" cy="350835"/>
-          </a:xfrm>
-        </p:grpSpPr>
-        <p:sp>
-          <p:nvSpPr>
-            <p:cNvPr id="638" name="Google Shape;638;p30"/>
-            <p:cNvSpPr/>
-            <p:nvPr/>
-          </p:nvSpPr>
-          <p:spPr>
-            <a:xfrm>
-              <a:off x="4874902" y="3808799"/>
-              <a:ext cx="345615" cy="350835"/>
-            </a:xfrm>
-            <a:custGeom>
-              <a:avLst/>
-              <a:gdLst/>
-              <a:ahLst/>
-              <a:cxnLst/>
-              <a:rect l="l" t="t" r="r" b="b"/>
-              <a:pathLst>
-                <a:path w="10859" h="11023" extrusionOk="0">
-                  <a:moveTo>
-                    <a:pt x="6632" y="274"/>
-                  </a:moveTo>
-                  <a:cubicBezTo>
-                    <a:pt x="6858" y="274"/>
-                    <a:pt x="7037" y="453"/>
-                    <a:pt x="7037" y="679"/>
-                  </a:cubicBezTo>
-                  <a:cubicBezTo>
-                    <a:pt x="7037" y="905"/>
-                    <a:pt x="6858" y="1084"/>
-                    <a:pt x="6632" y="1084"/>
-                  </a:cubicBezTo>
-                  <a:lnTo>
-                    <a:pt x="4906" y="1084"/>
-                  </a:lnTo>
-                  <a:cubicBezTo>
-                    <a:pt x="4691" y="1084"/>
-                    <a:pt x="4513" y="905"/>
-                    <a:pt x="4513" y="679"/>
-                  </a:cubicBezTo>
-                  <a:cubicBezTo>
-                    <a:pt x="4513" y="453"/>
-                    <a:pt x="4691" y="274"/>
-                    <a:pt x="4906" y="274"/>
-                  </a:cubicBezTo>
-                  <a:close/>
-                  <a:moveTo>
-                    <a:pt x="5965" y="1405"/>
-                  </a:moveTo>
-                  <a:lnTo>
-                    <a:pt x="5965" y="1965"/>
-                  </a:lnTo>
-                  <a:lnTo>
-                    <a:pt x="5572" y="1965"/>
-                  </a:lnTo>
-                  <a:lnTo>
-                    <a:pt x="5572" y="1405"/>
-                  </a:lnTo>
-                  <a:close/>
-                  <a:moveTo>
-                    <a:pt x="5790" y="2285"/>
-                  </a:moveTo>
-                  <a:cubicBezTo>
-                    <a:pt x="7012" y="2285"/>
-                    <a:pt x="8209" y="2830"/>
-                    <a:pt x="9037" y="3834"/>
-                  </a:cubicBezTo>
-                  <a:cubicBezTo>
-                    <a:pt x="10513" y="5632"/>
-                    <a:pt x="10228" y="8287"/>
-                    <a:pt x="8430" y="9763"/>
-                  </a:cubicBezTo>
-                  <a:cubicBezTo>
-                    <a:pt x="7647" y="10392"/>
-                    <a:pt x="6705" y="10700"/>
-                    <a:pt x="5771" y="10700"/>
-                  </a:cubicBezTo>
-                  <a:cubicBezTo>
-                    <a:pt x="4545" y="10700"/>
-                    <a:pt x="3331" y="10171"/>
-                    <a:pt x="2500" y="9144"/>
-                  </a:cubicBezTo>
-                  <a:cubicBezTo>
-                    <a:pt x="405" y="6573"/>
-                    <a:pt x="2000" y="2715"/>
-                    <a:pt x="5239" y="2322"/>
-                  </a:cubicBezTo>
-                  <a:cubicBezTo>
-                    <a:pt x="5422" y="2297"/>
-                    <a:pt x="5606" y="2285"/>
-                    <a:pt x="5790" y="2285"/>
-                  </a:cubicBezTo>
-                  <a:close/>
-                  <a:moveTo>
-                    <a:pt x="4917" y="0"/>
-                  </a:moveTo>
-                  <a:cubicBezTo>
-                    <a:pt x="4513" y="0"/>
-                    <a:pt x="4203" y="322"/>
-                    <a:pt x="4203" y="715"/>
-                  </a:cubicBezTo>
-                  <a:cubicBezTo>
-                    <a:pt x="4203" y="1108"/>
-                    <a:pt x="4525" y="1429"/>
-                    <a:pt x="4917" y="1429"/>
-                  </a:cubicBezTo>
-                  <a:lnTo>
-                    <a:pt x="5251" y="1429"/>
-                  </a:lnTo>
-                  <a:lnTo>
-                    <a:pt x="5251" y="1989"/>
-                  </a:lnTo>
-                  <a:cubicBezTo>
-                    <a:pt x="1727" y="2393"/>
-                    <a:pt x="0" y="6573"/>
-                    <a:pt x="2262" y="9359"/>
-                  </a:cubicBezTo>
-                  <a:cubicBezTo>
-                    <a:pt x="3161" y="10454"/>
-                    <a:pt x="4471" y="11023"/>
-                    <a:pt x="5790" y="11023"/>
-                  </a:cubicBezTo>
-                  <a:cubicBezTo>
-                    <a:pt x="6795" y="11023"/>
-                    <a:pt x="7805" y="10693"/>
-                    <a:pt x="8644" y="10013"/>
-                  </a:cubicBezTo>
-                  <a:cubicBezTo>
-                    <a:pt x="10585" y="8430"/>
-                    <a:pt x="10859" y="5561"/>
-                    <a:pt x="9287" y="3632"/>
-                  </a:cubicBezTo>
-                  <a:cubicBezTo>
-                    <a:pt x="8513" y="2679"/>
-                    <a:pt x="7430" y="2120"/>
-                    <a:pt x="6299" y="1989"/>
-                  </a:cubicBezTo>
-                  <a:lnTo>
-                    <a:pt x="6299" y="1429"/>
-                  </a:lnTo>
-                  <a:lnTo>
-                    <a:pt x="6644" y="1429"/>
-                  </a:lnTo>
-                  <a:cubicBezTo>
-                    <a:pt x="7037" y="1429"/>
-                    <a:pt x="7358" y="1096"/>
-                    <a:pt x="7358" y="715"/>
-                  </a:cubicBezTo>
-                  <a:cubicBezTo>
-                    <a:pt x="7358" y="310"/>
-                    <a:pt x="7025" y="0"/>
-                    <a:pt x="6644" y="0"/>
-                  </a:cubicBezTo>
-                  <a:close/>
-                </a:path>
-              </a:pathLst>
-            </a:custGeom>
-            <a:solidFill>
-              <a:schemeClr val="dk2"/>
-            </a:solidFill>
-            <a:ln>
-              <a:noFill/>
-            </a:ln>
-          </p:spPr>
-          <p:txBody>
-            <a:bodyPr spcFirstLastPara="1" wrap="square" lIns="91425" tIns="91425" rIns="91425" bIns="91425" anchor="ctr" anchorCtr="0">
-              <a:noAutofit/>
-            </a:bodyPr>
-            <a:lstStyle/>
-            <a:p>
-              <a:pPr marL="0" lvl="0" indent="0" algn="l" rtl="0">
-                <a:spcBef>
-                  <a:spcPts val="0"/>
-                </a:spcBef>
-                <a:spcAft>
-                  <a:spcPts val="0"/>
-                </a:spcAft>
-                <a:buNone/>
-              </a:pPr>
-              <a:endParaRPr/>
-            </a:p>
-          </p:txBody>
-        </p:sp>
-        <p:sp>
-          <p:nvSpPr>
-            <p:cNvPr id="639" name="Google Shape;639;p30"/>
-            <p:cNvSpPr/>
-            <p:nvPr/>
-          </p:nvSpPr>
-          <p:spPr>
-            <a:xfrm>
-              <a:off x="4939321" y="4009630"/>
-              <a:ext cx="145929" cy="123618"/>
-            </a:xfrm>
-            <a:custGeom>
-              <a:avLst/>
-              <a:gdLst/>
-              <a:ahLst/>
-              <a:cxnLst/>
-              <a:rect l="l" t="t" r="r" b="b"/>
-              <a:pathLst>
-                <a:path w="4585" h="3884" extrusionOk="0">
-                  <a:moveTo>
-                    <a:pt x="203" y="1"/>
-                  </a:moveTo>
-                  <a:cubicBezTo>
-                    <a:pt x="119" y="1"/>
-                    <a:pt x="48" y="72"/>
-                    <a:pt x="48" y="155"/>
-                  </a:cubicBezTo>
-                  <a:cubicBezTo>
-                    <a:pt x="48" y="203"/>
-                    <a:pt x="0" y="965"/>
-                    <a:pt x="429" y="1810"/>
-                  </a:cubicBezTo>
-                  <a:cubicBezTo>
-                    <a:pt x="691" y="2334"/>
-                    <a:pt x="1072" y="2799"/>
-                    <a:pt x="1548" y="3156"/>
-                  </a:cubicBezTo>
-                  <a:cubicBezTo>
-                    <a:pt x="2212" y="3644"/>
-                    <a:pt x="2997" y="3883"/>
-                    <a:pt x="3771" y="3883"/>
-                  </a:cubicBezTo>
-                  <a:cubicBezTo>
-                    <a:pt x="3996" y="3883"/>
-                    <a:pt x="4221" y="3863"/>
-                    <a:pt x="4441" y="3823"/>
-                  </a:cubicBezTo>
-                  <a:cubicBezTo>
-                    <a:pt x="4525" y="3811"/>
-                    <a:pt x="4584" y="3715"/>
-                    <a:pt x="4572" y="3632"/>
-                  </a:cubicBezTo>
-                  <a:cubicBezTo>
-                    <a:pt x="4540" y="3545"/>
-                    <a:pt x="4477" y="3488"/>
-                    <a:pt x="4394" y="3488"/>
-                  </a:cubicBezTo>
-                  <a:cubicBezTo>
-                    <a:pt x="4386" y="3488"/>
-                    <a:pt x="4378" y="3488"/>
-                    <a:pt x="4370" y="3489"/>
-                  </a:cubicBezTo>
-                  <a:cubicBezTo>
-                    <a:pt x="4161" y="3528"/>
-                    <a:pt x="3950" y="3547"/>
-                    <a:pt x="3739" y="3547"/>
-                  </a:cubicBezTo>
-                  <a:cubicBezTo>
-                    <a:pt x="3035" y="3547"/>
-                    <a:pt x="2334" y="3331"/>
-                    <a:pt x="1739" y="2882"/>
-                  </a:cubicBezTo>
-                  <a:cubicBezTo>
-                    <a:pt x="286" y="1810"/>
-                    <a:pt x="369" y="155"/>
-                    <a:pt x="369" y="155"/>
-                  </a:cubicBezTo>
-                  <a:cubicBezTo>
-                    <a:pt x="369" y="72"/>
-                    <a:pt x="298" y="1"/>
-                    <a:pt x="203" y="1"/>
-                  </a:cubicBezTo>
-                  <a:close/>
-                </a:path>
-              </a:pathLst>
-            </a:custGeom>
-            <a:solidFill>
-              <a:schemeClr val="dk2"/>
-            </a:solidFill>
-            <a:ln>
-              <a:noFill/>
-            </a:ln>
-          </p:spPr>
-          <p:txBody>
-            <a:bodyPr spcFirstLastPara="1" wrap="square" lIns="91425" tIns="91425" rIns="91425" bIns="91425" anchor="ctr" anchorCtr="0">
-              <a:noAutofit/>
-            </a:bodyPr>
-            <a:lstStyle/>
-            <a:p>
-              <a:pPr marL="0" lvl="0" indent="0" algn="l" rtl="0">
-                <a:spcBef>
-                  <a:spcPts val="0"/>
-                </a:spcBef>
-                <a:spcAft>
-                  <a:spcPts val="0"/>
-                </a:spcAft>
-                <a:buNone/>
-              </a:pPr>
-              <a:endParaRPr/>
-            </a:p>
-          </p:txBody>
-        </p:sp>
-        <p:sp>
-          <p:nvSpPr>
-            <p:cNvPr id="640" name="Google Shape;640;p30"/>
-            <p:cNvSpPr/>
-            <p:nvPr/>
-          </p:nvSpPr>
-          <p:spPr>
-            <a:xfrm>
-              <a:off x="4942344" y="3897629"/>
-              <a:ext cx="205033" cy="101816"/>
-            </a:xfrm>
-            <a:custGeom>
-              <a:avLst/>
-              <a:gdLst/>
-              <a:ahLst/>
-              <a:cxnLst/>
-              <a:rect l="l" t="t" r="r" b="b"/>
-              <a:pathLst>
-                <a:path w="6442" h="3199" extrusionOk="0">
-                  <a:moveTo>
-                    <a:pt x="3666" y="0"/>
-                  </a:moveTo>
-                  <a:cubicBezTo>
-                    <a:pt x="1972" y="0"/>
-                    <a:pt x="363" y="1175"/>
-                    <a:pt x="24" y="3008"/>
-                  </a:cubicBezTo>
-                  <a:cubicBezTo>
-                    <a:pt x="0" y="3115"/>
-                    <a:pt x="72" y="3198"/>
-                    <a:pt x="179" y="3198"/>
-                  </a:cubicBezTo>
-                  <a:cubicBezTo>
-                    <a:pt x="251" y="3198"/>
-                    <a:pt x="322" y="3139"/>
-                    <a:pt x="334" y="3067"/>
-                  </a:cubicBezTo>
-                  <a:cubicBezTo>
-                    <a:pt x="656" y="1384"/>
-                    <a:pt x="2127" y="318"/>
-                    <a:pt x="3670" y="318"/>
-                  </a:cubicBezTo>
-                  <a:cubicBezTo>
-                    <a:pt x="4353" y="318"/>
-                    <a:pt x="5050" y="527"/>
-                    <a:pt x="5668" y="984"/>
-                  </a:cubicBezTo>
-                  <a:cubicBezTo>
-                    <a:pt x="5846" y="1115"/>
-                    <a:pt x="5989" y="1257"/>
-                    <a:pt x="6144" y="1412"/>
-                  </a:cubicBezTo>
-                  <a:cubicBezTo>
-                    <a:pt x="6180" y="1448"/>
-                    <a:pt x="6228" y="1471"/>
-                    <a:pt x="6274" y="1471"/>
-                  </a:cubicBezTo>
-                  <a:cubicBezTo>
-                    <a:pt x="6305" y="1471"/>
-                    <a:pt x="6334" y="1460"/>
-                    <a:pt x="6358" y="1436"/>
-                  </a:cubicBezTo>
-                  <a:cubicBezTo>
-                    <a:pt x="6430" y="1377"/>
-                    <a:pt x="6442" y="1269"/>
-                    <a:pt x="6382" y="1210"/>
-                  </a:cubicBezTo>
-                  <a:cubicBezTo>
-                    <a:pt x="6216" y="1031"/>
-                    <a:pt x="6049" y="876"/>
-                    <a:pt x="5858" y="734"/>
-                  </a:cubicBezTo>
-                  <a:cubicBezTo>
-                    <a:pt x="5179" y="230"/>
-                    <a:pt x="4414" y="0"/>
-                    <a:pt x="3666" y="0"/>
-                  </a:cubicBezTo>
-                  <a:close/>
-                </a:path>
-              </a:pathLst>
-            </a:custGeom>
-            <a:solidFill>
-              <a:schemeClr val="dk2"/>
-            </a:solidFill>
-            <a:ln>
-              <a:noFill/>
-            </a:ln>
-          </p:spPr>
-          <p:txBody>
-            <a:bodyPr spcFirstLastPara="1" wrap="square" lIns="91425" tIns="91425" rIns="91425" bIns="91425" anchor="ctr" anchorCtr="0">
-              <a:noAutofit/>
-            </a:bodyPr>
-            <a:lstStyle/>
-            <a:p>
-              <a:pPr marL="0" lvl="0" indent="0" algn="l" rtl="0">
-                <a:spcBef>
-                  <a:spcPts val="0"/>
-                </a:spcBef>
-                <a:spcAft>
-                  <a:spcPts val="0"/>
-                </a:spcAft>
-                <a:buNone/>
-              </a:pPr>
-              <a:endParaRPr/>
-            </a:p>
-          </p:txBody>
-        </p:sp>
-        <p:sp>
-          <p:nvSpPr>
-            <p:cNvPr id="641" name="Google Shape;641;p30"/>
-            <p:cNvSpPr/>
-            <p:nvPr/>
-          </p:nvSpPr>
-          <p:spPr>
-            <a:xfrm>
-              <a:off x="5092729" y="3950240"/>
-              <a:ext cx="84597" cy="175465"/>
-            </a:xfrm>
-            <a:custGeom>
-              <a:avLst/>
-              <a:gdLst/>
-              <a:ahLst/>
-              <a:cxnLst/>
-              <a:rect l="l" t="t" r="r" b="b"/>
-              <a:pathLst>
-                <a:path w="2658" h="5513" extrusionOk="0">
-                  <a:moveTo>
-                    <a:pt x="1939" y="0"/>
-                  </a:moveTo>
-                  <a:cubicBezTo>
-                    <a:pt x="1907" y="0"/>
-                    <a:pt x="1875" y="11"/>
-                    <a:pt x="1848" y="33"/>
-                  </a:cubicBezTo>
-                  <a:cubicBezTo>
-                    <a:pt x="1776" y="81"/>
-                    <a:pt x="1741" y="176"/>
-                    <a:pt x="1800" y="259"/>
-                  </a:cubicBezTo>
-                  <a:cubicBezTo>
-                    <a:pt x="2145" y="795"/>
-                    <a:pt x="2324" y="1414"/>
-                    <a:pt x="2324" y="2057"/>
-                  </a:cubicBezTo>
-                  <a:cubicBezTo>
-                    <a:pt x="2324" y="3486"/>
-                    <a:pt x="1431" y="4724"/>
-                    <a:pt x="169" y="5200"/>
-                  </a:cubicBezTo>
-                  <a:cubicBezTo>
-                    <a:pt x="1" y="5263"/>
-                    <a:pt x="55" y="5512"/>
-                    <a:pt x="218" y="5512"/>
-                  </a:cubicBezTo>
-                  <a:cubicBezTo>
-                    <a:pt x="239" y="5512"/>
-                    <a:pt x="263" y="5508"/>
-                    <a:pt x="288" y="5498"/>
-                  </a:cubicBezTo>
-                  <a:cubicBezTo>
-                    <a:pt x="1669" y="4962"/>
-                    <a:pt x="2657" y="3605"/>
-                    <a:pt x="2657" y="2045"/>
-                  </a:cubicBezTo>
-                  <a:cubicBezTo>
-                    <a:pt x="2622" y="1343"/>
-                    <a:pt x="2431" y="676"/>
-                    <a:pt x="2074" y="81"/>
-                  </a:cubicBezTo>
-                  <a:cubicBezTo>
-                    <a:pt x="2044" y="29"/>
-                    <a:pt x="1992" y="0"/>
-                    <a:pt x="1939" y="0"/>
-                  </a:cubicBezTo>
-                  <a:close/>
-                </a:path>
-              </a:pathLst>
-            </a:custGeom>
-            <a:solidFill>
-              <a:schemeClr val="dk2"/>
-            </a:solidFill>
-            <a:ln>
-              <a:noFill/>
-            </a:ln>
-          </p:spPr>
-          <p:txBody>
-            <a:bodyPr spcFirstLastPara="1" wrap="square" lIns="91425" tIns="91425" rIns="91425" bIns="91425" anchor="ctr" anchorCtr="0">
-              <a:noAutofit/>
-            </a:bodyPr>
-            <a:lstStyle/>
-            <a:p>
-              <a:pPr marL="0" lvl="0" indent="0" algn="l" rtl="0">
-                <a:spcBef>
-                  <a:spcPts val="0"/>
-                </a:spcBef>
-                <a:spcAft>
-                  <a:spcPts val="0"/>
-                </a:spcAft>
-                <a:buNone/>
-              </a:pPr>
-              <a:endParaRPr/>
-            </a:p>
-          </p:txBody>
-        </p:sp>
-        <p:sp>
-          <p:nvSpPr>
-            <p:cNvPr id="642" name="Google Shape;642;p30"/>
-            <p:cNvSpPr/>
-            <p:nvPr/>
-          </p:nvSpPr>
-          <p:spPr>
-            <a:xfrm>
-              <a:off x="5004886" y="3993717"/>
-              <a:ext cx="81478" cy="55348"/>
-            </a:xfrm>
-            <a:custGeom>
-              <a:avLst/>
-              <a:gdLst/>
-              <a:ahLst/>
-              <a:cxnLst/>
-              <a:rect l="l" t="t" r="r" b="b"/>
-              <a:pathLst>
-                <a:path w="2560" h="1739" extrusionOk="0">
-                  <a:moveTo>
-                    <a:pt x="1691" y="334"/>
-                  </a:moveTo>
-                  <a:cubicBezTo>
-                    <a:pt x="1976" y="334"/>
-                    <a:pt x="2143" y="655"/>
-                    <a:pt x="1976" y="882"/>
-                  </a:cubicBezTo>
-                  <a:cubicBezTo>
-                    <a:pt x="1913" y="974"/>
-                    <a:pt x="1806" y="1024"/>
-                    <a:pt x="1698" y="1024"/>
-                  </a:cubicBezTo>
-                  <a:cubicBezTo>
-                    <a:pt x="1625" y="1024"/>
-                    <a:pt x="1551" y="1001"/>
-                    <a:pt x="1488" y="953"/>
-                  </a:cubicBezTo>
-                  <a:cubicBezTo>
-                    <a:pt x="1214" y="763"/>
-                    <a:pt x="1369" y="334"/>
-                    <a:pt x="1691" y="334"/>
-                  </a:cubicBezTo>
-                  <a:close/>
-                  <a:moveTo>
-                    <a:pt x="1691" y="1"/>
-                  </a:moveTo>
-                  <a:cubicBezTo>
-                    <a:pt x="1584" y="1"/>
-                    <a:pt x="1334" y="36"/>
-                    <a:pt x="1155" y="274"/>
-                  </a:cubicBezTo>
-                  <a:cubicBezTo>
-                    <a:pt x="1024" y="453"/>
-                    <a:pt x="988" y="655"/>
-                    <a:pt x="1048" y="846"/>
-                  </a:cubicBezTo>
-                  <a:lnTo>
-                    <a:pt x="131" y="1441"/>
-                  </a:lnTo>
-                  <a:cubicBezTo>
-                    <a:pt x="0" y="1536"/>
-                    <a:pt x="60" y="1739"/>
-                    <a:pt x="214" y="1739"/>
-                  </a:cubicBezTo>
-                  <a:cubicBezTo>
-                    <a:pt x="310" y="1739"/>
-                    <a:pt x="262" y="1727"/>
-                    <a:pt x="1214" y="1132"/>
-                  </a:cubicBezTo>
-                  <a:cubicBezTo>
-                    <a:pt x="1346" y="1279"/>
-                    <a:pt x="1520" y="1349"/>
-                    <a:pt x="1692" y="1349"/>
-                  </a:cubicBezTo>
-                  <a:cubicBezTo>
-                    <a:pt x="1896" y="1349"/>
-                    <a:pt x="2098" y="1252"/>
-                    <a:pt x="2226" y="1072"/>
-                  </a:cubicBezTo>
-                  <a:cubicBezTo>
-                    <a:pt x="2560" y="632"/>
-                    <a:pt x="2238" y="1"/>
-                    <a:pt x="1691" y="1"/>
-                  </a:cubicBezTo>
-                  <a:close/>
-                </a:path>
-              </a:pathLst>
-            </a:custGeom>
-            <a:solidFill>
-              <a:schemeClr val="dk2"/>
-            </a:solidFill>
-            <a:ln>
-              <a:noFill/>
-            </a:ln>
-          </p:spPr>
-          <p:txBody>
-            <a:bodyPr spcFirstLastPara="1" wrap="square" lIns="91425" tIns="91425" rIns="91425" bIns="91425" anchor="ctr" anchorCtr="0">
-              <a:noAutofit/>
-            </a:bodyPr>
-            <a:lstStyle/>
-            <a:p>
-              <a:pPr marL="0" lvl="0" indent="0" algn="l" rtl="0">
-                <a:spcBef>
-                  <a:spcPts val="0"/>
-                </a:spcBef>
-                <a:spcAft>
-                  <a:spcPts val="0"/>
-                </a:spcAft>
-                <a:buNone/>
-              </a:pPr>
-              <a:endParaRPr/>
-            </a:p>
-          </p:txBody>
-        </p:sp>
-        <p:sp>
-          <p:nvSpPr>
-            <p:cNvPr id="643" name="Google Shape;643;p30"/>
-            <p:cNvSpPr/>
-            <p:nvPr/>
-          </p:nvSpPr>
-          <p:spPr>
-            <a:xfrm>
-              <a:off x="5053391" y="3915262"/>
-              <a:ext cx="10630" cy="29982"/>
-            </a:xfrm>
-            <a:custGeom>
-              <a:avLst/>
-              <a:gdLst/>
-              <a:ahLst/>
-              <a:cxnLst/>
-              <a:rect l="l" t="t" r="r" b="b"/>
-              <a:pathLst>
-                <a:path w="334" h="942" extrusionOk="0">
-                  <a:moveTo>
-                    <a:pt x="167" y="1"/>
-                  </a:moveTo>
-                  <a:cubicBezTo>
-                    <a:pt x="83" y="1"/>
-                    <a:pt x="0" y="72"/>
-                    <a:pt x="0" y="168"/>
-                  </a:cubicBezTo>
-                  <a:lnTo>
-                    <a:pt x="0" y="775"/>
-                  </a:lnTo>
-                  <a:cubicBezTo>
-                    <a:pt x="0" y="858"/>
-                    <a:pt x="83" y="942"/>
-                    <a:pt x="167" y="942"/>
-                  </a:cubicBezTo>
-                  <a:cubicBezTo>
-                    <a:pt x="262" y="942"/>
-                    <a:pt x="333" y="858"/>
-                    <a:pt x="333" y="775"/>
-                  </a:cubicBezTo>
-                  <a:lnTo>
-                    <a:pt x="333" y="168"/>
-                  </a:lnTo>
-                  <a:cubicBezTo>
-                    <a:pt x="333" y="72"/>
-                    <a:pt x="262" y="1"/>
-                    <a:pt x="167" y="1"/>
-                  </a:cubicBezTo>
-                  <a:close/>
-                </a:path>
-              </a:pathLst>
-            </a:custGeom>
-            <a:solidFill>
-              <a:schemeClr val="dk2"/>
-            </a:solidFill>
-            <a:ln>
-              <a:noFill/>
-            </a:ln>
-          </p:spPr>
-          <p:txBody>
-            <a:bodyPr spcFirstLastPara="1" wrap="square" lIns="91425" tIns="91425" rIns="91425" bIns="91425" anchor="ctr" anchorCtr="0">
-              <a:noAutofit/>
-            </a:bodyPr>
-            <a:lstStyle/>
-            <a:p>
-              <a:pPr marL="0" lvl="0" indent="0" algn="l" rtl="0">
-                <a:spcBef>
-                  <a:spcPts val="0"/>
-                </a:spcBef>
-                <a:spcAft>
-                  <a:spcPts val="0"/>
-                </a:spcAft>
-                <a:buNone/>
-              </a:pPr>
-              <a:endParaRPr/>
-            </a:p>
-          </p:txBody>
-        </p:sp>
-        <p:sp>
-          <p:nvSpPr>
-            <p:cNvPr id="644" name="Google Shape;644;p30"/>
-            <p:cNvSpPr/>
-            <p:nvPr/>
-          </p:nvSpPr>
-          <p:spPr>
-            <a:xfrm>
-              <a:off x="5005236" y="3928216"/>
-              <a:ext cx="21261" cy="26894"/>
-            </a:xfrm>
-            <a:custGeom>
-              <a:avLst/>
-              <a:gdLst/>
-              <a:ahLst/>
-              <a:cxnLst/>
-              <a:rect l="l" t="t" r="r" b="b"/>
-              <a:pathLst>
-                <a:path w="668" h="845" extrusionOk="0">
-                  <a:moveTo>
-                    <a:pt x="183" y="1"/>
-                  </a:moveTo>
-                  <a:cubicBezTo>
-                    <a:pt x="156" y="1"/>
-                    <a:pt x="130" y="8"/>
-                    <a:pt x="108" y="23"/>
-                  </a:cubicBezTo>
-                  <a:cubicBezTo>
-                    <a:pt x="25" y="70"/>
-                    <a:pt x="1" y="177"/>
-                    <a:pt x="49" y="249"/>
-                  </a:cubicBezTo>
-                  <a:lnTo>
-                    <a:pt x="346" y="773"/>
-                  </a:lnTo>
-                  <a:cubicBezTo>
-                    <a:pt x="382" y="808"/>
-                    <a:pt x="430" y="844"/>
-                    <a:pt x="489" y="844"/>
-                  </a:cubicBezTo>
-                  <a:cubicBezTo>
-                    <a:pt x="525" y="844"/>
-                    <a:pt x="549" y="844"/>
-                    <a:pt x="561" y="832"/>
-                  </a:cubicBezTo>
-                  <a:cubicBezTo>
-                    <a:pt x="644" y="785"/>
-                    <a:pt x="668" y="677"/>
-                    <a:pt x="620" y="606"/>
-                  </a:cubicBezTo>
-                  <a:lnTo>
-                    <a:pt x="322" y="82"/>
-                  </a:lnTo>
-                  <a:cubicBezTo>
-                    <a:pt x="298" y="33"/>
-                    <a:pt x="240" y="1"/>
-                    <a:pt x="183" y="1"/>
-                  </a:cubicBezTo>
-                  <a:close/>
-                </a:path>
-              </a:pathLst>
-            </a:custGeom>
-            <a:solidFill>
-              <a:schemeClr val="dk2"/>
-            </a:solidFill>
-            <a:ln>
-              <a:noFill/>
-            </a:ln>
-          </p:spPr>
-          <p:txBody>
-            <a:bodyPr spcFirstLastPara="1" wrap="square" lIns="91425" tIns="91425" rIns="91425" bIns="91425" anchor="ctr" anchorCtr="0">
-              <a:noAutofit/>
-            </a:bodyPr>
-            <a:lstStyle/>
-            <a:p>
-              <a:pPr marL="0" lvl="0" indent="0" algn="l" rtl="0">
-                <a:spcBef>
-                  <a:spcPts val="0"/>
-                </a:spcBef>
-                <a:spcAft>
-                  <a:spcPts val="0"/>
-                </a:spcAft>
-                <a:buNone/>
-              </a:pPr>
-              <a:endParaRPr/>
-            </a:p>
-          </p:txBody>
-        </p:sp>
-        <p:sp>
-          <p:nvSpPr>
-            <p:cNvPr id="645" name="Google Shape;645;p30"/>
-            <p:cNvSpPr/>
-            <p:nvPr/>
-          </p:nvSpPr>
-          <p:spPr>
-            <a:xfrm>
-              <a:off x="4970766" y="3962876"/>
-              <a:ext cx="28454" cy="19510"/>
-            </a:xfrm>
-            <a:custGeom>
-              <a:avLst/>
-              <a:gdLst/>
-              <a:ahLst/>
-              <a:cxnLst/>
-              <a:rect l="l" t="t" r="r" b="b"/>
-              <a:pathLst>
-                <a:path w="894" h="613" extrusionOk="0">
-                  <a:moveTo>
-                    <a:pt x="189" y="1"/>
-                  </a:moveTo>
-                  <a:cubicBezTo>
-                    <a:pt x="130" y="1"/>
-                    <a:pt x="69" y="27"/>
-                    <a:pt x="36" y="77"/>
-                  </a:cubicBezTo>
-                  <a:cubicBezTo>
-                    <a:pt x="0" y="160"/>
-                    <a:pt x="24" y="255"/>
-                    <a:pt x="96" y="303"/>
-                  </a:cubicBezTo>
-                  <a:lnTo>
-                    <a:pt x="620" y="600"/>
-                  </a:lnTo>
-                  <a:cubicBezTo>
-                    <a:pt x="655" y="612"/>
-                    <a:pt x="679" y="612"/>
-                    <a:pt x="691" y="612"/>
-                  </a:cubicBezTo>
-                  <a:cubicBezTo>
-                    <a:pt x="751" y="612"/>
-                    <a:pt x="798" y="589"/>
-                    <a:pt x="834" y="541"/>
-                  </a:cubicBezTo>
-                  <a:cubicBezTo>
-                    <a:pt x="893" y="470"/>
-                    <a:pt x="858" y="362"/>
-                    <a:pt x="786" y="315"/>
-                  </a:cubicBezTo>
-                  <a:lnTo>
-                    <a:pt x="262" y="17"/>
-                  </a:lnTo>
-                  <a:cubicBezTo>
-                    <a:pt x="240" y="6"/>
-                    <a:pt x="215" y="1"/>
-                    <a:pt x="189" y="1"/>
-                  </a:cubicBezTo>
-                  <a:close/>
-                </a:path>
-              </a:pathLst>
-            </a:custGeom>
-            <a:solidFill>
-              <a:schemeClr val="dk2"/>
-            </a:solidFill>
-            <a:ln>
-              <a:noFill/>
-            </a:ln>
-          </p:spPr>
-          <p:txBody>
-            <a:bodyPr spcFirstLastPara="1" wrap="square" lIns="91425" tIns="91425" rIns="91425" bIns="91425" anchor="ctr" anchorCtr="0">
-              <a:noAutofit/>
-            </a:bodyPr>
-            <a:lstStyle/>
-            <a:p>
-              <a:pPr marL="0" lvl="0" indent="0" algn="l" rtl="0">
-                <a:spcBef>
-                  <a:spcPts val="0"/>
-                </a:spcBef>
-                <a:spcAft>
-                  <a:spcPts val="0"/>
-                </a:spcAft>
-                <a:buNone/>
-              </a:pPr>
-              <a:endParaRPr/>
-            </a:p>
-          </p:txBody>
-        </p:sp>
-        <p:sp>
-          <p:nvSpPr>
-            <p:cNvPr id="646" name="Google Shape;646;p30"/>
-            <p:cNvSpPr/>
-            <p:nvPr/>
-          </p:nvSpPr>
-          <p:spPr>
-            <a:xfrm>
-              <a:off x="4958258" y="4010012"/>
-              <a:ext cx="29982" cy="10248"/>
-            </a:xfrm>
-            <a:custGeom>
-              <a:avLst/>
-              <a:gdLst/>
-              <a:ahLst/>
-              <a:cxnLst/>
-              <a:rect l="l" t="t" r="r" b="b"/>
-              <a:pathLst>
-                <a:path w="942" h="322" extrusionOk="0">
-                  <a:moveTo>
-                    <a:pt x="167" y="1"/>
-                  </a:moveTo>
-                  <a:cubicBezTo>
-                    <a:pt x="72" y="1"/>
-                    <a:pt x="1" y="72"/>
-                    <a:pt x="1" y="167"/>
-                  </a:cubicBezTo>
-                  <a:cubicBezTo>
-                    <a:pt x="1" y="251"/>
-                    <a:pt x="72" y="322"/>
-                    <a:pt x="167" y="322"/>
-                  </a:cubicBezTo>
-                  <a:lnTo>
-                    <a:pt x="774" y="322"/>
-                  </a:lnTo>
-                  <a:cubicBezTo>
-                    <a:pt x="870" y="322"/>
-                    <a:pt x="941" y="251"/>
-                    <a:pt x="941" y="167"/>
-                  </a:cubicBezTo>
-                  <a:cubicBezTo>
-                    <a:pt x="941" y="72"/>
-                    <a:pt x="870" y="1"/>
-                    <a:pt x="774" y="1"/>
-                  </a:cubicBezTo>
-                  <a:close/>
-                </a:path>
-              </a:pathLst>
-            </a:custGeom>
-            <a:solidFill>
-              <a:schemeClr val="dk2"/>
-            </a:solidFill>
-            <a:ln>
-              <a:noFill/>
-            </a:ln>
-          </p:spPr>
-          <p:txBody>
-            <a:bodyPr spcFirstLastPara="1" wrap="square" lIns="91425" tIns="91425" rIns="91425" bIns="91425" anchor="ctr" anchorCtr="0">
-              <a:noAutofit/>
-            </a:bodyPr>
-            <a:lstStyle/>
-            <a:p>
-              <a:pPr marL="0" lvl="0" indent="0" algn="l" rtl="0">
-                <a:spcBef>
-                  <a:spcPts val="0"/>
-                </a:spcBef>
-                <a:spcAft>
-                  <a:spcPts val="0"/>
-                </a:spcAft>
-                <a:buNone/>
-              </a:pPr>
-              <a:endParaRPr/>
-            </a:p>
-          </p:txBody>
-        </p:sp>
-        <p:sp>
-          <p:nvSpPr>
-            <p:cNvPr id="647" name="Google Shape;647;p30"/>
-            <p:cNvSpPr/>
-            <p:nvPr/>
-          </p:nvSpPr>
-          <p:spPr>
-            <a:xfrm>
-              <a:off x="4969239" y="4047601"/>
-              <a:ext cx="30363" cy="20051"/>
-            </a:xfrm>
-            <a:custGeom>
-              <a:avLst/>
-              <a:gdLst/>
-              <a:ahLst/>
-              <a:cxnLst/>
-              <a:rect l="l" t="t" r="r" b="b"/>
-              <a:pathLst>
-                <a:path w="954" h="630" extrusionOk="0">
-                  <a:moveTo>
-                    <a:pt x="754" y="0"/>
-                  </a:moveTo>
-                  <a:cubicBezTo>
-                    <a:pt x="728" y="0"/>
-                    <a:pt x="702" y="7"/>
-                    <a:pt x="679" y="22"/>
-                  </a:cubicBezTo>
-                  <a:lnTo>
-                    <a:pt x="156" y="320"/>
-                  </a:lnTo>
-                  <a:cubicBezTo>
-                    <a:pt x="1" y="415"/>
-                    <a:pt x="60" y="629"/>
-                    <a:pt x="239" y="629"/>
-                  </a:cubicBezTo>
-                  <a:cubicBezTo>
-                    <a:pt x="310" y="629"/>
-                    <a:pt x="310" y="605"/>
-                    <a:pt x="846" y="308"/>
-                  </a:cubicBezTo>
-                  <a:cubicBezTo>
-                    <a:pt x="918" y="260"/>
-                    <a:pt x="953" y="153"/>
-                    <a:pt x="906" y="82"/>
-                  </a:cubicBezTo>
-                  <a:cubicBezTo>
-                    <a:pt x="873" y="33"/>
-                    <a:pt x="812" y="0"/>
-                    <a:pt x="754" y="0"/>
-                  </a:cubicBezTo>
-                  <a:close/>
-                </a:path>
-              </a:pathLst>
-            </a:custGeom>
-            <a:solidFill>
-              <a:schemeClr val="dk2"/>
-            </a:solidFill>
-            <a:ln>
-              <a:noFill/>
-            </a:ln>
-          </p:spPr>
-          <p:txBody>
-            <a:bodyPr spcFirstLastPara="1" wrap="square" lIns="91425" tIns="91425" rIns="91425" bIns="91425" anchor="ctr" anchorCtr="0">
-              <a:noAutofit/>
-            </a:bodyPr>
-            <a:lstStyle/>
-            <a:p>
-              <a:pPr marL="0" lvl="0" indent="0" algn="l" rtl="0">
-                <a:spcBef>
-                  <a:spcPts val="0"/>
-                </a:spcBef>
-                <a:spcAft>
-                  <a:spcPts val="0"/>
-                </a:spcAft>
-                <a:buNone/>
-              </a:pPr>
-              <a:endParaRPr/>
-            </a:p>
-          </p:txBody>
-        </p:sp>
-        <p:sp>
-          <p:nvSpPr>
-            <p:cNvPr id="648" name="Google Shape;648;p30"/>
-            <p:cNvSpPr/>
-            <p:nvPr/>
-          </p:nvSpPr>
-          <p:spPr>
-            <a:xfrm>
-              <a:off x="5005236" y="4075641"/>
-              <a:ext cx="21261" cy="26862"/>
-            </a:xfrm>
-            <a:custGeom>
-              <a:avLst/>
-              <a:gdLst/>
-              <a:ahLst/>
-              <a:cxnLst/>
-              <a:rect l="l" t="t" r="r" b="b"/>
-              <a:pathLst>
-                <a:path w="668" h="844" extrusionOk="0">
-                  <a:moveTo>
-                    <a:pt x="491" y="0"/>
-                  </a:moveTo>
-                  <a:cubicBezTo>
-                    <a:pt x="440" y="0"/>
-                    <a:pt x="391" y="33"/>
-                    <a:pt x="358" y="82"/>
-                  </a:cubicBezTo>
-                  <a:lnTo>
-                    <a:pt x="60" y="606"/>
-                  </a:lnTo>
-                  <a:cubicBezTo>
-                    <a:pt x="1" y="701"/>
-                    <a:pt x="72" y="844"/>
-                    <a:pt x="191" y="844"/>
-                  </a:cubicBezTo>
-                  <a:cubicBezTo>
-                    <a:pt x="251" y="844"/>
-                    <a:pt x="299" y="808"/>
-                    <a:pt x="322" y="760"/>
-                  </a:cubicBezTo>
-                  <a:lnTo>
-                    <a:pt x="620" y="248"/>
-                  </a:lnTo>
-                  <a:cubicBezTo>
-                    <a:pt x="668" y="165"/>
-                    <a:pt x="644" y="70"/>
-                    <a:pt x="561" y="22"/>
-                  </a:cubicBezTo>
-                  <a:cubicBezTo>
-                    <a:pt x="538" y="7"/>
-                    <a:pt x="514" y="0"/>
-                    <a:pt x="491" y="0"/>
-                  </a:cubicBezTo>
-                  <a:close/>
-                </a:path>
-              </a:pathLst>
-            </a:custGeom>
-            <a:solidFill>
-              <a:schemeClr val="dk2"/>
-            </a:solidFill>
-            <a:ln>
-              <a:noFill/>
-            </a:ln>
-          </p:spPr>
-          <p:txBody>
-            <a:bodyPr spcFirstLastPara="1" wrap="square" lIns="91425" tIns="91425" rIns="91425" bIns="91425" anchor="ctr" anchorCtr="0">
-              <a:noAutofit/>
-            </a:bodyPr>
-            <a:lstStyle/>
-            <a:p>
-              <a:pPr marL="0" lvl="0" indent="0" algn="l" rtl="0">
-                <a:spcBef>
-                  <a:spcPts val="0"/>
-                </a:spcBef>
-                <a:spcAft>
-                  <a:spcPts val="0"/>
-                </a:spcAft>
-                <a:buNone/>
-              </a:pPr>
-              <a:endParaRPr/>
-            </a:p>
-          </p:txBody>
-        </p:sp>
-        <p:sp>
-          <p:nvSpPr>
-            <p:cNvPr id="649" name="Google Shape;649;p30"/>
-            <p:cNvSpPr/>
-            <p:nvPr/>
-          </p:nvSpPr>
-          <p:spPr>
-            <a:xfrm>
-              <a:off x="5053391" y="4085794"/>
-              <a:ext cx="10630" cy="29982"/>
-            </a:xfrm>
-            <a:custGeom>
-              <a:avLst/>
-              <a:gdLst/>
-              <a:ahLst/>
-              <a:cxnLst/>
-              <a:rect l="l" t="t" r="r" b="b"/>
-              <a:pathLst>
-                <a:path w="334" h="942" extrusionOk="0">
-                  <a:moveTo>
-                    <a:pt x="167" y="1"/>
-                  </a:moveTo>
-                  <a:cubicBezTo>
-                    <a:pt x="83" y="1"/>
-                    <a:pt x="0" y="72"/>
-                    <a:pt x="0" y="167"/>
-                  </a:cubicBezTo>
-                  <a:lnTo>
-                    <a:pt x="0" y="775"/>
-                  </a:lnTo>
-                  <a:cubicBezTo>
-                    <a:pt x="0" y="858"/>
-                    <a:pt x="83" y="941"/>
-                    <a:pt x="167" y="941"/>
-                  </a:cubicBezTo>
-                  <a:cubicBezTo>
-                    <a:pt x="250" y="941"/>
-                    <a:pt x="333" y="858"/>
-                    <a:pt x="333" y="775"/>
-                  </a:cubicBezTo>
-                  <a:lnTo>
-                    <a:pt x="333" y="167"/>
-                  </a:lnTo>
-                  <a:cubicBezTo>
-                    <a:pt x="333" y="72"/>
-                    <a:pt x="250" y="1"/>
-                    <a:pt x="167" y="1"/>
-                  </a:cubicBezTo>
-                  <a:close/>
-                </a:path>
-              </a:pathLst>
-            </a:custGeom>
-            <a:solidFill>
-              <a:schemeClr val="dk2"/>
-            </a:solidFill>
-            <a:ln>
-              <a:noFill/>
-            </a:ln>
-          </p:spPr>
-          <p:txBody>
-            <a:bodyPr spcFirstLastPara="1" wrap="square" lIns="91425" tIns="91425" rIns="91425" bIns="91425" anchor="ctr" anchorCtr="0">
-              <a:noAutofit/>
-            </a:bodyPr>
-            <a:lstStyle/>
-            <a:p>
-              <a:pPr marL="0" lvl="0" indent="0" algn="l" rtl="0">
-                <a:spcBef>
-                  <a:spcPts val="0"/>
-                </a:spcBef>
-                <a:spcAft>
-                  <a:spcPts val="0"/>
-                </a:spcAft>
-                <a:buNone/>
-              </a:pPr>
-              <a:endParaRPr/>
-            </a:p>
-          </p:txBody>
-        </p:sp>
-        <p:sp>
-          <p:nvSpPr>
-            <p:cNvPr id="650" name="Google Shape;650;p30"/>
-            <p:cNvSpPr/>
-            <p:nvPr/>
-          </p:nvSpPr>
-          <p:spPr>
-            <a:xfrm>
-              <a:off x="5090501" y="4075641"/>
-              <a:ext cx="21261" cy="26894"/>
-            </a:xfrm>
-            <a:custGeom>
-              <a:avLst/>
-              <a:gdLst/>
-              <a:ahLst/>
-              <a:cxnLst/>
-              <a:rect l="l" t="t" r="r" b="b"/>
-              <a:pathLst>
-                <a:path w="668" h="845" extrusionOk="0">
-                  <a:moveTo>
-                    <a:pt x="182" y="0"/>
-                  </a:moveTo>
-                  <a:cubicBezTo>
-                    <a:pt x="156" y="0"/>
-                    <a:pt x="130" y="7"/>
-                    <a:pt x="108" y="22"/>
-                  </a:cubicBezTo>
-                  <a:cubicBezTo>
-                    <a:pt x="25" y="70"/>
-                    <a:pt x="1" y="165"/>
-                    <a:pt x="48" y="248"/>
-                  </a:cubicBezTo>
-                  <a:lnTo>
-                    <a:pt x="346" y="760"/>
-                  </a:lnTo>
-                  <a:cubicBezTo>
-                    <a:pt x="370" y="815"/>
-                    <a:pt x="424" y="844"/>
-                    <a:pt x="479" y="844"/>
-                  </a:cubicBezTo>
-                  <a:cubicBezTo>
-                    <a:pt x="507" y="844"/>
-                    <a:pt x="536" y="836"/>
-                    <a:pt x="560" y="820"/>
-                  </a:cubicBezTo>
-                  <a:cubicBezTo>
-                    <a:pt x="644" y="784"/>
-                    <a:pt x="668" y="677"/>
-                    <a:pt x="620" y="606"/>
-                  </a:cubicBezTo>
-                  <a:lnTo>
-                    <a:pt x="322" y="82"/>
-                  </a:lnTo>
-                  <a:cubicBezTo>
-                    <a:pt x="298" y="33"/>
-                    <a:pt x="240" y="0"/>
-                    <a:pt x="182" y="0"/>
-                  </a:cubicBezTo>
-                  <a:close/>
-                </a:path>
-              </a:pathLst>
-            </a:custGeom>
-            <a:solidFill>
-              <a:schemeClr val="dk2"/>
-            </a:solidFill>
-            <a:ln>
-              <a:noFill/>
-            </a:ln>
-          </p:spPr>
-          <p:txBody>
-            <a:bodyPr spcFirstLastPara="1" wrap="square" lIns="91425" tIns="91425" rIns="91425" bIns="91425" anchor="ctr" anchorCtr="0">
-              <a:noAutofit/>
-            </a:bodyPr>
-            <a:lstStyle/>
-            <a:p>
-              <a:pPr marL="0" lvl="0" indent="0" algn="l" rtl="0">
-                <a:spcBef>
-                  <a:spcPts val="0"/>
-                </a:spcBef>
-                <a:spcAft>
-                  <a:spcPts val="0"/>
-                </a:spcAft>
-                <a:buNone/>
-              </a:pPr>
-              <a:endParaRPr/>
-            </a:p>
-          </p:txBody>
-        </p:sp>
-        <p:sp>
-          <p:nvSpPr>
-            <p:cNvPr id="651" name="Google Shape;651;p30"/>
-            <p:cNvSpPr/>
-            <p:nvPr/>
-          </p:nvSpPr>
-          <p:spPr>
-            <a:xfrm>
-              <a:off x="5117809" y="4048142"/>
-              <a:ext cx="28454" cy="19510"/>
-            </a:xfrm>
-            <a:custGeom>
-              <a:avLst/>
-              <a:gdLst/>
-              <a:ahLst/>
-              <a:cxnLst/>
-              <a:rect l="l" t="t" r="r" b="b"/>
-              <a:pathLst>
-                <a:path w="894" h="613" extrusionOk="0">
-                  <a:moveTo>
-                    <a:pt x="195" y="1"/>
-                  </a:moveTo>
-                  <a:cubicBezTo>
-                    <a:pt x="136" y="1"/>
-                    <a:pt x="81" y="27"/>
-                    <a:pt x="48" y="77"/>
-                  </a:cubicBezTo>
-                  <a:cubicBezTo>
-                    <a:pt x="0" y="160"/>
-                    <a:pt x="36" y="243"/>
-                    <a:pt x="107" y="291"/>
-                  </a:cubicBezTo>
-                  <a:cubicBezTo>
-                    <a:pt x="643" y="588"/>
-                    <a:pt x="631" y="612"/>
-                    <a:pt x="714" y="612"/>
-                  </a:cubicBezTo>
-                  <a:cubicBezTo>
-                    <a:pt x="774" y="612"/>
-                    <a:pt x="822" y="588"/>
-                    <a:pt x="845" y="541"/>
-                  </a:cubicBezTo>
-                  <a:cubicBezTo>
-                    <a:pt x="893" y="469"/>
-                    <a:pt x="869" y="362"/>
-                    <a:pt x="786" y="315"/>
-                  </a:cubicBezTo>
-                  <a:lnTo>
-                    <a:pt x="274" y="17"/>
-                  </a:lnTo>
-                  <a:cubicBezTo>
-                    <a:pt x="248" y="6"/>
-                    <a:pt x="221" y="1"/>
-                    <a:pt x="195" y="1"/>
-                  </a:cubicBezTo>
-                  <a:close/>
-                </a:path>
-              </a:pathLst>
-            </a:custGeom>
-            <a:solidFill>
-              <a:schemeClr val="dk2"/>
-            </a:solidFill>
-            <a:ln>
-              <a:noFill/>
-            </a:ln>
-          </p:spPr>
-          <p:txBody>
-            <a:bodyPr spcFirstLastPara="1" wrap="square" lIns="91425" tIns="91425" rIns="91425" bIns="91425" anchor="ctr" anchorCtr="0">
-              <a:noAutofit/>
-            </a:bodyPr>
-            <a:lstStyle/>
-            <a:p>
-              <a:pPr marL="0" lvl="0" indent="0" algn="l" rtl="0">
-                <a:spcBef>
-                  <a:spcPts val="0"/>
-                </a:spcBef>
-                <a:spcAft>
-                  <a:spcPts val="0"/>
-                </a:spcAft>
-                <a:buNone/>
-              </a:pPr>
-              <a:endParaRPr/>
-            </a:p>
-          </p:txBody>
-        </p:sp>
-        <p:sp>
-          <p:nvSpPr>
-            <p:cNvPr id="652" name="Google Shape;652;p30"/>
-            <p:cNvSpPr/>
-            <p:nvPr/>
-          </p:nvSpPr>
-          <p:spPr>
-            <a:xfrm>
-              <a:off x="5128790" y="4010012"/>
-              <a:ext cx="29950" cy="10248"/>
-            </a:xfrm>
-            <a:custGeom>
-              <a:avLst/>
-              <a:gdLst/>
-              <a:ahLst/>
-              <a:cxnLst/>
-              <a:rect l="l" t="t" r="r" b="b"/>
-              <a:pathLst>
-                <a:path w="941" h="322" extrusionOk="0">
-                  <a:moveTo>
-                    <a:pt x="167" y="1"/>
-                  </a:moveTo>
-                  <a:cubicBezTo>
-                    <a:pt x="72" y="1"/>
-                    <a:pt x="0" y="72"/>
-                    <a:pt x="0" y="167"/>
-                  </a:cubicBezTo>
-                  <a:cubicBezTo>
-                    <a:pt x="0" y="251"/>
-                    <a:pt x="72" y="322"/>
-                    <a:pt x="167" y="322"/>
-                  </a:cubicBezTo>
-                  <a:lnTo>
-                    <a:pt x="774" y="322"/>
-                  </a:lnTo>
-                  <a:cubicBezTo>
-                    <a:pt x="870" y="322"/>
-                    <a:pt x="941" y="251"/>
-                    <a:pt x="941" y="167"/>
-                  </a:cubicBezTo>
-                  <a:cubicBezTo>
-                    <a:pt x="941" y="72"/>
-                    <a:pt x="870" y="1"/>
-                    <a:pt x="774" y="1"/>
-                  </a:cubicBezTo>
-                  <a:close/>
-                </a:path>
-              </a:pathLst>
-            </a:custGeom>
-            <a:solidFill>
-              <a:schemeClr val="dk2"/>
-            </a:solidFill>
-            <a:ln>
-              <a:noFill/>
-            </a:ln>
-          </p:spPr>
-          <p:txBody>
-            <a:bodyPr spcFirstLastPara="1" wrap="square" lIns="91425" tIns="91425" rIns="91425" bIns="91425" anchor="ctr" anchorCtr="0">
-              <a:noAutofit/>
-            </a:bodyPr>
-            <a:lstStyle/>
-            <a:p>
-              <a:pPr marL="0" lvl="0" indent="0" algn="l" rtl="0">
-                <a:spcBef>
-                  <a:spcPts val="0"/>
-                </a:spcBef>
-                <a:spcAft>
-                  <a:spcPts val="0"/>
-                </a:spcAft>
-                <a:buNone/>
-              </a:pPr>
-              <a:endParaRPr/>
-            </a:p>
-          </p:txBody>
-        </p:sp>
-        <p:sp>
-          <p:nvSpPr>
-            <p:cNvPr id="653" name="Google Shape;653;p30"/>
-            <p:cNvSpPr/>
-            <p:nvPr/>
-          </p:nvSpPr>
-          <p:spPr>
-            <a:xfrm>
-              <a:off x="5117809" y="3962717"/>
-              <a:ext cx="28454" cy="19669"/>
-            </a:xfrm>
-            <a:custGeom>
-              <a:avLst/>
-              <a:gdLst/>
-              <a:ahLst/>
-              <a:cxnLst/>
-              <a:rect l="l" t="t" r="r" b="b"/>
-              <a:pathLst>
-                <a:path w="894" h="618" extrusionOk="0">
-                  <a:moveTo>
-                    <a:pt x="706" y="0"/>
-                  </a:moveTo>
-                  <a:cubicBezTo>
-                    <a:pt x="679" y="0"/>
-                    <a:pt x="654" y="7"/>
-                    <a:pt x="631" y="22"/>
-                  </a:cubicBezTo>
-                  <a:lnTo>
-                    <a:pt x="107" y="320"/>
-                  </a:lnTo>
-                  <a:cubicBezTo>
-                    <a:pt x="36" y="367"/>
-                    <a:pt x="0" y="475"/>
-                    <a:pt x="48" y="546"/>
-                  </a:cubicBezTo>
-                  <a:cubicBezTo>
-                    <a:pt x="83" y="594"/>
-                    <a:pt x="143" y="617"/>
-                    <a:pt x="202" y="617"/>
-                  </a:cubicBezTo>
-                  <a:cubicBezTo>
-                    <a:pt x="226" y="617"/>
-                    <a:pt x="262" y="617"/>
-                    <a:pt x="274" y="605"/>
-                  </a:cubicBezTo>
-                  <a:lnTo>
-                    <a:pt x="798" y="308"/>
-                  </a:lnTo>
-                  <a:cubicBezTo>
-                    <a:pt x="869" y="260"/>
-                    <a:pt x="893" y="165"/>
-                    <a:pt x="857" y="82"/>
-                  </a:cubicBezTo>
-                  <a:cubicBezTo>
-                    <a:pt x="825" y="33"/>
-                    <a:pt x="764" y="0"/>
-                    <a:pt x="706" y="0"/>
-                  </a:cubicBezTo>
-                  <a:close/>
-                </a:path>
-              </a:pathLst>
-            </a:custGeom>
-            <a:solidFill>
-              <a:schemeClr val="dk2"/>
-            </a:solidFill>
-            <a:ln>
-              <a:noFill/>
-            </a:ln>
-          </p:spPr>
-          <p:txBody>
-            <a:bodyPr spcFirstLastPara="1" wrap="square" lIns="91425" tIns="91425" rIns="91425" bIns="91425" anchor="ctr" anchorCtr="0">
-              <a:noAutofit/>
-            </a:bodyPr>
-            <a:lstStyle/>
-            <a:p>
-              <a:pPr marL="0" lvl="0" indent="0" algn="l" rtl="0">
-                <a:spcBef>
-                  <a:spcPts val="0"/>
-                </a:spcBef>
-                <a:spcAft>
-                  <a:spcPts val="0"/>
-                </a:spcAft>
-                <a:buNone/>
-              </a:pPr>
-              <a:endParaRPr/>
-            </a:p>
-          </p:txBody>
-        </p:sp>
-        <p:sp>
-          <p:nvSpPr>
-            <p:cNvPr id="654" name="Google Shape;654;p30"/>
-            <p:cNvSpPr/>
-            <p:nvPr/>
-          </p:nvSpPr>
-          <p:spPr>
-            <a:xfrm>
-              <a:off x="5090501" y="3928152"/>
-              <a:ext cx="20879" cy="26958"/>
-            </a:xfrm>
-            <a:custGeom>
-              <a:avLst/>
-              <a:gdLst/>
-              <a:ahLst/>
-              <a:cxnLst/>
-              <a:rect l="l" t="t" r="r" b="b"/>
-              <a:pathLst>
-                <a:path w="656" h="847" extrusionOk="0">
-                  <a:moveTo>
-                    <a:pt x="475" y="0"/>
-                  </a:moveTo>
-                  <a:cubicBezTo>
-                    <a:pt x="424" y="0"/>
-                    <a:pt x="370" y="29"/>
-                    <a:pt x="346" y="84"/>
-                  </a:cubicBezTo>
-                  <a:lnTo>
-                    <a:pt x="48" y="608"/>
-                  </a:lnTo>
-                  <a:cubicBezTo>
-                    <a:pt x="1" y="679"/>
-                    <a:pt x="25" y="787"/>
-                    <a:pt x="108" y="834"/>
-                  </a:cubicBezTo>
-                  <a:cubicBezTo>
-                    <a:pt x="132" y="846"/>
-                    <a:pt x="168" y="846"/>
-                    <a:pt x="179" y="846"/>
-                  </a:cubicBezTo>
-                  <a:cubicBezTo>
-                    <a:pt x="239" y="846"/>
-                    <a:pt x="287" y="810"/>
-                    <a:pt x="310" y="775"/>
-                  </a:cubicBezTo>
-                  <a:lnTo>
-                    <a:pt x="608" y="251"/>
-                  </a:lnTo>
-                  <a:cubicBezTo>
-                    <a:pt x="656" y="179"/>
-                    <a:pt x="620" y="72"/>
-                    <a:pt x="549" y="25"/>
-                  </a:cubicBezTo>
-                  <a:cubicBezTo>
-                    <a:pt x="528" y="8"/>
-                    <a:pt x="502" y="0"/>
-                    <a:pt x="475" y="0"/>
-                  </a:cubicBezTo>
-                  <a:close/>
-                </a:path>
-              </a:pathLst>
-            </a:custGeom>
-            <a:solidFill>
-              <a:schemeClr val="dk2"/>
-            </a:solidFill>
-            <a:ln>
-              <a:noFill/>
-            </a:ln>
-          </p:spPr>
-          <p:txBody>
-            <a:bodyPr spcFirstLastPara="1" wrap="square" lIns="91425" tIns="91425" rIns="91425" bIns="91425" anchor="ctr" anchorCtr="0">
-              <a:noAutofit/>
-            </a:bodyPr>
-            <a:lstStyle/>
-            <a:p>
-              <a:pPr marL="0" lvl="0" indent="0" algn="l" rtl="0">
-                <a:spcBef>
-                  <a:spcPts val="0"/>
-                </a:spcBef>
-                <a:spcAft>
-                  <a:spcPts val="0"/>
-                </a:spcAft>
-                <a:buNone/>
-              </a:pPr>
-              <a:endParaRPr/>
-            </a:p>
-          </p:txBody>
-        </p:sp>
-      </p:grpSp>
-      <p:sp>
-        <p:nvSpPr>
-          <p:cNvPr id="2" name="TextBox 1"/>
-          <p:cNvSpPr txBox="1"/>
-          <p:nvPr/>
-        </p:nvSpPr>
-        <p:spPr>
-          <a:xfrm>
-            <a:off x="413468" y="989475"/>
-            <a:ext cx="8173941" cy="400110"/>
-          </a:xfrm>
-          <a:prstGeom prst="rect">
-            <a:avLst/>
-          </a:prstGeom>
-          <a:noFill/>
-        </p:spPr>
-        <p:txBody>
-          <a:bodyPr wrap="square" rtlCol="0">
-            <a:spAutoFit/>
-          </a:bodyPr>
-          <a:lstStyle/>
-          <a:p>
-            <a:endParaRPr lang="vi-VN" sz="2000" dirty="0">
-              <a:solidFill>
-                <a:schemeClr val="bg1"/>
-              </a:solidFill>
-            </a:endParaRPr>
-          </a:p>
-        </p:txBody>
-      </p:sp>
-      <p:sp>
-        <p:nvSpPr>
-          <p:cNvPr id="4" name="TextBox 3"/>
-          <p:cNvSpPr txBox="1"/>
-          <p:nvPr/>
-        </p:nvSpPr>
-        <p:spPr>
-          <a:xfrm>
-            <a:off x="1200202" y="2363919"/>
-            <a:ext cx="2504661" cy="707886"/>
-          </a:xfrm>
-          <a:prstGeom prst="rect">
-            <a:avLst/>
-          </a:prstGeom>
-          <a:noFill/>
-        </p:spPr>
-        <p:txBody>
-          <a:bodyPr wrap="square" rtlCol="0">
-            <a:spAutoFit/>
-          </a:bodyPr>
-          <a:lstStyle/>
-          <a:p>
-            <a:pPr algn="r"/>
-            <a:r>
-              <a:rPr lang="en-US" sz="2000" dirty="0" smtClean="0">
-                <a:solidFill>
-                  <a:schemeClr val="bg1"/>
-                </a:solidFill>
-                <a:latin typeface="Book Antiqua" panose="02040602050305030304" pitchFamily="18" charset="0"/>
-              </a:rPr>
-              <a:t>CORRELATION MATRIX</a:t>
-            </a:r>
-            <a:endParaRPr lang="vi-VN" sz="2000" dirty="0">
-              <a:solidFill>
-                <a:schemeClr val="bg1"/>
-              </a:solidFill>
-            </a:endParaRPr>
-          </a:p>
-        </p:txBody>
-      </p:sp>
-      <p:pic>
-        <p:nvPicPr>
-          <p:cNvPr id="6" name="Picture 5"/>
-          <p:cNvPicPr>
-            <a:picLocks noChangeAspect="1"/>
-          </p:cNvPicPr>
-          <p:nvPr/>
-        </p:nvPicPr>
-        <p:blipFill>
-          <a:blip r:embed="rId3">
-            <a:extLst>
-              <a:ext uri="{28A0092B-C50C-407E-A947-70E740481C1C}">
-                <a14:useLocalDpi xmlns:a14="http://schemas.microsoft.com/office/drawing/2010/main" val="0"/>
-              </a:ext>
-            </a:extLst>
-          </a:blip>
-          <a:stretch>
-            <a:fillRect/>
-          </a:stretch>
-        </p:blipFill>
-        <p:spPr>
-          <a:xfrm>
-            <a:off x="3784753" y="335940"/>
-            <a:ext cx="5359247" cy="4807560"/>
-          </a:xfrm>
-          <a:prstGeom prst="rect">
-            <a:avLst/>
-          </a:prstGeom>
-        </p:spPr>
-      </p:pic>
-    </p:spTree>
-    <p:extLst>
-      <p:ext uri="{BB962C8B-B14F-4D97-AF65-F5344CB8AC3E}">
-        <p14:creationId xmlns:p14="http://schemas.microsoft.com/office/powerpoint/2010/main" val="2610594226"/>
       </p:ext>
     </p:extLst>
   </p:cSld>
